--- a/Session3/M03.pptx
+++ b/Session3/M03.pptx
@@ -7,7 +7,7 @@
     <p:sldMasterId id="2147483873" r:id="rId3"/>
   </p:sldMasterIdLst>
   <p:notesMasterIdLst>
-    <p:notesMasterId r:id="rId66"/>
+    <p:notesMasterId r:id="rId68"/>
   </p:notesMasterIdLst>
   <p:sldIdLst>
     <p:sldId id="256" r:id="rId4"/>
@@ -45,33 +45,35 @@
     <p:sldId id="495" r:id="rId36"/>
     <p:sldId id="496" r:id="rId37"/>
     <p:sldId id="497" r:id="rId38"/>
-    <p:sldId id="498" r:id="rId39"/>
-    <p:sldId id="499" r:id="rId40"/>
-    <p:sldId id="500" r:id="rId41"/>
-    <p:sldId id="501" r:id="rId42"/>
-    <p:sldId id="502" r:id="rId43"/>
-    <p:sldId id="503" r:id="rId44"/>
-    <p:sldId id="504" r:id="rId45"/>
-    <p:sldId id="505" r:id="rId46"/>
-    <p:sldId id="507" r:id="rId47"/>
-    <p:sldId id="508" r:id="rId48"/>
-    <p:sldId id="509" r:id="rId49"/>
-    <p:sldId id="511" r:id="rId50"/>
-    <p:sldId id="512" r:id="rId51"/>
-    <p:sldId id="513" r:id="rId52"/>
-    <p:sldId id="514" r:id="rId53"/>
-    <p:sldId id="515" r:id="rId54"/>
-    <p:sldId id="556" r:id="rId55"/>
-    <p:sldId id="557" r:id="rId56"/>
-    <p:sldId id="523" r:id="rId57"/>
-    <p:sldId id="524" r:id="rId58"/>
-    <p:sldId id="525" r:id="rId59"/>
-    <p:sldId id="545" r:id="rId60"/>
-    <p:sldId id="546" r:id="rId61"/>
-    <p:sldId id="547" r:id="rId62"/>
-    <p:sldId id="548" r:id="rId63"/>
-    <p:sldId id="549" r:id="rId64"/>
-    <p:sldId id="550" r:id="rId65"/>
+    <p:sldId id="642" r:id="rId39"/>
+    <p:sldId id="498" r:id="rId40"/>
+    <p:sldId id="499" r:id="rId41"/>
+    <p:sldId id="500" r:id="rId42"/>
+    <p:sldId id="501" r:id="rId43"/>
+    <p:sldId id="502" r:id="rId44"/>
+    <p:sldId id="503" r:id="rId45"/>
+    <p:sldId id="504" r:id="rId46"/>
+    <p:sldId id="505" r:id="rId47"/>
+    <p:sldId id="643" r:id="rId48"/>
+    <p:sldId id="507" r:id="rId49"/>
+    <p:sldId id="508" r:id="rId50"/>
+    <p:sldId id="509" r:id="rId51"/>
+    <p:sldId id="511" r:id="rId52"/>
+    <p:sldId id="512" r:id="rId53"/>
+    <p:sldId id="513" r:id="rId54"/>
+    <p:sldId id="514" r:id="rId55"/>
+    <p:sldId id="515" r:id="rId56"/>
+    <p:sldId id="556" r:id="rId57"/>
+    <p:sldId id="557" r:id="rId58"/>
+    <p:sldId id="523" r:id="rId59"/>
+    <p:sldId id="524" r:id="rId60"/>
+    <p:sldId id="525" r:id="rId61"/>
+    <p:sldId id="545" r:id="rId62"/>
+    <p:sldId id="546" r:id="rId63"/>
+    <p:sldId id="547" r:id="rId64"/>
+    <p:sldId id="548" r:id="rId65"/>
+    <p:sldId id="549" r:id="rId66"/>
+    <p:sldId id="550" r:id="rId67"/>
   </p:sldIdLst>
   <p:sldSz cx="12192000" cy="6858000"/>
   <p:notesSz cx="6858000" cy="9144000"/>
@@ -222,6 +224,7 @@
             <p14:sldId id="495"/>
             <p14:sldId id="496"/>
             <p14:sldId id="497"/>
+            <p14:sldId id="642"/>
             <p14:sldId id="498"/>
             <p14:sldId id="499"/>
             <p14:sldId id="500"/>
@@ -230,6 +233,7 @@
             <p14:sldId id="503"/>
             <p14:sldId id="504"/>
             <p14:sldId id="505"/>
+            <p14:sldId id="643"/>
             <p14:sldId id="507"/>
             <p14:sldId id="508"/>
             <p14:sldId id="509"/>
@@ -346,7 +350,7 @@
           <a:p>
             <a:fld id="{A14229F0-6F9D-41CD-A6D8-76BCCF047171}" type="datetimeFigureOut">
               <a:rPr lang="zh-TW" altLang="en-US" smtClean="0"/>
-              <a:t>2017/1/10</a:t>
+              <a:t>2017/1/12</a:t>
             </a:fld>
             <a:endParaRPr lang="zh-TW" altLang="en-US"/>
           </a:p>
@@ -1509,7 +1513,7 @@
           <a:p>
             <a:fld id="{CBE1ABE5-D858-48A3-BD52-D48ED13BE262}" type="slidenum">
               <a:rPr lang="zh-TW" altLang="en-US" smtClean="0"/>
-              <a:t>46</a:t>
+              <a:t>48</a:t>
             </a:fld>
             <a:endParaRPr lang="zh-TW" altLang="en-US"/>
           </a:p>
@@ -2001,7 +2005,7 @@
           <a:p>
             <a:fld id="{CBE1ABE5-D858-48A3-BD52-D48ED13BE262}" type="slidenum">
               <a:rPr lang="zh-TW" altLang="en-US" smtClean="0"/>
-              <a:t>54</a:t>
+              <a:t>56</a:t>
             </a:fld>
             <a:endParaRPr lang="zh-TW" altLang="en-US"/>
           </a:p>
@@ -2246,7 +2250,7 @@
           <a:p>
             <a:fld id="{036662CF-C7B0-4E0D-A8EF-6C346E54F2F8}" type="datetimeFigureOut">
               <a:rPr lang="zh-TW" altLang="en-US" smtClean="0"/>
-              <a:t>2017/1/10</a:t>
+              <a:t>2017/1/12</a:t>
             </a:fld>
             <a:endParaRPr lang="zh-TW" altLang="en-US"/>
           </a:p>
@@ -2461,7 +2465,7 @@
           <a:p>
             <a:fld id="{036662CF-C7B0-4E0D-A8EF-6C346E54F2F8}" type="datetimeFigureOut">
               <a:rPr lang="zh-TW" altLang="en-US" smtClean="0"/>
-              <a:t>2017/1/10</a:t>
+              <a:t>2017/1/12</a:t>
             </a:fld>
             <a:endParaRPr lang="zh-TW" altLang="en-US"/>
           </a:p>
@@ -2724,7 +2728,7 @@
           <a:p>
             <a:fld id="{036662CF-C7B0-4E0D-A8EF-6C346E54F2F8}" type="datetimeFigureOut">
               <a:rPr lang="zh-TW" altLang="en-US" smtClean="0"/>
-              <a:t>2017/1/10</a:t>
+              <a:t>2017/1/12</a:t>
             </a:fld>
             <a:endParaRPr lang="zh-TW" altLang="en-US"/>
           </a:p>
@@ -6486,7 +6490,7 @@
           <a:p>
             <a:fld id="{036662CF-C7B0-4E0D-A8EF-6C346E54F2F8}" type="datetimeFigureOut">
               <a:rPr lang="zh-TW" altLang="en-US" smtClean="0"/>
-              <a:t>2017/1/10</a:t>
+              <a:t>2017/1/12</a:t>
             </a:fld>
             <a:endParaRPr lang="zh-TW" altLang="en-US"/>
           </a:p>
@@ -7876,7 +7880,7 @@
             <a:fld id="{036662CF-C7B0-4E0D-A8EF-6C346E54F2F8}" type="datetimeFigureOut">
               <a:rPr lang="zh-TW" altLang="en-US" smtClean="0"/>
               <a:pPr/>
-              <a:t>2017/1/10</a:t>
+              <a:t>2017/1/12</a:t>
             </a:fld>
             <a:endParaRPr lang="zh-TW" altLang="en-US"/>
           </a:p>
@@ -11996,7 +12000,7 @@
           <a:p>
             <a:fld id="{036662CF-C7B0-4E0D-A8EF-6C346E54F2F8}" type="datetimeFigureOut">
               <a:rPr lang="zh-TW" altLang="en-US" smtClean="0"/>
-              <a:t>2017/1/10</a:t>
+              <a:t>2017/1/12</a:t>
             </a:fld>
             <a:endParaRPr lang="zh-TW" altLang="en-US"/>
           </a:p>
@@ -14048,7 +14052,7 @@
           <a:p>
             <a:fld id="{036662CF-C7B0-4E0D-A8EF-6C346E54F2F8}" type="datetimeFigureOut">
               <a:rPr lang="zh-TW" altLang="en-US" smtClean="0"/>
-              <a:t>2017/1/10</a:t>
+              <a:t>2017/1/12</a:t>
             </a:fld>
             <a:endParaRPr lang="zh-TW" altLang="en-US"/>
           </a:p>
@@ -15360,7 +15364,7 @@
           <a:p>
             <a:fld id="{036662CF-C7B0-4E0D-A8EF-6C346E54F2F8}" type="datetimeFigureOut">
               <a:rPr lang="zh-TW" altLang="en-US" smtClean="0"/>
-              <a:t>2017/1/10</a:t>
+              <a:t>2017/1/12</a:t>
             </a:fld>
             <a:endParaRPr lang="zh-TW" altLang="en-US"/>
           </a:p>
@@ -15538,7 +15542,7 @@
           <a:p>
             <a:fld id="{036662CF-C7B0-4E0D-A8EF-6C346E54F2F8}" type="datetimeFigureOut">
               <a:rPr lang="zh-TW" altLang="en-US" smtClean="0"/>
-              <a:t>2017/1/10</a:t>
+              <a:t>2017/1/12</a:t>
             </a:fld>
             <a:endParaRPr lang="zh-TW" altLang="en-US"/>
           </a:p>
@@ -15938,7 +15942,7 @@
             <a:fld id="{036662CF-C7B0-4E0D-A8EF-6C346E54F2F8}" type="datetimeFigureOut">
               <a:rPr lang="zh-TW" altLang="en-US" smtClean="0"/>
               <a:pPr/>
-              <a:t>2017/1/10</a:t>
+              <a:t>2017/1/12</a:t>
             </a:fld>
             <a:endParaRPr lang="zh-TW" altLang="en-US"/>
           </a:p>
@@ -16346,7 +16350,7 @@
             <a:fld id="{036662CF-C7B0-4E0D-A8EF-6C346E54F2F8}" type="datetimeFigureOut">
               <a:rPr lang="zh-TW" altLang="en-US" smtClean="0"/>
               <a:pPr/>
-              <a:t>2017/1/10</a:t>
+              <a:t>2017/1/12</a:t>
             </a:fld>
             <a:endParaRPr lang="zh-TW" altLang="en-US"/>
           </a:p>
@@ -16658,7 +16662,7 @@
             <a:fld id="{036662CF-C7B0-4E0D-A8EF-6C346E54F2F8}" type="datetimeFigureOut">
               <a:rPr lang="zh-TW" altLang="en-US" smtClean="0"/>
               <a:pPr/>
-              <a:t>2017/1/10</a:t>
+              <a:t>2017/1/12</a:t>
             </a:fld>
             <a:endParaRPr lang="zh-TW" altLang="en-US"/>
           </a:p>
@@ -30032,11 +30036,11 @@
   <p:clrMapOvr>
     <a:masterClrMapping/>
   </p:clrMapOvr>
-  <mc:AlternateContent xmlns:mc="http://schemas.openxmlformats.org/markup-compatibility/2006">
-    <mc:Choice xmlns:p14="http://schemas.microsoft.com/office/powerpoint/2010/main" Requires="p14">
+  <mc:AlternateContent xmlns:mc="http://schemas.openxmlformats.org/markup-compatibility/2006" xmlns:p14="http://schemas.microsoft.com/office/powerpoint/2010/main">
+    <mc:Choice Requires="p14">
       <p:transition spd="slow" p14:dur="2000"/>
     </mc:Choice>
-    <mc:Fallback>
+    <mc:Fallback xmlns="">
       <p:transition spd="slow"/>
     </mc:Fallback>
   </mc:AlternateContent>
@@ -30276,11 +30280,31 @@
             </a:r>
             <a:r>
               <a:rPr lang="zh-TW" altLang="en-US" sz="4000" dirty="0" smtClean="0"/>
-              <a:t> 微服務完整案例實作 </a:t>
+              <a:t> 微</a:t>
+            </a:r>
+            <a:r>
+              <a:rPr lang="zh-TW" altLang="en-US" sz="4000" dirty="0" smtClean="0"/>
+              <a:t>服務案例</a:t>
+            </a:r>
+            <a:r>
+              <a:rPr lang="zh-TW" altLang="en-US" sz="4000" dirty="0" smtClean="0"/>
+              <a:t>實作 </a:t>
             </a:r>
             <a:r>
               <a:rPr lang="en-US" altLang="zh-TW" sz="4000" dirty="0" smtClean="0"/>
-              <a:t>(POC )</a:t>
+              <a:t>(</a:t>
+            </a:r>
+            <a:r>
+              <a:rPr lang="en-US" altLang="zh-TW" sz="4000" dirty="0" smtClean="0"/>
+              <a:t>POC, </a:t>
+            </a:r>
+            <a:r>
+              <a:rPr lang="zh-TW" altLang="en-US" sz="4000" dirty="0" smtClean="0"/>
+              <a:t>開發流程</a:t>
+            </a:r>
+            <a:r>
+              <a:rPr lang="en-US" altLang="zh-TW" sz="4000" dirty="0" smtClean="0"/>
+              <a:t>)</a:t>
             </a:r>
             <a:endParaRPr lang="zh-TW" altLang="en-US" sz="4000" dirty="0"/>
           </a:p>
@@ -30433,11 +30457,11 @@
   <p:clrMapOvr>
     <a:masterClrMapping/>
   </p:clrMapOvr>
-  <mc:AlternateContent xmlns:mc="http://schemas.openxmlformats.org/markup-compatibility/2006">
-    <mc:Choice xmlns:p14="http://schemas.microsoft.com/office/powerpoint/2010/main" Requires="p14">
+  <mc:AlternateContent xmlns:mc="http://schemas.openxmlformats.org/markup-compatibility/2006" xmlns:p14="http://schemas.microsoft.com/office/powerpoint/2010/main">
+    <mc:Choice Requires="p14">
       <p:transition spd="slow" p14:dur="2000"/>
     </mc:Choice>
-    <mc:Fallback>
+    <mc:Fallback xmlns="">
       <p:transition spd="slow"/>
     </mc:Fallback>
   </mc:AlternateContent>
@@ -31384,11 +31408,7 @@
           <a:p>
             <a:r>
               <a:rPr lang="en-US" altLang="zh-TW" sz="2400" dirty="0" smtClean="0"/>
-              <a:t>Q</a:t>
-            </a:r>
-            <a:r>
-              <a:rPr lang="en-US" altLang="zh-TW" sz="2400" dirty="0" smtClean="0"/>
-              <a:t>: </a:t>
+              <a:t>Q: </a:t>
             </a:r>
             <a:r>
               <a:rPr lang="zh-TW" altLang="en-US" sz="2400" dirty="0" smtClean="0"/>
@@ -32290,19 +32310,7 @@
           <a:p>
             <a:r>
               <a:rPr lang="en-US" altLang="zh-TW" dirty="0" smtClean="0"/>
-              <a:t>AGENDA </a:t>
-            </a:r>
-            <a:r>
-              <a:rPr lang="en-US" altLang="zh-TW" dirty="0" smtClean="0"/>
-              <a:t>(</a:t>
-            </a:r>
-            <a:r>
-              <a:rPr lang="en-US" altLang="zh-TW" dirty="0" smtClean="0"/>
-              <a:t>01</a:t>
-            </a:r>
-            <a:r>
-              <a:rPr lang="en-US" altLang="zh-TW" dirty="0" smtClean="0"/>
-              <a:t>/12)</a:t>
+              <a:t>AGENDA (01/12)</a:t>
             </a:r>
             <a:endParaRPr lang="zh-TW" altLang="en-US" dirty="0"/>
           </a:p>
@@ -32364,26 +32372,29 @@
               <a:t>(</a:t>
             </a:r>
             <a:r>
-              <a:rPr lang="zh-TW" altLang="en-US" sz="2800" dirty="0"/>
+              <a:rPr lang="zh-TW" altLang="en-US" sz="2800" dirty="0" smtClean="0"/>
               <a:t>微</a:t>
             </a:r>
             <a:r>
-              <a:rPr lang="en-US" altLang="zh-TW" sz="2800" dirty="0"/>
+              <a:rPr lang="en-US" altLang="zh-TW" sz="2800" dirty="0" smtClean="0"/>
               <a:t>)</a:t>
             </a:r>
             <a:r>
-              <a:rPr lang="zh-TW" altLang="en-US" sz="2800" dirty="0"/>
-              <a:t>服務之間的安全</a:t>
-            </a:r>
-            <a:r>
               <a:rPr lang="zh-TW" altLang="en-US" sz="2800" dirty="0" smtClean="0"/>
-              <a:t>機制 </a:t>
+              <a:t>服務的佈署 </a:t>
             </a:r>
             <a:r>
               <a:rPr lang="en-US" altLang="zh-TW" sz="2800" dirty="0" smtClean="0"/>
-              <a:t>- Token</a:t>
-            </a:r>
-            <a:endParaRPr lang="en-US" altLang="zh-TW" sz="2800" dirty="0"/>
+              <a:t>– Docker</a:t>
+            </a:r>
+            <a:r>
+              <a:rPr lang="zh-TW" altLang="en-US" sz="2800" dirty="0" smtClean="0"/>
+              <a:t> </a:t>
+            </a:r>
+            <a:r>
+              <a:rPr lang="en-US" altLang="zh-TW" sz="2800" dirty="0" smtClean="0"/>
+              <a:t>Compose</a:t>
+            </a:r>
           </a:p>
           <a:p>
             <a:pPr marL="514350" indent="-514350">
@@ -32391,32 +32402,24 @@
               <a:buAutoNum type="arabicPeriod"/>
             </a:pPr>
             <a:r>
-              <a:rPr lang="en-US" altLang="zh-TW" sz="2800" dirty="0" smtClean="0"/>
+              <a:rPr lang="en-US" altLang="zh-TW" sz="2800" dirty="0"/>
               <a:t>(</a:t>
             </a:r>
             <a:r>
-              <a:rPr lang="zh-TW" altLang="en-US" sz="2800" dirty="0" smtClean="0"/>
+              <a:rPr lang="zh-TW" altLang="en-US" sz="2800" dirty="0"/>
               <a:t>微</a:t>
             </a:r>
             <a:r>
-              <a:rPr lang="en-US" altLang="zh-TW" sz="2800" dirty="0" smtClean="0"/>
+              <a:rPr lang="en-US" altLang="zh-TW" sz="2800" dirty="0"/>
               <a:t>)</a:t>
             </a:r>
             <a:r>
-              <a:rPr lang="zh-TW" altLang="en-US" sz="2800" dirty="0" smtClean="0"/>
-              <a:t>服務的佈署 </a:t>
-            </a:r>
-            <a:r>
-              <a:rPr lang="en-US" altLang="zh-TW" sz="2800" dirty="0" smtClean="0"/>
-              <a:t>– Docker</a:t>
-            </a:r>
-            <a:r>
-              <a:rPr lang="zh-TW" altLang="en-US" sz="2800" dirty="0" smtClean="0"/>
-              <a:t> </a:t>
-            </a:r>
-            <a:r>
-              <a:rPr lang="en-US" altLang="zh-TW" sz="2800" dirty="0" smtClean="0"/>
-              <a:t>Compose</a:t>
+              <a:rPr lang="zh-TW" altLang="en-US" sz="2800" dirty="0"/>
+              <a:t>服務之間的安全機制 </a:t>
+            </a:r>
+            <a:r>
+              <a:rPr lang="en-US" altLang="zh-TW" sz="2800" dirty="0"/>
+              <a:t>- Token</a:t>
             </a:r>
           </a:p>
           <a:p>
@@ -32734,8 +32737,8 @@
         </p:nvSpPr>
         <p:spPr>
           <a:xfrm>
-            <a:off x="8546122" y="2391508"/>
-            <a:ext cx="2485293" cy="2684584"/>
+            <a:off x="8546121" y="2042638"/>
+            <a:ext cx="2936631" cy="1781911"/>
           </a:xfrm>
           <a:prstGeom prst="roundRect">
             <a:avLst/>
@@ -32867,7 +32870,8 @@
             <a:avLst/>
           </a:prstGeom>
           <a:ln>
-            <a:tailEnd type="triangle"/>
+            <a:headEnd type="triangle" w="med" len="med"/>
+            <a:tailEnd type="none" w="med" len="med"/>
           </a:ln>
         </p:spPr>
         <p:style>
@@ -32893,14 +32897,15 @@
         </p:nvCxnSpPr>
         <p:spPr>
           <a:xfrm flipH="1">
-            <a:off x="3387969" y="4138246"/>
+            <a:off x="3387969" y="4546211"/>
             <a:ext cx="5158153" cy="0"/>
           </a:xfrm>
           <a:prstGeom prst="straightConnector1">
             <a:avLst/>
           </a:prstGeom>
           <a:ln>
-            <a:tailEnd type="triangle"/>
+            <a:headEnd type="triangle" w="med" len="med"/>
+            <a:tailEnd type="none" w="med" len="med"/>
           </a:ln>
         </p:spPr>
         <p:style>
@@ -32956,7 +32961,7 @@
         </p:nvSpPr>
         <p:spPr>
           <a:xfrm>
-            <a:off x="6324599" y="3921368"/>
+            <a:off x="6324599" y="4329333"/>
             <a:ext cx="1770185" cy="668215"/>
           </a:xfrm>
           <a:prstGeom prst="rect">
@@ -33027,6 +33032,48 @@
             <a:r>
               <a:rPr lang="zh-TW" altLang="en-US" dirty="0" smtClean="0"/>
               <a:t>資訊</a:t>
+            </a:r>
+            <a:endParaRPr lang="zh-TW" altLang="en-US" dirty="0"/>
+          </a:p>
+        </p:txBody>
+      </p:sp>
+      <p:sp>
+        <p:nvSpPr>
+          <p:cNvPr id="15" name="圓角矩形 14"/>
+          <p:cNvSpPr/>
+          <p:nvPr/>
+        </p:nvSpPr>
+        <p:spPr>
+          <a:xfrm>
+            <a:off x="8546121" y="4032740"/>
+            <a:ext cx="2936631" cy="1781911"/>
+          </a:xfrm>
+          <a:prstGeom prst="roundRect">
+            <a:avLst/>
+          </a:prstGeom>
+        </p:spPr>
+        <p:style>
+          <a:lnRef idx="2">
+            <a:schemeClr val="accent1"/>
+          </a:lnRef>
+          <a:fillRef idx="1">
+            <a:schemeClr val="lt1"/>
+          </a:fillRef>
+          <a:effectRef idx="0">
+            <a:schemeClr val="accent1"/>
+          </a:effectRef>
+          <a:fontRef idx="minor">
+            <a:schemeClr val="dk1"/>
+          </a:fontRef>
+        </p:style>
+        <p:txBody>
+          <a:bodyPr rtlCol="0" anchor="ctr"/>
+          <a:lstStyle/>
+          <a:p>
+            <a:pPr algn="ctr"/>
+            <a:r>
+              <a:rPr lang="en-US" altLang="zh-TW" dirty="0" smtClean="0"/>
+              <a:t>SERVER</a:t>
             </a:r>
             <a:endParaRPr lang="zh-TW" altLang="en-US" dirty="0"/>
           </a:p>
@@ -33085,8 +33132,12 @@
           <a:lstStyle/>
           <a:p>
             <a:r>
+              <a:rPr lang="zh-TW" altLang="en-US" dirty="0" smtClean="0"/>
+              <a:t>密碼學 </a:t>
+            </a:r>
+            <a:r>
               <a:rPr lang="en-US" altLang="zh-TW" dirty="0" smtClean="0"/>
-              <a:t>RSA </a:t>
+              <a:t>- RSA </a:t>
             </a:r>
             <a:r>
               <a:rPr lang="zh-TW" altLang="en-US" dirty="0" smtClean="0"/>
@@ -33223,7 +33274,27 @@
             </a:r>
             <a:r>
               <a:rPr lang="zh-TW" altLang="en-US" sz="3200" dirty="0" smtClean="0"/>
-              <a:t> 能解開。</a:t>
+              <a:t> 能</a:t>
+            </a:r>
+            <a:r>
+              <a:rPr lang="zh-TW" altLang="en-US" sz="3200" dirty="0" smtClean="0"/>
+              <a:t>解開 </a:t>
+            </a:r>
+            <a:r>
+              <a:rPr lang="en-US" altLang="zh-TW" sz="3200" dirty="0" smtClean="0"/>
+              <a:t>(</a:t>
+            </a:r>
+            <a:r>
+              <a:rPr lang="zh-TW" altLang="en-US" sz="3200" dirty="0" smtClean="0"/>
+              <a:t>反之亦然</a:t>
+            </a:r>
+            <a:r>
+              <a:rPr lang="en-US" altLang="zh-TW" sz="3200" dirty="0" smtClean="0"/>
+              <a:t>)</a:t>
+            </a:r>
+            <a:r>
+              <a:rPr lang="zh-TW" altLang="en-US" sz="3200" dirty="0" smtClean="0"/>
+              <a:t>。</a:t>
             </a:r>
             <a:endParaRPr lang="en-US" altLang="zh-TW" sz="3200" dirty="0" smtClean="0"/>
           </a:p>
@@ -34894,7 +34965,45 @@
       </p:grpSpPr>
       <p:sp>
         <p:nvSpPr>
-          <p:cNvPr id="4" name="標題 3"/>
+          <p:cNvPr id="7" name="矩形 6"/>
+          <p:cNvSpPr/>
+          <p:nvPr/>
+        </p:nvSpPr>
+        <p:spPr>
+          <a:xfrm>
+            <a:off x="316523" y="1737360"/>
+            <a:ext cx="11582400" cy="4323471"/>
+          </a:xfrm>
+          <a:prstGeom prst="rect">
+            <a:avLst/>
+          </a:prstGeom>
+        </p:spPr>
+        <p:style>
+          <a:lnRef idx="1">
+            <a:schemeClr val="accent6"/>
+          </a:lnRef>
+          <a:fillRef idx="2">
+            <a:schemeClr val="accent6"/>
+          </a:fillRef>
+          <a:effectRef idx="1">
+            <a:schemeClr val="accent6"/>
+          </a:effectRef>
+          <a:fontRef idx="minor">
+            <a:schemeClr val="dk1"/>
+          </a:fontRef>
+        </p:style>
+        <p:txBody>
+          <a:bodyPr rtlCol="0" anchor="ctr"/>
+          <a:lstStyle/>
+          <a:p>
+            <a:pPr algn="ctr"/>
+            <a:endParaRPr lang="zh-TW" altLang="en-US"/>
+          </a:p>
+        </p:txBody>
+      </p:sp>
+      <p:sp>
+        <p:nvSpPr>
+          <p:cNvPr id="2" name="標題 1"/>
           <p:cNvSpPr>
             <a:spLocks noGrp="1"/>
           </p:cNvSpPr>
@@ -34908,315 +35017,728 @@
           <a:lstStyle/>
           <a:p>
             <a:r>
+              <a:rPr lang="zh-TW" altLang="en-US" dirty="0" smtClean="0"/>
+              <a:t>跨服務的認證機</a:t>
+            </a:r>
+            <a:r>
+              <a:rPr lang="zh-TW" altLang="en-US" dirty="0"/>
+              <a:t>制</a:t>
+            </a:r>
+            <a:endParaRPr lang="zh-TW" altLang="en-US" dirty="0"/>
+          </a:p>
+        </p:txBody>
+      </p:sp>
+      <p:sp>
+        <p:nvSpPr>
+          <p:cNvPr id="5" name="圓角矩形 4"/>
+          <p:cNvSpPr/>
+          <p:nvPr/>
+        </p:nvSpPr>
+        <p:spPr>
+          <a:xfrm>
+            <a:off x="902676" y="2391508"/>
+            <a:ext cx="2485293" cy="3150310"/>
+          </a:xfrm>
+          <a:prstGeom prst="roundRect">
+            <a:avLst/>
+          </a:prstGeom>
+          <a:solidFill>
+            <a:schemeClr val="accent6">
+              <a:lumMod val="20000"/>
+              <a:lumOff val="80000"/>
+            </a:schemeClr>
+          </a:solidFill>
+        </p:spPr>
+        <p:style>
+          <a:lnRef idx="1">
+            <a:schemeClr val="accent5"/>
+          </a:lnRef>
+          <a:fillRef idx="2">
+            <a:schemeClr val="accent5"/>
+          </a:fillRef>
+          <a:effectRef idx="1">
+            <a:schemeClr val="accent5"/>
+          </a:effectRef>
+          <a:fontRef idx="minor">
+            <a:schemeClr val="dk1"/>
+          </a:fontRef>
+        </p:style>
+        <p:txBody>
+          <a:bodyPr rtlCol="0" anchor="ctr"/>
+          <a:lstStyle/>
+          <a:p>
+            <a:pPr algn="ctr"/>
+            <a:r>
+              <a:rPr lang="en-US" altLang="zh-TW" dirty="0" smtClean="0"/>
+              <a:t>USER</a:t>
+            </a:r>
+          </a:p>
+          <a:p>
+            <a:pPr algn="ctr"/>
+            <a:endParaRPr lang="en-US" altLang="zh-TW" dirty="0"/>
+          </a:p>
+          <a:p>
+            <a:pPr algn="ctr"/>
+            <a:endParaRPr lang="zh-TW" altLang="en-US" dirty="0"/>
+          </a:p>
+        </p:txBody>
+      </p:sp>
+      <p:sp>
+        <p:nvSpPr>
+          <p:cNvPr id="6" name="圓角矩形 5"/>
+          <p:cNvSpPr/>
+          <p:nvPr/>
+        </p:nvSpPr>
+        <p:spPr>
+          <a:xfrm>
+            <a:off x="8546121" y="2042638"/>
+            <a:ext cx="2218861" cy="1781911"/>
+          </a:xfrm>
+          <a:prstGeom prst="roundRect">
+            <a:avLst/>
+          </a:prstGeom>
+        </p:spPr>
+        <p:style>
+          <a:lnRef idx="2">
+            <a:schemeClr val="accent1"/>
+          </a:lnRef>
+          <a:fillRef idx="1">
+            <a:schemeClr val="lt1"/>
+          </a:fillRef>
+          <a:effectRef idx="0">
+            <a:schemeClr val="accent1"/>
+          </a:effectRef>
+          <a:fontRef idx="minor">
+            <a:schemeClr val="dk1"/>
+          </a:fontRef>
+        </p:style>
+        <p:txBody>
+          <a:bodyPr rtlCol="0" anchor="ctr"/>
+          <a:lstStyle/>
+          <a:p>
+            <a:pPr algn="ctr"/>
+            <a:r>
               <a:rPr lang="en-US" altLang="zh-TW" dirty="0" smtClean="0"/>
               <a:t>AUTH</a:t>
             </a:r>
+          </a:p>
+          <a:p>
+            <a:pPr algn="ctr"/>
+            <a:r>
+              <a:rPr lang="en-US" altLang="zh-TW" dirty="0" smtClean="0"/>
+              <a:t>SERVER</a:t>
+            </a:r>
+            <a:endParaRPr lang="zh-TW" altLang="en-US" dirty="0"/>
+          </a:p>
+        </p:txBody>
+      </p:sp>
+      <p:sp>
+        <p:nvSpPr>
+          <p:cNvPr id="8" name="文字方塊 7"/>
+          <p:cNvSpPr txBox="1"/>
+          <p:nvPr/>
+        </p:nvSpPr>
+        <p:spPr>
+          <a:xfrm>
+            <a:off x="316523" y="5691499"/>
+            <a:ext cx="2709396" cy="369332"/>
+          </a:xfrm>
+          <a:prstGeom prst="rect">
+            <a:avLst/>
+          </a:prstGeom>
+          <a:noFill/>
+        </p:spPr>
+        <p:txBody>
+          <a:bodyPr wrap="none" rtlCol="0">
+            <a:spAutoFit/>
+          </a:bodyPr>
+          <a:lstStyle/>
+          <a:p>
             <a:r>
               <a:rPr lang="zh-TW" altLang="en-US" dirty="0" smtClean="0"/>
-              <a:t>網站發授權，才能用</a:t>
-            </a:r>
+              <a:t>灰色地帶都是不安全的</a:t>
+            </a:r>
+            <a:r>
+              <a:rPr lang="en-US" altLang="zh-TW" dirty="0" smtClean="0"/>
+              <a:t>….</a:t>
+            </a:r>
+            <a:endParaRPr lang="zh-TW" altLang="en-US" dirty="0"/>
+          </a:p>
+        </p:txBody>
+      </p:sp>
+      <p:sp>
+        <p:nvSpPr>
+          <p:cNvPr id="9" name="圓角矩形 8"/>
+          <p:cNvSpPr/>
+          <p:nvPr/>
+        </p:nvSpPr>
+        <p:spPr>
+          <a:xfrm>
+            <a:off x="1312985" y="2614246"/>
+            <a:ext cx="1195753" cy="410308"/>
+          </a:xfrm>
+          <a:prstGeom prst="roundRect">
+            <a:avLst/>
+          </a:prstGeom>
+        </p:spPr>
+        <p:style>
+          <a:lnRef idx="2">
+            <a:schemeClr val="dk1"/>
+          </a:lnRef>
+          <a:fillRef idx="1">
+            <a:schemeClr val="lt1"/>
+          </a:fillRef>
+          <a:effectRef idx="0">
+            <a:schemeClr val="dk1"/>
+          </a:effectRef>
+          <a:fontRef idx="minor">
+            <a:schemeClr val="dk1"/>
+          </a:fontRef>
+        </p:style>
+        <p:txBody>
+          <a:bodyPr rtlCol="0" anchor="ctr"/>
+          <a:lstStyle/>
+          <a:p>
+            <a:pPr algn="ctr"/>
             <a:r>
               <a:rPr lang="en-US" altLang="zh-TW" dirty="0" smtClean="0"/>
               <a:t>API</a:t>
             </a:r>
             <a:r>
               <a:rPr lang="zh-TW" altLang="en-US" dirty="0" smtClean="0"/>
-              <a:t>的服務</a:t>
+              <a:t> </a:t>
+            </a:r>
+            <a:r>
+              <a:rPr lang="en-US" altLang="zh-TW" dirty="0" smtClean="0"/>
+              <a:t>KEY</a:t>
             </a:r>
             <a:endParaRPr lang="zh-TW" altLang="en-US" dirty="0"/>
           </a:p>
         </p:txBody>
       </p:sp>
-      <p:sp>
-        <p:nvSpPr>
-          <p:cNvPr id="5" name="內容版面配置區 4"/>
-          <p:cNvSpPr>
-            <a:spLocks noGrp="1"/>
-          </p:cNvSpPr>
-          <p:nvPr>
-            <p:ph idx="1"/>
-          </p:nvPr>
-        </p:nvSpPr>
-        <p:spPr/>
-        <p:txBody>
-          <a:bodyPr>
-            <a:normAutofit/>
+      <p:cxnSp>
+        <p:nvCxnSpPr>
+          <p:cNvPr id="11" name="直線單箭頭接點 10"/>
+          <p:cNvCxnSpPr/>
+          <p:nvPr/>
+        </p:nvCxnSpPr>
+        <p:spPr>
+          <a:xfrm>
+            <a:off x="3387969" y="3141785"/>
+            <a:ext cx="5158153" cy="0"/>
+          </a:xfrm>
+          <a:prstGeom prst="straightConnector1">
+            <a:avLst/>
+          </a:prstGeom>
+          <a:ln>
+            <a:headEnd type="triangle" w="med" len="med"/>
+            <a:tailEnd type="none" w="med" len="med"/>
+          </a:ln>
+        </p:spPr>
+        <p:style>
+          <a:lnRef idx="1">
+            <a:schemeClr val="accent1"/>
+          </a:lnRef>
+          <a:fillRef idx="0">
+            <a:schemeClr val="accent1"/>
+          </a:fillRef>
+          <a:effectRef idx="0">
+            <a:schemeClr val="accent1"/>
+          </a:effectRef>
+          <a:fontRef idx="minor">
+            <a:schemeClr val="tx1"/>
+          </a:fontRef>
+        </p:style>
+      </p:cxnSp>
+      <p:cxnSp>
+        <p:nvCxnSpPr>
+          <p:cNvPr id="13" name="直線單箭頭接點 12"/>
+          <p:cNvCxnSpPr/>
+          <p:nvPr/>
+        </p:nvCxnSpPr>
+        <p:spPr>
+          <a:xfrm flipH="1">
+            <a:off x="3387969" y="4546211"/>
+            <a:ext cx="5158153" cy="0"/>
+          </a:xfrm>
+          <a:prstGeom prst="straightConnector1">
+            <a:avLst/>
+          </a:prstGeom>
+          <a:ln>
+            <a:headEnd type="triangle" w="med" len="med"/>
+            <a:tailEnd type="none" w="med" len="med"/>
+          </a:ln>
+        </p:spPr>
+        <p:style>
+          <a:lnRef idx="1">
+            <a:schemeClr val="accent1"/>
+          </a:lnRef>
+          <a:fillRef idx="0">
+            <a:schemeClr val="accent1"/>
+          </a:fillRef>
+          <a:effectRef idx="0">
+            <a:schemeClr val="accent1"/>
+          </a:effectRef>
+          <a:fontRef idx="minor">
+            <a:schemeClr val="tx1"/>
+          </a:fontRef>
+        </p:style>
+      </p:cxnSp>
+      <p:sp>
+        <p:nvSpPr>
+          <p:cNvPr id="14" name="文字方塊 13"/>
+          <p:cNvSpPr txBox="1"/>
+          <p:nvPr/>
+        </p:nvSpPr>
+        <p:spPr>
+          <a:xfrm>
+            <a:off x="3645878" y="3467073"/>
+            <a:ext cx="4736122" cy="369332"/>
+          </a:xfrm>
+          <a:prstGeom prst="rect">
+            <a:avLst/>
+          </a:prstGeom>
+          <a:noFill/>
+        </p:spPr>
+        <p:txBody>
+          <a:bodyPr wrap="square" rtlCol="0">
+            <a:spAutoFit/>
           </a:bodyPr>
           <a:lstStyle/>
           <a:p>
-            <a:pPr marL="0" indent="0">
-              <a:buNone/>
-            </a:pPr>
-            <a:r>
-              <a:rPr lang="zh-TW" altLang="en-US" sz="2400" dirty="0" smtClean="0"/>
-              <a:t>事前準備</a:t>
-            </a:r>
-            <a:r>
-              <a:rPr lang="en-US" altLang="zh-TW" sz="2400" dirty="0" smtClean="0"/>
-              <a:t>:</a:t>
-            </a:r>
-          </a:p>
-          <a:p>
-            <a:pPr marL="457200" indent="-457200">
-              <a:buFont typeface="+mj-lt"/>
-              <a:buAutoNum type="arabicPeriod"/>
-            </a:pPr>
-            <a:r>
-              <a:rPr lang="zh-TW" altLang="en-US" sz="2400" dirty="0" smtClean="0"/>
-              <a:t>跟原廠申請 </a:t>
-            </a:r>
-            <a:r>
-              <a:rPr lang="en-US" altLang="zh-TW" sz="2400" dirty="0" smtClean="0"/>
+            <a:r>
+              <a:rPr lang="zh-TW" altLang="en-US" dirty="0" smtClean="0"/>
+              <a:t>在不安全的通訊環境，必須安全的傳遞資訊</a:t>
+            </a:r>
+            <a:endParaRPr lang="zh-TW" altLang="en-US" dirty="0"/>
+          </a:p>
+        </p:txBody>
+      </p:sp>
+      <p:sp>
+        <p:nvSpPr>
+          <p:cNvPr id="3" name="矩形 2"/>
+          <p:cNvSpPr/>
+          <p:nvPr/>
+        </p:nvSpPr>
+        <p:spPr>
+          <a:xfrm>
+            <a:off x="6324599" y="4329333"/>
+            <a:ext cx="1770185" cy="668215"/>
+          </a:xfrm>
+          <a:prstGeom prst="rect">
+            <a:avLst/>
+          </a:prstGeom>
+        </p:spPr>
+        <p:style>
+          <a:lnRef idx="2">
+            <a:schemeClr val="dk1"/>
+          </a:lnRef>
+          <a:fillRef idx="1">
+            <a:schemeClr val="lt1"/>
+          </a:fillRef>
+          <a:effectRef idx="0">
+            <a:schemeClr val="dk1"/>
+          </a:effectRef>
+          <a:fontRef idx="minor">
+            <a:schemeClr val="dk1"/>
+          </a:fontRef>
+        </p:style>
+        <p:txBody>
+          <a:bodyPr rtlCol="0" anchor="ctr"/>
+          <a:lstStyle/>
+          <a:p>
+            <a:pPr algn="ctr"/>
+            <a:r>
+              <a:rPr lang="en-US" altLang="zh-TW" dirty="0" smtClean="0"/>
+              <a:t>Session Token</a:t>
+            </a:r>
+            <a:endParaRPr lang="zh-TW" altLang="en-US" dirty="0"/>
+          </a:p>
+        </p:txBody>
+      </p:sp>
+      <p:sp>
+        <p:nvSpPr>
+          <p:cNvPr id="12" name="矩形 11"/>
+          <p:cNvSpPr/>
+          <p:nvPr/>
+        </p:nvSpPr>
+        <p:spPr>
+          <a:xfrm>
+            <a:off x="4043288" y="2768125"/>
+            <a:ext cx="1770185" cy="668215"/>
+          </a:xfrm>
+          <a:prstGeom prst="rect">
+            <a:avLst/>
+          </a:prstGeom>
+        </p:spPr>
+        <p:style>
+          <a:lnRef idx="2">
+            <a:schemeClr val="dk1"/>
+          </a:lnRef>
+          <a:fillRef idx="1">
+            <a:schemeClr val="lt1"/>
+          </a:fillRef>
+          <a:effectRef idx="0">
+            <a:schemeClr val="dk1"/>
+          </a:effectRef>
+          <a:fontRef idx="minor">
+            <a:schemeClr val="dk1"/>
+          </a:fontRef>
+        </p:style>
+        <p:txBody>
+          <a:bodyPr rtlCol="0" anchor="ctr"/>
+          <a:lstStyle/>
+          <a:p>
+            <a:pPr algn="ctr"/>
+            <a:r>
+              <a:rPr lang="en-US" altLang="zh-TW" dirty="0" smtClean="0"/>
+              <a:t>Session Token</a:t>
+            </a:r>
+            <a:endParaRPr lang="zh-TW" altLang="en-US" dirty="0"/>
+          </a:p>
+        </p:txBody>
+      </p:sp>
+      <p:sp>
+        <p:nvSpPr>
+          <p:cNvPr id="15" name="圓角矩形 14"/>
+          <p:cNvSpPr/>
+          <p:nvPr/>
+        </p:nvSpPr>
+        <p:spPr>
+          <a:xfrm>
+            <a:off x="8546121" y="4032740"/>
+            <a:ext cx="2218861" cy="1781911"/>
+          </a:xfrm>
+          <a:prstGeom prst="roundRect">
+            <a:avLst/>
+          </a:prstGeom>
+        </p:spPr>
+        <p:style>
+          <a:lnRef idx="2">
+            <a:schemeClr val="accent1"/>
+          </a:lnRef>
+          <a:fillRef idx="1">
+            <a:schemeClr val="lt1"/>
+          </a:fillRef>
+          <a:effectRef idx="0">
+            <a:schemeClr val="accent1"/>
+          </a:effectRef>
+          <a:fontRef idx="minor">
+            <a:schemeClr val="dk1"/>
+          </a:fontRef>
+        </p:style>
+        <p:txBody>
+          <a:bodyPr rtlCol="0" anchor="ctr"/>
+          <a:lstStyle/>
+          <a:p>
+            <a:pPr algn="ctr"/>
+            <a:r>
+              <a:rPr lang="en-US" altLang="zh-TW" dirty="0" smtClean="0"/>
               <a:t>API</a:t>
             </a:r>
-            <a:r>
-              <a:rPr lang="zh-TW" altLang="en-US" sz="2400" dirty="0" smtClean="0"/>
+          </a:p>
+          <a:p>
+            <a:pPr algn="ctr"/>
+            <a:r>
+              <a:rPr lang="en-US" altLang="zh-TW" dirty="0" smtClean="0"/>
+              <a:t>SERVER</a:t>
+            </a:r>
+            <a:endParaRPr lang="zh-TW" altLang="en-US" dirty="0"/>
+          </a:p>
+        </p:txBody>
+      </p:sp>
+      <p:cxnSp>
+        <p:nvCxnSpPr>
+          <p:cNvPr id="10" name="直線單箭頭接點 9"/>
+          <p:cNvCxnSpPr/>
+          <p:nvPr/>
+        </p:nvCxnSpPr>
+        <p:spPr>
+          <a:xfrm>
+            <a:off x="3387969" y="2614246"/>
+            <a:ext cx="5158152" cy="0"/>
+          </a:xfrm>
+          <a:prstGeom prst="straightConnector1">
+            <a:avLst/>
+          </a:prstGeom>
+          <a:ln>
+            <a:tailEnd type="triangle"/>
+          </a:ln>
+        </p:spPr>
+        <p:style>
+          <a:lnRef idx="1">
+            <a:schemeClr val="accent1"/>
+          </a:lnRef>
+          <a:fillRef idx="0">
+            <a:schemeClr val="accent1"/>
+          </a:fillRef>
+          <a:effectRef idx="0">
+            <a:schemeClr val="accent1"/>
+          </a:effectRef>
+          <a:fontRef idx="minor">
+            <a:schemeClr val="tx1"/>
+          </a:fontRef>
+        </p:style>
+      </p:cxnSp>
+      <p:sp>
+        <p:nvSpPr>
+          <p:cNvPr id="16" name="圓角矩形 15"/>
+          <p:cNvSpPr/>
+          <p:nvPr/>
+        </p:nvSpPr>
+        <p:spPr>
+          <a:xfrm>
+            <a:off x="6752492" y="2396597"/>
+            <a:ext cx="1195753" cy="410308"/>
+          </a:xfrm>
+          <a:prstGeom prst="roundRect">
+            <a:avLst/>
+          </a:prstGeom>
+        </p:spPr>
+        <p:style>
+          <a:lnRef idx="2">
+            <a:schemeClr val="dk1"/>
+          </a:lnRef>
+          <a:fillRef idx="1">
+            <a:schemeClr val="lt1"/>
+          </a:fillRef>
+          <a:effectRef idx="0">
+            <a:schemeClr val="dk1"/>
+          </a:effectRef>
+          <a:fontRef idx="minor">
+            <a:schemeClr val="dk1"/>
+          </a:fontRef>
+        </p:style>
+        <p:txBody>
+          <a:bodyPr rtlCol="0" anchor="ctr"/>
+          <a:lstStyle/>
+          <a:p>
+            <a:pPr algn="ctr"/>
+            <a:r>
+              <a:rPr lang="en-US" altLang="zh-TW" dirty="0" smtClean="0"/>
+              <a:t>API</a:t>
+            </a:r>
+            <a:r>
+              <a:rPr lang="zh-TW" altLang="en-US" dirty="0" smtClean="0"/>
               <a:t> </a:t>
             </a:r>
             <a:r>
-              <a:rPr lang="en-US" altLang="zh-TW" sz="2400" dirty="0" smtClean="0"/>
+              <a:rPr lang="en-US" altLang="zh-TW" dirty="0" smtClean="0"/>
               <a:t>KEY</a:t>
             </a:r>
-            <a:r>
-              <a:rPr lang="zh-TW" altLang="en-US" sz="2400" dirty="0" smtClean="0"/>
-              <a:t> </a:t>
-            </a:r>
-            <a:r>
-              <a:rPr lang="en-US" altLang="zh-TW" sz="2400" dirty="0" smtClean="0"/>
-              <a:t>(</a:t>
-            </a:r>
-            <a:r>
-              <a:rPr lang="zh-TW" altLang="en-US" sz="2400" dirty="0" smtClean="0"/>
-              <a:t>長期使用，例如 </a:t>
-            </a:r>
-            <a:r>
-              <a:rPr lang="en-US" altLang="zh-TW" sz="2400" dirty="0" smtClean="0"/>
-              <a:t>1</a:t>
-            </a:r>
-            <a:r>
-              <a:rPr lang="zh-TW" altLang="en-US" sz="2400" dirty="0" smtClean="0"/>
-              <a:t> 年</a:t>
-            </a:r>
-            <a:r>
-              <a:rPr lang="en-US" altLang="zh-TW" sz="2400" dirty="0" smtClean="0"/>
-              <a:t>)</a:t>
-            </a:r>
-          </a:p>
-          <a:p>
-            <a:pPr marL="457200" indent="-457200">
-              <a:buFont typeface="+mj-lt"/>
-              <a:buAutoNum type="arabicPeriod"/>
-            </a:pPr>
-            <a:r>
-              <a:rPr lang="zh-TW" altLang="en-US" sz="2400" dirty="0" smtClean="0"/>
-              <a:t>每次要使用</a:t>
-            </a:r>
-            <a:r>
-              <a:rPr lang="zh-TW" altLang="en-US" sz="2400" dirty="0"/>
-              <a:t> </a:t>
-            </a:r>
-            <a:r>
-              <a:rPr lang="en-US" altLang="zh-TW" sz="2400" dirty="0"/>
-              <a:t>API </a:t>
-            </a:r>
-            <a:r>
-              <a:rPr lang="zh-TW" altLang="en-US" sz="2400" dirty="0" smtClean="0"/>
-              <a:t>服務時，就拿</a:t>
-            </a:r>
-            <a:r>
-              <a:rPr lang="zh-TW" altLang="en-US" sz="2400" dirty="0"/>
-              <a:t> </a:t>
-            </a:r>
-            <a:r>
-              <a:rPr lang="en-US" altLang="zh-TW" sz="2400" dirty="0" smtClean="0"/>
-              <a:t>API</a:t>
-            </a:r>
-            <a:r>
-              <a:rPr lang="zh-TW" altLang="en-US" sz="2400" dirty="0"/>
-              <a:t> </a:t>
-            </a:r>
-            <a:r>
-              <a:rPr lang="en-US" altLang="zh-TW" sz="2400" dirty="0"/>
-              <a:t>KEY</a:t>
-            </a:r>
-            <a:r>
-              <a:rPr lang="zh-TW" altLang="en-US" sz="2400" dirty="0" smtClean="0"/>
-              <a:t> 去換</a:t>
-            </a:r>
-            <a:r>
-              <a:rPr lang="zh-TW" altLang="en-US" sz="2400" dirty="0"/>
-              <a:t>入場券</a:t>
-            </a:r>
-            <a:r>
-              <a:rPr lang="zh-TW" altLang="en-US" sz="2400" dirty="0" smtClean="0"/>
-              <a:t> </a:t>
-            </a:r>
-            <a:r>
-              <a:rPr lang="en-US" altLang="zh-TW" sz="2400" dirty="0" smtClean="0"/>
-              <a:t>(SESSION</a:t>
-            </a:r>
-            <a:r>
-              <a:rPr lang="zh-TW" altLang="en-US" sz="2400" dirty="0"/>
-              <a:t> </a:t>
-            </a:r>
-            <a:r>
-              <a:rPr lang="en-US" altLang="zh-TW" sz="2400" dirty="0" smtClean="0"/>
-              <a:t>TOKEN)</a:t>
-            </a:r>
-          </a:p>
-          <a:p>
-            <a:pPr marL="457200" indent="-457200">
-              <a:buFont typeface="+mj-lt"/>
-              <a:buAutoNum type="arabicPeriod"/>
-            </a:pPr>
-            <a:r>
-              <a:rPr lang="en-US" altLang="zh-TW" sz="2400" dirty="0" smtClean="0"/>
-              <a:t>SESSION</a:t>
-            </a:r>
-            <a:r>
-              <a:rPr lang="zh-TW" altLang="en-US" sz="2400" dirty="0" smtClean="0"/>
-              <a:t> 限短期使用，如 </a:t>
-            </a:r>
-            <a:r>
-              <a:rPr lang="en-US" altLang="zh-TW" sz="2400" dirty="0" smtClean="0"/>
-              <a:t>1 </a:t>
-            </a:r>
-            <a:r>
-              <a:rPr lang="zh-TW" altLang="en-US" sz="2400" dirty="0" smtClean="0"/>
-              <a:t>天，限某</a:t>
-            </a:r>
-            <a:r>
-              <a:rPr lang="zh-TW" altLang="en-US" sz="2400" dirty="0"/>
-              <a:t> </a:t>
-            </a:r>
-            <a:r>
-              <a:rPr lang="en-US" altLang="zh-TW" sz="2400" dirty="0" smtClean="0"/>
-              <a:t>USER</a:t>
-            </a:r>
-            <a:r>
-              <a:rPr lang="zh-TW" altLang="en-US" sz="2400" dirty="0" smtClean="0"/>
-              <a:t>，限某來源 </a:t>
-            </a:r>
-            <a:r>
-              <a:rPr lang="en-US" altLang="zh-TW" sz="2400" dirty="0" smtClean="0"/>
-              <a:t>IP …</a:t>
-            </a:r>
-          </a:p>
-          <a:p>
-            <a:pPr marL="457200" indent="-457200">
-              <a:buFont typeface="+mj-lt"/>
-              <a:buAutoNum type="arabicPeriod"/>
-            </a:pPr>
-            <a:endParaRPr lang="en-US" altLang="zh-TW" sz="2400" dirty="0"/>
-          </a:p>
-          <a:p>
-            <a:pPr marL="0" indent="0">
-              <a:buNone/>
-            </a:pPr>
-            <a:r>
-              <a:rPr lang="zh-TW" altLang="en-US" sz="2400" dirty="0" smtClean="0"/>
-              <a:t>使用 </a:t>
-            </a:r>
-            <a:r>
-              <a:rPr lang="en-US" altLang="zh-TW" sz="2400" dirty="0" smtClean="0"/>
-              <a:t>API</a:t>
-            </a:r>
-            <a:r>
-              <a:rPr lang="zh-TW" altLang="en-US" sz="2400" dirty="0" smtClean="0"/>
-              <a:t> 服務</a:t>
-            </a:r>
-            <a:r>
-              <a:rPr lang="en-US" altLang="zh-TW" sz="2400" dirty="0" smtClean="0"/>
-              <a:t>:</a:t>
-            </a:r>
-          </a:p>
-          <a:p>
-            <a:pPr marL="457200" indent="-457200">
-              <a:buFont typeface="+mj-lt"/>
-              <a:buAutoNum type="arabicPeriod"/>
-            </a:pPr>
-            <a:r>
-              <a:rPr lang="zh-TW" altLang="en-US" sz="2400" dirty="0" smtClean="0"/>
-              <a:t>拿</a:t>
-            </a:r>
-            <a:r>
-              <a:rPr lang="zh-TW" altLang="en-US" sz="2400" dirty="0"/>
-              <a:t> </a:t>
-            </a:r>
-            <a:r>
-              <a:rPr lang="en-US" altLang="zh-TW" sz="2400" dirty="0" smtClean="0"/>
-              <a:t>SESSION</a:t>
-            </a:r>
-            <a:r>
-              <a:rPr lang="zh-TW" altLang="en-US" sz="2400" dirty="0"/>
-              <a:t> </a:t>
-            </a:r>
-            <a:r>
-              <a:rPr lang="en-US" altLang="zh-TW" sz="2400" dirty="0" smtClean="0"/>
-              <a:t>TOKEN</a:t>
-            </a:r>
-            <a:r>
-              <a:rPr lang="zh-TW" altLang="en-US" sz="2400" dirty="0" smtClean="0"/>
-              <a:t> 去使用</a:t>
-            </a:r>
-            <a:r>
-              <a:rPr lang="zh-TW" altLang="en-US" sz="2400" dirty="0"/>
-              <a:t> </a:t>
-            </a:r>
-            <a:r>
-              <a:rPr lang="en-US" altLang="zh-TW" sz="2400" dirty="0" smtClean="0"/>
-              <a:t>API</a:t>
-            </a:r>
-            <a:r>
-              <a:rPr lang="zh-TW" altLang="en-US" sz="2400" dirty="0" smtClean="0"/>
-              <a:t> 服務</a:t>
-            </a:r>
-            <a:endParaRPr lang="en-US" altLang="zh-TW" sz="2400" dirty="0" smtClean="0"/>
-          </a:p>
-          <a:p>
-            <a:pPr marL="457200" indent="-457200">
-              <a:buFont typeface="+mj-lt"/>
-              <a:buAutoNum type="arabicPeriod"/>
-            </a:pPr>
-            <a:r>
-              <a:rPr lang="en-US" altLang="zh-TW" sz="2400" dirty="0" smtClean="0"/>
-              <a:t>API</a:t>
-            </a:r>
-            <a:r>
-              <a:rPr lang="zh-TW" altLang="en-US" sz="2400" dirty="0" smtClean="0"/>
-              <a:t> 端只看這張入場券 </a:t>
-            </a:r>
-            <a:r>
-              <a:rPr lang="en-US" altLang="zh-TW" sz="2400" dirty="0" smtClean="0"/>
-              <a:t>(SESSION</a:t>
-            </a:r>
-            <a:r>
-              <a:rPr lang="zh-TW" altLang="en-US" sz="2400" dirty="0" smtClean="0"/>
-              <a:t> </a:t>
-            </a:r>
-            <a:r>
-              <a:rPr lang="en-US" altLang="zh-TW" sz="2400" dirty="0" smtClean="0"/>
-              <a:t>TOKEN)</a:t>
-            </a:r>
-            <a:r>
-              <a:rPr lang="zh-TW" altLang="en-US" sz="2400" dirty="0" smtClean="0"/>
-              <a:t>，就要決定讓不讓他使用服務</a:t>
-            </a:r>
-            <a:endParaRPr lang="en-US" altLang="zh-TW" sz="2400" dirty="0" smtClean="0"/>
-          </a:p>
-          <a:p>
-            <a:pPr marL="457200" indent="-457200">
-              <a:buFont typeface="+mj-lt"/>
-              <a:buAutoNum type="arabicPeriod"/>
-            </a:pPr>
-            <a:endParaRPr lang="zh-TW" altLang="en-US" sz="2400" dirty="0"/>
+            <a:endParaRPr lang="zh-TW" altLang="en-US" dirty="0"/>
+          </a:p>
+        </p:txBody>
+      </p:sp>
+      <p:sp>
+        <p:nvSpPr>
+          <p:cNvPr id="19" name="矩形 18"/>
+          <p:cNvSpPr/>
+          <p:nvPr/>
+        </p:nvSpPr>
+        <p:spPr>
+          <a:xfrm>
+            <a:off x="1260104" y="4032740"/>
+            <a:ext cx="1770185" cy="668215"/>
+          </a:xfrm>
+          <a:prstGeom prst="rect">
+            <a:avLst/>
+          </a:prstGeom>
+        </p:spPr>
+        <p:style>
+          <a:lnRef idx="2">
+            <a:schemeClr val="dk1"/>
+          </a:lnRef>
+          <a:fillRef idx="1">
+            <a:schemeClr val="lt1"/>
+          </a:fillRef>
+          <a:effectRef idx="0">
+            <a:schemeClr val="dk1"/>
+          </a:effectRef>
+          <a:fontRef idx="minor">
+            <a:schemeClr val="dk1"/>
+          </a:fontRef>
+        </p:style>
+        <p:txBody>
+          <a:bodyPr rtlCol="0" anchor="ctr"/>
+          <a:lstStyle/>
+          <a:p>
+            <a:pPr algn="ctr"/>
+            <a:r>
+              <a:rPr lang="en-US" altLang="zh-TW" dirty="0" smtClean="0"/>
+              <a:t>Session Token</a:t>
+            </a:r>
+            <a:endParaRPr lang="zh-TW" altLang="en-US" dirty="0"/>
+          </a:p>
+        </p:txBody>
+      </p:sp>
+      <p:cxnSp>
+        <p:nvCxnSpPr>
+          <p:cNvPr id="20" name="直線單箭頭接點 19"/>
+          <p:cNvCxnSpPr/>
+          <p:nvPr/>
+        </p:nvCxnSpPr>
+        <p:spPr>
+          <a:xfrm>
+            <a:off x="3387969" y="5149567"/>
+            <a:ext cx="5158153" cy="0"/>
+          </a:xfrm>
+          <a:prstGeom prst="straightConnector1">
+            <a:avLst/>
+          </a:prstGeom>
+          <a:ln>
+            <a:headEnd type="triangle" w="med" len="med"/>
+            <a:tailEnd type="none" w="med" len="med"/>
+          </a:ln>
+        </p:spPr>
+        <p:style>
+          <a:lnRef idx="1">
+            <a:schemeClr val="accent1"/>
+          </a:lnRef>
+          <a:fillRef idx="0">
+            <a:schemeClr val="accent1"/>
+          </a:fillRef>
+          <a:effectRef idx="0">
+            <a:schemeClr val="accent1"/>
+          </a:effectRef>
+          <a:fontRef idx="minor">
+            <a:schemeClr val="tx1"/>
+          </a:fontRef>
+        </p:style>
+      </p:cxnSp>
+      <p:sp>
+        <p:nvSpPr>
+          <p:cNvPr id="21" name="矩形 20"/>
+          <p:cNvSpPr/>
+          <p:nvPr/>
+        </p:nvSpPr>
+        <p:spPr>
+          <a:xfrm>
+            <a:off x="4043288" y="4775907"/>
+            <a:ext cx="1770185" cy="668215"/>
+          </a:xfrm>
+          <a:prstGeom prst="rect">
+            <a:avLst/>
+          </a:prstGeom>
+        </p:spPr>
+        <p:style>
+          <a:lnRef idx="2">
+            <a:schemeClr val="dk1"/>
+          </a:lnRef>
+          <a:fillRef idx="1">
+            <a:schemeClr val="lt1"/>
+          </a:fillRef>
+          <a:effectRef idx="0">
+            <a:schemeClr val="dk1"/>
+          </a:effectRef>
+          <a:fontRef idx="minor">
+            <a:schemeClr val="dk1"/>
+          </a:fontRef>
+        </p:style>
+        <p:txBody>
+          <a:bodyPr rtlCol="0" anchor="ctr"/>
+          <a:lstStyle/>
+          <a:p>
+            <a:pPr algn="ctr"/>
+            <a:r>
+              <a:rPr lang="en-US" altLang="zh-TW" dirty="0" smtClean="0"/>
+              <a:t>Result</a:t>
+            </a:r>
+            <a:endParaRPr lang="zh-TW" altLang="en-US" dirty="0"/>
+          </a:p>
+        </p:txBody>
+      </p:sp>
+      <p:cxnSp>
+        <p:nvCxnSpPr>
+          <p:cNvPr id="25" name="肘形接點 24"/>
+          <p:cNvCxnSpPr>
+            <a:stCxn id="15" idx="3"/>
+            <a:endCxn id="6" idx="3"/>
+          </p:cNvCxnSpPr>
+          <p:nvPr/>
+        </p:nvCxnSpPr>
+        <p:spPr>
+          <a:xfrm flipV="1">
+            <a:off x="10764982" y="2933594"/>
+            <a:ext cx="12700" cy="1990102"/>
+          </a:xfrm>
+          <a:prstGeom prst="bentConnector3">
+            <a:avLst>
+              <a:gd name="adj1" fmla="val 4636362"/>
+            </a:avLst>
+          </a:prstGeom>
+          <a:ln>
+            <a:tailEnd type="triangle"/>
+          </a:ln>
+        </p:spPr>
+        <p:style>
+          <a:lnRef idx="1">
+            <a:schemeClr val="accent1"/>
+          </a:lnRef>
+          <a:fillRef idx="0">
+            <a:schemeClr val="accent1"/>
+          </a:fillRef>
+          <a:effectRef idx="0">
+            <a:schemeClr val="accent1"/>
+          </a:effectRef>
+          <a:fontRef idx="minor">
+            <a:schemeClr val="tx1"/>
+          </a:fontRef>
+        </p:style>
+      </p:cxnSp>
+      <p:sp>
+        <p:nvSpPr>
+          <p:cNvPr id="27" name="矩形 26"/>
+          <p:cNvSpPr/>
+          <p:nvPr/>
+        </p:nvSpPr>
+        <p:spPr>
+          <a:xfrm>
+            <a:off x="10887486" y="3564988"/>
+            <a:ext cx="950743" cy="668215"/>
+          </a:xfrm>
+          <a:prstGeom prst="rect">
+            <a:avLst/>
+          </a:prstGeom>
+        </p:spPr>
+        <p:style>
+          <a:lnRef idx="2">
+            <a:schemeClr val="dk1"/>
+          </a:lnRef>
+          <a:fillRef idx="1">
+            <a:schemeClr val="lt1"/>
+          </a:fillRef>
+          <a:effectRef idx="0">
+            <a:schemeClr val="dk1"/>
+          </a:effectRef>
+          <a:fontRef idx="minor">
+            <a:schemeClr val="dk1"/>
+          </a:fontRef>
+        </p:style>
+        <p:txBody>
+          <a:bodyPr rtlCol="0" anchor="ctr"/>
+          <a:lstStyle/>
+          <a:p>
+            <a:pPr algn="ctr"/>
+            <a:r>
+              <a:rPr lang="en-US" altLang="zh-TW" dirty="0" smtClean="0"/>
+              <a:t>Session</a:t>
+            </a:r>
+          </a:p>
+          <a:p>
+            <a:pPr algn="ctr"/>
+            <a:r>
+              <a:rPr lang="en-US" altLang="zh-TW" dirty="0" smtClean="0"/>
+              <a:t>Token</a:t>
+            </a:r>
+            <a:endParaRPr lang="zh-TW" altLang="en-US" dirty="0"/>
           </a:p>
         </p:txBody>
       </p:sp>
     </p:spTree>
     <p:extLst>
       <p:ext uri="{BB962C8B-B14F-4D97-AF65-F5344CB8AC3E}">
-        <p14:creationId xmlns:p14="http://schemas.microsoft.com/office/powerpoint/2010/main" val="781366387"/>
+        <p14:creationId xmlns:p14="http://schemas.microsoft.com/office/powerpoint/2010/main" val="2783454240"/>
       </p:ext>
     </p:extLst>
   </p:cSld>
@@ -35252,7 +35774,7 @@
       </p:grpSpPr>
       <p:sp>
         <p:nvSpPr>
-          <p:cNvPr id="2" name="標題 1"/>
+          <p:cNvPr id="4" name="標題 3"/>
           <p:cNvSpPr>
             <a:spLocks noGrp="1"/>
           </p:cNvSpPr>
@@ -35265,13 +35787,29 @@
           <a:bodyPr/>
           <a:lstStyle/>
           <a:p>
-            <a:endParaRPr lang="zh-TW" altLang="en-US"/>
-          </a:p>
-        </p:txBody>
-      </p:sp>
-      <p:sp>
-        <p:nvSpPr>
-          <p:cNvPr id="3" name="內容版面配置區 2"/>
+            <a:r>
+              <a:rPr lang="en-US" altLang="zh-TW" dirty="0" smtClean="0"/>
+              <a:t>AUTH</a:t>
+            </a:r>
+            <a:r>
+              <a:rPr lang="zh-TW" altLang="en-US" dirty="0" smtClean="0"/>
+              <a:t>網站發授權，才能用</a:t>
+            </a:r>
+            <a:r>
+              <a:rPr lang="en-US" altLang="zh-TW" dirty="0" smtClean="0"/>
+              <a:t>API</a:t>
+            </a:r>
+            <a:r>
+              <a:rPr lang="zh-TW" altLang="en-US" dirty="0" smtClean="0"/>
+              <a:t>的服務</a:t>
+            </a:r>
+            <a:endParaRPr lang="zh-TW" altLang="en-US" dirty="0"/>
+          </a:p>
+        </p:txBody>
+      </p:sp>
+      <p:sp>
+        <p:nvSpPr>
+          <p:cNvPr id="5" name="內容版面配置區 4"/>
           <p:cNvSpPr>
             <a:spLocks noGrp="1"/>
           </p:cNvSpPr>
@@ -35281,82 +35819,284 @@
         </p:nvSpPr>
         <p:spPr/>
         <p:txBody>
-          <a:bodyPr/>
+          <a:bodyPr>
+            <a:normAutofit/>
+          </a:bodyPr>
           <a:lstStyle/>
           <a:p>
-            <a:endParaRPr lang="zh-TW" altLang="en-US"/>
-          </a:p>
-        </p:txBody>
-      </p:sp>
-      <p:pic>
-        <p:nvPicPr>
-          <p:cNvPr id="5" name="圖片 4"/>
-          <p:cNvPicPr>
-            <a:picLocks noChangeAspect="1"/>
-          </p:cNvPicPr>
-          <p:nvPr/>
-        </p:nvPicPr>
-        <p:blipFill>
-          <a:blip r:embed="rId2"/>
-          <a:stretch>
-            <a:fillRect/>
-          </a:stretch>
-        </p:blipFill>
-        <p:spPr>
-          <a:xfrm>
-            <a:off x="654294" y="1628564"/>
-            <a:ext cx="5130436" cy="3142728"/>
-          </a:xfrm>
-          <a:prstGeom prst="rect">
-            <a:avLst/>
-          </a:prstGeom>
-        </p:spPr>
-      </p:pic>
-      <p:pic>
-        <p:nvPicPr>
-          <p:cNvPr id="1026" name="Picture 2" descr="相關圖片"/>
-          <p:cNvPicPr>
-            <a:picLocks noChangeAspect="1" noChangeArrowheads="1"/>
-          </p:cNvPicPr>
-          <p:nvPr/>
-        </p:nvPicPr>
-        <p:blipFill>
-          <a:blip r:embed="rId3">
-            <a:extLst>
-              <a:ext uri="{28A0092B-C50C-407E-A947-70E740481C1C}">
-                <a14:useLocalDpi xmlns:a14="http://schemas.microsoft.com/office/drawing/2010/main" val="0"/>
-              </a:ext>
-            </a:extLst>
-          </a:blip>
-          <a:srcRect/>
-          <a:stretch>
-            <a:fillRect/>
-          </a:stretch>
-        </p:blipFill>
-        <p:spPr bwMode="auto">
-          <a:xfrm>
-            <a:off x="6755705" y="1628564"/>
-            <a:ext cx="3429000" cy="3543300"/>
-          </a:xfrm>
-          <a:prstGeom prst="rect">
-            <a:avLst/>
-          </a:prstGeom>
-          <a:noFill/>
-          <a:extLst>
-            <a:ext uri="{909E8E84-426E-40DD-AFC4-6F175D3DCCD1}">
-              <a14:hiddenFill xmlns:a14="http://schemas.microsoft.com/office/drawing/2010/main">
-                <a:solidFill>
-                  <a:srgbClr val="FFFFFF"/>
-                </a:solidFill>
-              </a14:hiddenFill>
-            </a:ext>
-          </a:extLst>
-        </p:spPr>
-      </p:pic>
+            <a:pPr marL="0" indent="0">
+              <a:buNone/>
+            </a:pPr>
+            <a:r>
+              <a:rPr lang="zh-TW" altLang="en-US" sz="2400" dirty="0" smtClean="0"/>
+              <a:t>事前準備</a:t>
+            </a:r>
+            <a:r>
+              <a:rPr lang="en-US" altLang="zh-TW" sz="2400" dirty="0" smtClean="0"/>
+              <a:t>:</a:t>
+            </a:r>
+          </a:p>
+          <a:p>
+            <a:pPr marL="457200" indent="-457200">
+              <a:buFont typeface="+mj-lt"/>
+              <a:buAutoNum type="arabicPeriod"/>
+            </a:pPr>
+            <a:r>
+              <a:rPr lang="zh-TW" altLang="en-US" sz="2400" dirty="0" smtClean="0"/>
+              <a:t>跟原廠申請 </a:t>
+            </a:r>
+            <a:r>
+              <a:rPr lang="en-US" altLang="zh-TW" sz="2400" dirty="0" smtClean="0"/>
+              <a:t>API</a:t>
+            </a:r>
+            <a:r>
+              <a:rPr lang="zh-TW" altLang="en-US" sz="2400" dirty="0" smtClean="0"/>
+              <a:t> </a:t>
+            </a:r>
+            <a:r>
+              <a:rPr lang="en-US" altLang="zh-TW" sz="2400" dirty="0" smtClean="0"/>
+              <a:t>KEY</a:t>
+            </a:r>
+            <a:r>
+              <a:rPr lang="zh-TW" altLang="en-US" sz="2400" dirty="0" smtClean="0"/>
+              <a:t> </a:t>
+            </a:r>
+            <a:r>
+              <a:rPr lang="en-US" altLang="zh-TW" sz="2400" dirty="0" smtClean="0"/>
+              <a:t>(</a:t>
+            </a:r>
+            <a:r>
+              <a:rPr lang="zh-TW" altLang="en-US" sz="2400" dirty="0" smtClean="0"/>
+              <a:t>長期使用，例如 </a:t>
+            </a:r>
+            <a:r>
+              <a:rPr lang="en-US" altLang="zh-TW" sz="2400" dirty="0" smtClean="0"/>
+              <a:t>1</a:t>
+            </a:r>
+            <a:r>
+              <a:rPr lang="zh-TW" altLang="en-US" sz="2400" dirty="0" smtClean="0"/>
+              <a:t> 年</a:t>
+            </a:r>
+            <a:r>
+              <a:rPr lang="en-US" altLang="zh-TW" sz="2400" dirty="0" smtClean="0"/>
+              <a:t>)</a:t>
+            </a:r>
+          </a:p>
+          <a:p>
+            <a:pPr marL="457200" indent="-457200">
+              <a:buFont typeface="+mj-lt"/>
+              <a:buAutoNum type="arabicPeriod"/>
+            </a:pPr>
+            <a:r>
+              <a:rPr lang="zh-TW" altLang="en-US" sz="2400" dirty="0" smtClean="0"/>
+              <a:t>每次要使用</a:t>
+            </a:r>
+            <a:r>
+              <a:rPr lang="zh-TW" altLang="en-US" sz="2400" dirty="0"/>
+              <a:t> </a:t>
+            </a:r>
+            <a:r>
+              <a:rPr lang="en-US" altLang="zh-TW" sz="2400" dirty="0"/>
+              <a:t>API </a:t>
+            </a:r>
+            <a:r>
+              <a:rPr lang="zh-TW" altLang="en-US" sz="2400" dirty="0" smtClean="0"/>
+              <a:t>服務時，就拿</a:t>
+            </a:r>
+            <a:r>
+              <a:rPr lang="zh-TW" altLang="en-US" sz="2400" dirty="0"/>
+              <a:t> </a:t>
+            </a:r>
+            <a:r>
+              <a:rPr lang="en-US" altLang="zh-TW" sz="2400" dirty="0" smtClean="0"/>
+              <a:t>API</a:t>
+            </a:r>
+            <a:r>
+              <a:rPr lang="zh-TW" altLang="en-US" sz="2400" dirty="0"/>
+              <a:t> </a:t>
+            </a:r>
+            <a:r>
+              <a:rPr lang="en-US" altLang="zh-TW" sz="2400" dirty="0"/>
+              <a:t>KEY</a:t>
+            </a:r>
+            <a:r>
+              <a:rPr lang="zh-TW" altLang="en-US" sz="2400" dirty="0" smtClean="0"/>
+              <a:t> 去換</a:t>
+            </a:r>
+            <a:r>
+              <a:rPr lang="zh-TW" altLang="en-US" sz="2400" dirty="0"/>
+              <a:t>入場券</a:t>
+            </a:r>
+            <a:r>
+              <a:rPr lang="zh-TW" altLang="en-US" sz="2400" dirty="0" smtClean="0"/>
+              <a:t> </a:t>
+            </a:r>
+            <a:r>
+              <a:rPr lang="en-US" altLang="zh-TW" sz="2400" dirty="0" smtClean="0"/>
+              <a:t>(SESSION</a:t>
+            </a:r>
+            <a:r>
+              <a:rPr lang="zh-TW" altLang="en-US" sz="2400" dirty="0"/>
+              <a:t> </a:t>
+            </a:r>
+            <a:r>
+              <a:rPr lang="en-US" altLang="zh-TW" sz="2400" dirty="0" smtClean="0"/>
+              <a:t>TOKEN)</a:t>
+            </a:r>
+          </a:p>
+          <a:p>
+            <a:pPr marL="457200" indent="-457200">
+              <a:buFont typeface="+mj-lt"/>
+              <a:buAutoNum type="arabicPeriod"/>
+            </a:pPr>
+            <a:r>
+              <a:rPr lang="en-US" altLang="zh-TW" sz="2400" dirty="0" smtClean="0"/>
+              <a:t>SESSION</a:t>
+            </a:r>
+            <a:r>
+              <a:rPr lang="zh-TW" altLang="en-US" sz="2400" dirty="0" smtClean="0"/>
+              <a:t> 限短期使用，如 </a:t>
+            </a:r>
+            <a:r>
+              <a:rPr lang="en-US" altLang="zh-TW" sz="2400" dirty="0" smtClean="0"/>
+              <a:t>1 </a:t>
+            </a:r>
+            <a:r>
+              <a:rPr lang="zh-TW" altLang="en-US" sz="2400" dirty="0" smtClean="0"/>
+              <a:t>天，限某</a:t>
+            </a:r>
+            <a:r>
+              <a:rPr lang="zh-TW" altLang="en-US" sz="2400" dirty="0"/>
+              <a:t> </a:t>
+            </a:r>
+            <a:r>
+              <a:rPr lang="en-US" altLang="zh-TW" sz="2400" dirty="0" smtClean="0"/>
+              <a:t>USER</a:t>
+            </a:r>
+            <a:r>
+              <a:rPr lang="zh-TW" altLang="en-US" sz="2400" dirty="0" smtClean="0"/>
+              <a:t>，限某來源 </a:t>
+            </a:r>
+            <a:r>
+              <a:rPr lang="en-US" altLang="zh-TW" sz="2400" dirty="0" smtClean="0"/>
+              <a:t>IP …</a:t>
+            </a:r>
+          </a:p>
+          <a:p>
+            <a:pPr marL="457200" indent="-457200">
+              <a:buFont typeface="+mj-lt"/>
+              <a:buAutoNum type="arabicPeriod"/>
+            </a:pPr>
+            <a:endParaRPr lang="en-US" altLang="zh-TW" sz="2400" dirty="0"/>
+          </a:p>
+          <a:p>
+            <a:pPr marL="0" indent="0">
+              <a:buNone/>
+            </a:pPr>
+            <a:r>
+              <a:rPr lang="zh-TW" altLang="en-US" sz="2400" dirty="0" smtClean="0"/>
+              <a:t>使用 </a:t>
+            </a:r>
+            <a:r>
+              <a:rPr lang="en-US" altLang="zh-TW" sz="2400" dirty="0" smtClean="0"/>
+              <a:t>API</a:t>
+            </a:r>
+            <a:r>
+              <a:rPr lang="zh-TW" altLang="en-US" sz="2400" dirty="0" smtClean="0"/>
+              <a:t> 服務</a:t>
+            </a:r>
+            <a:r>
+              <a:rPr lang="en-US" altLang="zh-TW" sz="2400" dirty="0" smtClean="0"/>
+              <a:t>:</a:t>
+            </a:r>
+          </a:p>
+          <a:p>
+            <a:pPr marL="457200" indent="-457200">
+              <a:buFont typeface="+mj-lt"/>
+              <a:buAutoNum type="arabicPeriod"/>
+            </a:pPr>
+            <a:r>
+              <a:rPr lang="zh-TW" altLang="en-US" sz="2400" dirty="0" smtClean="0"/>
+              <a:t>拿</a:t>
+            </a:r>
+            <a:r>
+              <a:rPr lang="zh-TW" altLang="en-US" sz="2400" dirty="0"/>
+              <a:t> </a:t>
+            </a:r>
+            <a:r>
+              <a:rPr lang="en-US" altLang="zh-TW" sz="2400" dirty="0" smtClean="0"/>
+              <a:t>SESSION</a:t>
+            </a:r>
+            <a:r>
+              <a:rPr lang="zh-TW" altLang="en-US" sz="2400" dirty="0"/>
+              <a:t> </a:t>
+            </a:r>
+            <a:r>
+              <a:rPr lang="en-US" altLang="zh-TW" sz="2400" dirty="0" smtClean="0"/>
+              <a:t>TOKEN</a:t>
+            </a:r>
+            <a:r>
+              <a:rPr lang="zh-TW" altLang="en-US" sz="2400" dirty="0" smtClean="0"/>
+              <a:t> 去使用</a:t>
+            </a:r>
+            <a:r>
+              <a:rPr lang="zh-TW" altLang="en-US" sz="2400" dirty="0"/>
+              <a:t> </a:t>
+            </a:r>
+            <a:r>
+              <a:rPr lang="en-US" altLang="zh-TW" sz="2400" dirty="0" smtClean="0"/>
+              <a:t>API</a:t>
+            </a:r>
+            <a:r>
+              <a:rPr lang="zh-TW" altLang="en-US" sz="2400" dirty="0" smtClean="0"/>
+              <a:t> 服務</a:t>
+            </a:r>
+            <a:endParaRPr lang="en-US" altLang="zh-TW" sz="2400" dirty="0" smtClean="0"/>
+          </a:p>
+          <a:p>
+            <a:pPr marL="457200" indent="-457200">
+              <a:buFont typeface="+mj-lt"/>
+              <a:buAutoNum type="arabicPeriod"/>
+            </a:pPr>
+            <a:r>
+              <a:rPr lang="en-US" altLang="zh-TW" sz="2400" dirty="0" smtClean="0"/>
+              <a:t>API</a:t>
+            </a:r>
+            <a:r>
+              <a:rPr lang="zh-TW" altLang="en-US" sz="2400" dirty="0" smtClean="0"/>
+              <a:t> 端只看這張入場券 </a:t>
+            </a:r>
+            <a:r>
+              <a:rPr lang="en-US" altLang="zh-TW" sz="2400" dirty="0" smtClean="0"/>
+              <a:t>(SESSION</a:t>
+            </a:r>
+            <a:r>
+              <a:rPr lang="zh-TW" altLang="en-US" sz="2400" dirty="0" smtClean="0"/>
+              <a:t> </a:t>
+            </a:r>
+            <a:r>
+              <a:rPr lang="en-US" altLang="zh-TW" sz="2400" dirty="0" smtClean="0"/>
+              <a:t>TOKEN)</a:t>
+            </a:r>
+            <a:r>
+              <a:rPr lang="zh-TW" altLang="en-US" sz="2400" dirty="0" smtClean="0"/>
+              <a:t>，就要決定讓不讓他使用服務</a:t>
+            </a:r>
+            <a:endParaRPr lang="en-US" altLang="zh-TW" sz="2400" dirty="0" smtClean="0"/>
+          </a:p>
+          <a:p>
+            <a:pPr marL="457200" indent="-457200">
+              <a:buFont typeface="+mj-lt"/>
+              <a:buAutoNum type="arabicPeriod"/>
+            </a:pPr>
+            <a:endParaRPr lang="zh-TW" altLang="en-US" sz="2400" dirty="0"/>
+          </a:p>
+        </p:txBody>
+      </p:sp>
     </p:spTree>
     <p:extLst>
       <p:ext uri="{BB962C8B-B14F-4D97-AF65-F5344CB8AC3E}">
-        <p14:creationId xmlns:p14="http://schemas.microsoft.com/office/powerpoint/2010/main" val="3712132377"/>
+        <p14:creationId xmlns:p14="http://schemas.microsoft.com/office/powerpoint/2010/main" val="781366387"/>
       </p:ext>
     </p:extLst>
   </p:cSld>
@@ -35390,154 +36130,98 @@
           <a:chExt cx="0" cy="0"/>
         </a:xfrm>
       </p:grpSpPr>
-      <p:sp>
-        <p:nvSpPr>
-          <p:cNvPr id="2" name="標題 1"/>
-          <p:cNvSpPr>
-            <a:spLocks noGrp="1"/>
-          </p:cNvSpPr>
-          <p:nvPr>
-            <p:ph type="title"/>
-          </p:nvPr>
-        </p:nvSpPr>
-        <p:spPr/>
-        <p:txBody>
-          <a:bodyPr/>
-          <a:lstStyle/>
-          <a:p>
-            <a:r>
-              <a:rPr lang="en-US" altLang="zh-TW" dirty="0" smtClean="0"/>
-              <a:t>API KEY</a:t>
-            </a:r>
-            <a:endParaRPr lang="zh-TW" altLang="en-US" dirty="0"/>
-          </a:p>
-        </p:txBody>
-      </p:sp>
-      <p:sp>
-        <p:nvSpPr>
-          <p:cNvPr id="3" name="內容版面配置區 2"/>
-          <p:cNvSpPr>
-            <a:spLocks noGrp="1"/>
-          </p:cNvSpPr>
-          <p:nvPr>
-            <p:ph idx="1"/>
-          </p:nvPr>
-        </p:nvSpPr>
-        <p:spPr/>
-        <p:txBody>
-          <a:bodyPr>
-            <a:normAutofit/>
+      <p:pic>
+        <p:nvPicPr>
+          <p:cNvPr id="5" name="圖片 4"/>
+          <p:cNvPicPr>
+            <a:picLocks noChangeAspect="1"/>
+          </p:cNvPicPr>
+          <p:nvPr/>
+        </p:nvPicPr>
+        <p:blipFill>
+          <a:blip r:embed="rId2"/>
+          <a:stretch>
+            <a:fillRect/>
+          </a:stretch>
+        </p:blipFill>
+        <p:spPr>
+          <a:xfrm>
+            <a:off x="585021" y="1559289"/>
+            <a:ext cx="6478773" cy="3968673"/>
+          </a:xfrm>
+          <a:prstGeom prst="rect">
+            <a:avLst/>
+          </a:prstGeom>
+        </p:spPr>
+      </p:pic>
+      <p:sp>
+        <p:nvSpPr>
+          <p:cNvPr id="4" name="文字方塊 3"/>
+          <p:cNvSpPr txBox="1"/>
+          <p:nvPr/>
+        </p:nvSpPr>
+        <p:spPr>
+          <a:xfrm>
+            <a:off x="7250027" y="1915059"/>
+            <a:ext cx="4589718" cy="2677656"/>
+          </a:xfrm>
+          <a:prstGeom prst="rect">
+            <a:avLst/>
+          </a:prstGeom>
+          <a:noFill/>
+        </p:spPr>
+        <p:txBody>
+          <a:bodyPr wrap="none" rtlCol="0">
+            <a:spAutoFit/>
           </a:bodyPr>
           <a:lstStyle/>
           <a:p>
             <a:r>
-              <a:rPr lang="en-US" altLang="zh-TW" sz="2800" dirty="0" smtClean="0"/>
-              <a:t>(</a:t>
-            </a:r>
+              <a:rPr lang="zh-TW" altLang="en-US" sz="2800" b="1" dirty="0" smtClean="0"/>
+              <a:t>票上面至少要有這幾個功能</a:t>
+            </a:r>
+            <a:r>
+              <a:rPr lang="en-US" altLang="zh-TW" sz="2800" b="1" dirty="0" smtClean="0"/>
+              <a:t>:</a:t>
+            </a:r>
+          </a:p>
+          <a:p>
+            <a:endParaRPr lang="en-US" altLang="zh-TW" sz="2800" dirty="0" smtClean="0"/>
+          </a:p>
+          <a:p>
+            <a:pPr marL="342900" indent="-342900">
+              <a:buAutoNum type="arabicPeriod"/>
+            </a:pPr>
             <a:r>
               <a:rPr lang="zh-TW" altLang="en-US" sz="2800" dirty="0" smtClean="0"/>
-              <a:t>認證</a:t>
-            </a:r>
-            <a:r>
-              <a:rPr lang="en-US" altLang="zh-TW" sz="2800" dirty="0" smtClean="0"/>
-              <a:t>)</a:t>
-            </a:r>
+              <a:t>防偽機制</a:t>
+            </a:r>
+            <a:endParaRPr lang="en-US" altLang="zh-TW" sz="2800" dirty="0" smtClean="0"/>
+          </a:p>
+          <a:p>
+            <a:pPr marL="342900" indent="-342900">
+              <a:buAutoNum type="arabicPeriod"/>
+            </a:pPr>
             <a:r>
               <a:rPr lang="zh-TW" altLang="en-US" sz="2800" dirty="0" smtClean="0"/>
-              <a:t> 由開發者或是使用者，事先跟服務端申請，供將來程式呼叫 </a:t>
-            </a:r>
-            <a:r>
-              <a:rPr lang="en-US" altLang="zh-TW" sz="2800" dirty="0" smtClean="0"/>
-              <a:t>API</a:t>
-            </a:r>
+              <a:t>追蹤機制</a:t>
+            </a:r>
+            <a:endParaRPr lang="en-US" altLang="zh-TW" sz="2800" dirty="0" smtClean="0"/>
+          </a:p>
+          <a:p>
+            <a:pPr marL="342900" indent="-342900">
+              <a:buAutoNum type="arabicPeriod"/>
+            </a:pPr>
             <a:r>
               <a:rPr lang="zh-TW" altLang="en-US" sz="2800" dirty="0" smtClean="0"/>
-              <a:t> 時可以使用的依據。</a:t>
+              <a:t>授權資訊</a:t>
             </a:r>
             <a:endParaRPr lang="en-US" altLang="zh-TW" sz="2800" dirty="0" smtClean="0"/>
           </a:p>
           <a:p>
-            <a:endParaRPr lang="en-US" altLang="zh-TW" sz="2800" dirty="0"/>
-          </a:p>
-          <a:p>
-            <a:r>
-              <a:rPr lang="zh-TW" altLang="en-US" sz="2800" dirty="0" smtClean="0"/>
-              <a:t>可以把他想像成 </a:t>
-            </a:r>
-            <a:r>
-              <a:rPr lang="en-US" altLang="zh-TW" sz="2800" dirty="0" smtClean="0"/>
-              <a:t>“</a:t>
-            </a:r>
-            <a:r>
-              <a:rPr lang="zh-TW" altLang="en-US" sz="2800" dirty="0" smtClean="0"/>
-              <a:t>替程式申請的帳號密碼</a:t>
-            </a:r>
-            <a:r>
-              <a:rPr lang="en-US" altLang="zh-TW" sz="2800" dirty="0" smtClean="0"/>
-              <a:t>”</a:t>
-            </a:r>
-            <a:r>
-              <a:rPr lang="zh-TW" altLang="en-US" sz="2800" dirty="0" smtClean="0"/>
-              <a:t>，有帳號密碼之後你的程式就可以使用服務端提供的 </a:t>
-            </a:r>
-            <a:r>
-              <a:rPr lang="en-US" altLang="zh-TW" sz="2800" dirty="0" smtClean="0"/>
-              <a:t>API</a:t>
-            </a:r>
-            <a:r>
-              <a:rPr lang="zh-TW" altLang="en-US" sz="2800" dirty="0" smtClean="0"/>
-              <a:t>。</a:t>
-            </a:r>
-            <a:endParaRPr lang="en-US" altLang="zh-TW" sz="2800" dirty="0" smtClean="0"/>
-          </a:p>
-          <a:p>
-            <a:endParaRPr lang="en-US" altLang="zh-TW" sz="2800" dirty="0"/>
-          </a:p>
-          <a:p>
-            <a:r>
-              <a:rPr lang="zh-TW" altLang="en-US" sz="2800" dirty="0" smtClean="0"/>
-              <a:t>挑戰</a:t>
-            </a:r>
-            <a:r>
-              <a:rPr lang="en-US" altLang="zh-TW" sz="2800" dirty="0" smtClean="0"/>
-              <a:t>:</a:t>
-            </a:r>
-            <a:r>
-              <a:rPr lang="zh-TW" altLang="en-US" sz="2800" dirty="0" smtClean="0"/>
-              <a:t> 避免偽造。只有服務端</a:t>
-            </a:r>
-            <a:r>
-              <a:rPr lang="en-US" altLang="zh-TW" sz="2800" dirty="0" smtClean="0"/>
-              <a:t>(</a:t>
-            </a:r>
-            <a:r>
-              <a:rPr lang="zh-TW" altLang="en-US" sz="2800" dirty="0" smtClean="0"/>
-              <a:t>原廠</a:t>
-            </a:r>
-            <a:r>
-              <a:rPr lang="en-US" altLang="zh-TW" sz="2800" dirty="0" smtClean="0"/>
-              <a:t>)</a:t>
-            </a:r>
-            <a:r>
-              <a:rPr lang="zh-TW" altLang="en-US" sz="2800" dirty="0" smtClean="0"/>
-              <a:t>發的 </a:t>
-            </a:r>
-            <a:r>
-              <a:rPr lang="en-US" altLang="zh-TW" sz="2800" dirty="0" smtClean="0"/>
-              <a:t>API</a:t>
-            </a:r>
-            <a:r>
-              <a:rPr lang="zh-TW" altLang="en-US" sz="2800" dirty="0" smtClean="0"/>
-              <a:t> </a:t>
-            </a:r>
-            <a:r>
-              <a:rPr lang="en-US" altLang="zh-TW" sz="2800" dirty="0" smtClean="0"/>
-              <a:t>KEY</a:t>
-            </a:r>
-            <a:r>
-              <a:rPr lang="zh-TW" altLang="en-US" sz="2800" dirty="0" smtClean="0"/>
-              <a:t> 才能使用。</a:t>
-            </a:r>
+            <a:pPr marL="342900" indent="-342900">
+              <a:buAutoNum type="arabicPeriod"/>
+            </a:pPr>
             <a:endParaRPr lang="zh-TW" altLang="en-US" sz="2800" dirty="0"/>
           </a:p>
         </p:txBody>
@@ -35545,7 +36229,7 @@
     </p:spTree>
     <p:extLst>
       <p:ext uri="{BB962C8B-B14F-4D97-AF65-F5344CB8AC3E}">
-        <p14:creationId xmlns:p14="http://schemas.microsoft.com/office/powerpoint/2010/main" val="1566607914"/>
+        <p14:creationId xmlns:p14="http://schemas.microsoft.com/office/powerpoint/2010/main" val="3712132377"/>
       </p:ext>
     </p:extLst>
   </p:cSld>
@@ -35596,15 +36280,7 @@
           <a:p>
             <a:r>
               <a:rPr lang="en-US" altLang="zh-TW" dirty="0" smtClean="0"/>
-              <a:t>SESSION</a:t>
-            </a:r>
-            <a:r>
-              <a:rPr lang="zh-TW" altLang="en-US" dirty="0" smtClean="0"/>
-              <a:t> </a:t>
-            </a:r>
-            <a:r>
-              <a:rPr lang="en-US" altLang="zh-TW" dirty="0" smtClean="0"/>
-              <a:t>KEY</a:t>
+              <a:t>API KEY</a:t>
             </a:r>
             <a:endParaRPr lang="zh-TW" altLang="en-US" dirty="0"/>
           </a:p>
@@ -35623,7 +36299,7 @@
         <p:spPr/>
         <p:txBody>
           <a:bodyPr>
-            <a:normAutofit lnSpcReduction="10000"/>
+            <a:normAutofit/>
           </a:bodyPr>
           <a:lstStyle/>
           <a:p>
@@ -35633,7 +36309,7 @@
             </a:r>
             <a:r>
               <a:rPr lang="zh-TW" altLang="en-US" sz="2800" dirty="0" smtClean="0"/>
-              <a:t>授權</a:t>
+              <a:t>認證</a:t>
             </a:r>
             <a:r>
               <a:rPr lang="en-US" altLang="zh-TW" sz="2800" dirty="0" smtClean="0"/>
@@ -35641,11 +36317,87 @@
             </a:r>
             <a:r>
               <a:rPr lang="zh-TW" altLang="en-US" sz="2800" dirty="0" smtClean="0"/>
-              <a:t> 程式要開始使用服務時，先跟服務端連線，確認授權無誤之後，取得 </a:t>
+              <a:t> 由開發者或是使用者，事先跟服務端申請，供將來程式呼叫 </a:t>
             </a:r>
             <a:r>
               <a:rPr lang="en-US" altLang="zh-TW" sz="2800" dirty="0" smtClean="0"/>
-              <a:t>SESSION</a:t>
+              <a:t>API</a:t>
+            </a:r>
+            <a:r>
+              <a:rPr lang="zh-TW" altLang="en-US" sz="2800" dirty="0" smtClean="0"/>
+              <a:t> 時可以使用的依據。</a:t>
+            </a:r>
+            <a:endParaRPr lang="en-US" altLang="zh-TW" sz="2800" dirty="0" smtClean="0"/>
+          </a:p>
+          <a:p>
+            <a:endParaRPr lang="en-US" altLang="zh-TW" sz="2800" dirty="0"/>
+          </a:p>
+          <a:p>
+            <a:r>
+              <a:rPr lang="zh-TW" altLang="en-US" sz="2800" dirty="0" smtClean="0"/>
+              <a:t>可以把他想像成 </a:t>
+            </a:r>
+            <a:r>
+              <a:rPr lang="en-US" altLang="zh-TW" sz="2800" dirty="0" smtClean="0"/>
+              <a:t>“</a:t>
+            </a:r>
+            <a:r>
+              <a:rPr lang="zh-TW" altLang="en-US" sz="2800" dirty="0" smtClean="0"/>
+              <a:t>替程式申請的帳號密碼</a:t>
+            </a:r>
+            <a:r>
+              <a:rPr lang="en-US" altLang="zh-TW" sz="2800" dirty="0" smtClean="0"/>
+              <a:t>”</a:t>
+            </a:r>
+            <a:r>
+              <a:rPr lang="zh-TW" altLang="en-US" sz="2800" dirty="0" smtClean="0"/>
+              <a:t>，有帳號密碼之後你的程式就可以使用服務端提供的 </a:t>
+            </a:r>
+            <a:r>
+              <a:rPr lang="en-US" altLang="zh-TW" sz="2800" dirty="0" smtClean="0"/>
+              <a:t>API</a:t>
+            </a:r>
+            <a:r>
+              <a:rPr lang="zh-TW" altLang="en-US" sz="2800" dirty="0" smtClean="0"/>
+              <a:t>。</a:t>
+            </a:r>
+            <a:endParaRPr lang="en-US" altLang="zh-TW" sz="2800" dirty="0" smtClean="0"/>
+          </a:p>
+          <a:p>
+            <a:endParaRPr lang="en-US" altLang="zh-TW" sz="2800" dirty="0"/>
+          </a:p>
+          <a:p>
+            <a:r>
+              <a:rPr lang="zh-TW" altLang="en-US" sz="2800" dirty="0" smtClean="0"/>
+              <a:t>挑戰</a:t>
+            </a:r>
+            <a:r>
+              <a:rPr lang="en-US" altLang="zh-TW" sz="2800" dirty="0" smtClean="0"/>
+              <a:t>:</a:t>
+            </a:r>
+            <a:r>
+              <a:rPr lang="zh-TW" altLang="en-US" sz="2800" dirty="0" smtClean="0"/>
+              <a:t> 避免偽造。只有服務端</a:t>
+            </a:r>
+            <a:r>
+              <a:rPr lang="en-US" altLang="zh-TW" sz="2800" dirty="0" smtClean="0"/>
+              <a:t>(</a:t>
+            </a:r>
+            <a:r>
+              <a:rPr lang="zh-TW" altLang="en-US" sz="2800" dirty="0" smtClean="0"/>
+              <a:t>原廠</a:t>
+            </a:r>
+            <a:r>
+              <a:rPr lang="en-US" altLang="zh-TW" sz="2800" dirty="0" smtClean="0"/>
+              <a:t>)</a:t>
+            </a:r>
+            <a:r>
+              <a:rPr lang="zh-TW" altLang="en-US" sz="2800" dirty="0" smtClean="0"/>
+              <a:t>發的 </a:t>
+            </a:r>
+            <a:r>
+              <a:rPr lang="en-US" altLang="zh-TW" sz="2800" dirty="0" smtClean="0"/>
+              <a:t>API</a:t>
             </a:r>
             <a:r>
               <a:rPr lang="zh-TW" altLang="en-US" sz="2800" dirty="0" smtClean="0"/>
@@ -35657,103 +36409,7 @@
             </a:r>
             <a:r>
               <a:rPr lang="zh-TW" altLang="en-US" sz="2800" dirty="0" smtClean="0"/>
-              <a:t> 做為這次使用的依據。</a:t>
-            </a:r>
-            <a:endParaRPr lang="en-US" altLang="zh-TW" sz="2800" dirty="0" smtClean="0"/>
-          </a:p>
-          <a:p>
-            <a:endParaRPr lang="en-US" altLang="zh-TW" sz="2800" dirty="0"/>
-          </a:p>
-          <a:p>
-            <a:r>
-              <a:rPr lang="zh-TW" altLang="en-US" sz="2800" dirty="0" smtClean="0"/>
-              <a:t>可以把他想像成</a:t>
-            </a:r>
-            <a:r>
-              <a:rPr lang="en-US" altLang="zh-TW" sz="2800" dirty="0" smtClean="0"/>
-              <a:t>:</a:t>
-            </a:r>
-            <a:r>
-              <a:rPr lang="zh-TW" altLang="en-US" sz="2800" dirty="0" smtClean="0"/>
-              <a:t> 程式要先 </a:t>
-            </a:r>
-            <a:r>
-              <a:rPr lang="en-US" altLang="zh-TW" sz="2800" dirty="0" smtClean="0"/>
-              <a:t>“</a:t>
-            </a:r>
-            <a:r>
-              <a:rPr lang="zh-TW" altLang="en-US" sz="2800" dirty="0" smtClean="0"/>
-              <a:t>登入</a:t>
-            </a:r>
-            <a:r>
-              <a:rPr lang="en-US" altLang="zh-TW" sz="2800" dirty="0" smtClean="0"/>
-              <a:t>”</a:t>
-            </a:r>
-            <a:r>
-              <a:rPr lang="zh-TW" altLang="en-US" sz="2800" dirty="0" smtClean="0"/>
-              <a:t> 服務端之後才能使用。登入時檢查過權限後就能取得 </a:t>
-            </a:r>
-            <a:r>
-              <a:rPr lang="en-US" altLang="zh-TW" sz="2800" dirty="0" smtClean="0"/>
-              <a:t>SESSION</a:t>
-            </a:r>
-            <a:r>
-              <a:rPr lang="zh-TW" altLang="en-US" sz="2800" dirty="0" smtClean="0"/>
-              <a:t> </a:t>
-            </a:r>
-            <a:r>
-              <a:rPr lang="en-US" altLang="zh-TW" sz="2800" dirty="0" smtClean="0"/>
-              <a:t>KEY</a:t>
-            </a:r>
-            <a:r>
-              <a:rPr lang="zh-TW" altLang="en-US" sz="2800" dirty="0" smtClean="0"/>
-              <a:t>，之後到登出前，或是登入期限過期之前，憑 </a:t>
-            </a:r>
-            <a:r>
-              <a:rPr lang="en-US" altLang="zh-TW" sz="2800" dirty="0" smtClean="0"/>
-              <a:t>SESSION</a:t>
-            </a:r>
-            <a:r>
-              <a:rPr lang="zh-TW" altLang="en-US" sz="2800" dirty="0" smtClean="0"/>
-              <a:t> </a:t>
-            </a:r>
-            <a:r>
-              <a:rPr lang="en-US" altLang="zh-TW" sz="2800" dirty="0" smtClean="0"/>
-              <a:t>KEY</a:t>
-            </a:r>
-            <a:r>
-              <a:rPr lang="zh-TW" altLang="en-US" sz="2800" dirty="0" smtClean="0"/>
-              <a:t> 都能任意使用服務，不用再驗證。</a:t>
-            </a:r>
-            <a:endParaRPr lang="en-US" altLang="zh-TW" sz="2800" dirty="0" smtClean="0"/>
-          </a:p>
-          <a:p>
-            <a:endParaRPr lang="en-US" altLang="zh-TW" sz="2800" dirty="0"/>
-          </a:p>
-          <a:p>
-            <a:r>
-              <a:rPr lang="zh-TW" altLang="en-US" sz="2800" dirty="0" smtClean="0"/>
-              <a:t>挑戰</a:t>
-            </a:r>
-            <a:r>
-              <a:rPr lang="en-US" altLang="zh-TW" sz="2800" dirty="0" smtClean="0"/>
-              <a:t>:</a:t>
-            </a:r>
-            <a:r>
-              <a:rPr lang="zh-TW" altLang="en-US" sz="2800" dirty="0" smtClean="0"/>
-              <a:t> 避免被濫用，或是 </a:t>
-            </a:r>
-            <a:r>
-              <a:rPr lang="en-US" altLang="zh-TW" sz="2800" dirty="0" smtClean="0"/>
-              <a:t>REPLY</a:t>
-            </a:r>
-            <a:r>
-              <a:rPr lang="zh-TW" altLang="en-US" sz="2800" dirty="0" smtClean="0"/>
-              <a:t> </a:t>
-            </a:r>
-            <a:r>
-              <a:rPr lang="en-US" altLang="zh-TW" sz="2800" dirty="0" smtClean="0"/>
-              <a:t>ATTACK</a:t>
+              <a:t> 才能使用。</a:t>
             </a:r>
             <a:endParaRPr lang="zh-TW" altLang="en-US" sz="2800" dirty="0"/>
           </a:p>
@@ -35762,7 +36418,7 @@
     </p:spTree>
     <p:extLst>
       <p:ext uri="{BB962C8B-B14F-4D97-AF65-F5344CB8AC3E}">
-        <p14:creationId xmlns:p14="http://schemas.microsoft.com/office/powerpoint/2010/main" val="3897916835"/>
+        <p14:creationId xmlns:p14="http://schemas.microsoft.com/office/powerpoint/2010/main" val="1566607914"/>
       </p:ext>
     </p:extLst>
   </p:cSld>
@@ -40428,12 +41084,12 @@
       </p:grpSpPr>
       <p:sp>
         <p:nvSpPr>
-          <p:cNvPr id="4" name="標題 3"/>
+          <p:cNvPr id="2" name="標題 1"/>
           <p:cNvSpPr>
             <a:spLocks noGrp="1"/>
           </p:cNvSpPr>
           <p:nvPr>
-            <p:ph type="ctrTitle"/>
+            <p:ph type="title"/>
           </p:nvPr>
         </p:nvSpPr>
         <p:spPr/>
@@ -40459,27 +41115,157 @@
       </p:sp>
       <p:sp>
         <p:nvSpPr>
-          <p:cNvPr id="5" name="副標題 4"/>
+          <p:cNvPr id="3" name="內容版面配置區 2"/>
           <p:cNvSpPr>
             <a:spLocks noGrp="1"/>
           </p:cNvSpPr>
           <p:nvPr>
-            <p:ph type="subTitle" idx="1"/>
+            <p:ph idx="1"/>
           </p:nvPr>
         </p:nvSpPr>
         <p:spPr/>
         <p:txBody>
-          <a:bodyPr/>
+          <a:bodyPr>
+            <a:normAutofit lnSpcReduction="10000"/>
+          </a:bodyPr>
           <a:lstStyle/>
           <a:p>
-            <a:endParaRPr lang="zh-TW" altLang="en-US" dirty="0"/>
+            <a:r>
+              <a:rPr lang="en-US" altLang="zh-TW" sz="2800" dirty="0" smtClean="0"/>
+              <a:t>(</a:t>
+            </a:r>
+            <a:r>
+              <a:rPr lang="zh-TW" altLang="en-US" sz="2800" dirty="0" smtClean="0"/>
+              <a:t>授權</a:t>
+            </a:r>
+            <a:r>
+              <a:rPr lang="en-US" altLang="zh-TW" sz="2800" dirty="0" smtClean="0"/>
+              <a:t>)</a:t>
+            </a:r>
+            <a:r>
+              <a:rPr lang="zh-TW" altLang="en-US" sz="2800" dirty="0" smtClean="0"/>
+              <a:t> 程式要開始使用服務時，先跟服務端連線，確認授權無誤之後，取得 </a:t>
+            </a:r>
+            <a:r>
+              <a:rPr lang="en-US" altLang="zh-TW" sz="2800" dirty="0" smtClean="0"/>
+              <a:t>SESSION</a:t>
+            </a:r>
+            <a:r>
+              <a:rPr lang="zh-TW" altLang="en-US" sz="2800" dirty="0" smtClean="0"/>
+              <a:t> </a:t>
+            </a:r>
+            <a:r>
+              <a:rPr lang="en-US" altLang="zh-TW" sz="2800" dirty="0" smtClean="0"/>
+              <a:t>KEY</a:t>
+            </a:r>
+            <a:r>
+              <a:rPr lang="zh-TW" altLang="en-US" sz="2800" dirty="0" smtClean="0"/>
+              <a:t> 做為這次使用的依據。</a:t>
+            </a:r>
+            <a:endParaRPr lang="en-US" altLang="zh-TW" sz="2800" dirty="0" smtClean="0"/>
+          </a:p>
+          <a:p>
+            <a:endParaRPr lang="en-US" altLang="zh-TW" sz="2800" dirty="0"/>
+          </a:p>
+          <a:p>
+            <a:r>
+              <a:rPr lang="zh-TW" altLang="en-US" sz="2800" dirty="0" smtClean="0"/>
+              <a:t>可以把他想像成</a:t>
+            </a:r>
+            <a:r>
+              <a:rPr lang="en-US" altLang="zh-TW" sz="2800" dirty="0" smtClean="0"/>
+              <a:t>:</a:t>
+            </a:r>
+            <a:r>
+              <a:rPr lang="zh-TW" altLang="en-US" sz="2800" dirty="0" smtClean="0"/>
+              <a:t> 程式要先 </a:t>
+            </a:r>
+            <a:r>
+              <a:rPr lang="en-US" altLang="zh-TW" sz="2800" dirty="0" smtClean="0"/>
+              <a:t>“</a:t>
+            </a:r>
+            <a:r>
+              <a:rPr lang="zh-TW" altLang="en-US" sz="2800" dirty="0" smtClean="0"/>
+              <a:t>登入</a:t>
+            </a:r>
+            <a:r>
+              <a:rPr lang="en-US" altLang="zh-TW" sz="2800" dirty="0" smtClean="0"/>
+              <a:t>”</a:t>
+            </a:r>
+            <a:r>
+              <a:rPr lang="zh-TW" altLang="en-US" sz="2800" dirty="0" smtClean="0"/>
+              <a:t> 服務端之後才能使用。登入時檢查過權限後就能取得 </a:t>
+            </a:r>
+            <a:r>
+              <a:rPr lang="en-US" altLang="zh-TW" sz="2800" dirty="0" smtClean="0"/>
+              <a:t>SESSION</a:t>
+            </a:r>
+            <a:r>
+              <a:rPr lang="zh-TW" altLang="en-US" sz="2800" dirty="0" smtClean="0"/>
+              <a:t> </a:t>
+            </a:r>
+            <a:r>
+              <a:rPr lang="en-US" altLang="zh-TW" sz="2800" dirty="0" smtClean="0"/>
+              <a:t>KEY</a:t>
+            </a:r>
+            <a:r>
+              <a:rPr lang="zh-TW" altLang="en-US" sz="2800" dirty="0" smtClean="0"/>
+              <a:t>，之後到登出前，或是登入期限過期之前，憑 </a:t>
+            </a:r>
+            <a:r>
+              <a:rPr lang="en-US" altLang="zh-TW" sz="2800" dirty="0" smtClean="0"/>
+              <a:t>SESSION</a:t>
+            </a:r>
+            <a:r>
+              <a:rPr lang="zh-TW" altLang="en-US" sz="2800" dirty="0" smtClean="0"/>
+              <a:t> </a:t>
+            </a:r>
+            <a:r>
+              <a:rPr lang="en-US" altLang="zh-TW" sz="2800" dirty="0" smtClean="0"/>
+              <a:t>KEY</a:t>
+            </a:r>
+            <a:r>
+              <a:rPr lang="zh-TW" altLang="en-US" sz="2800" dirty="0" smtClean="0"/>
+              <a:t> 都能任意使用服務，不用再驗證。</a:t>
+            </a:r>
+            <a:endParaRPr lang="en-US" altLang="zh-TW" sz="2800" dirty="0" smtClean="0"/>
+          </a:p>
+          <a:p>
+            <a:endParaRPr lang="en-US" altLang="zh-TW" sz="2800" dirty="0"/>
+          </a:p>
+          <a:p>
+            <a:r>
+              <a:rPr lang="zh-TW" altLang="en-US" sz="2800" dirty="0" smtClean="0"/>
+              <a:t>挑戰</a:t>
+            </a:r>
+            <a:r>
+              <a:rPr lang="en-US" altLang="zh-TW" sz="2800" dirty="0" smtClean="0"/>
+              <a:t>:</a:t>
+            </a:r>
+            <a:r>
+              <a:rPr lang="zh-TW" altLang="en-US" sz="2800" dirty="0" smtClean="0"/>
+              <a:t> 避免被濫用，或是 </a:t>
+            </a:r>
+            <a:r>
+              <a:rPr lang="en-US" altLang="zh-TW" sz="2800" dirty="0" smtClean="0"/>
+              <a:t>REPLY</a:t>
+            </a:r>
+            <a:r>
+              <a:rPr lang="zh-TW" altLang="en-US" sz="2800" dirty="0" smtClean="0"/>
+              <a:t> </a:t>
+            </a:r>
+            <a:r>
+              <a:rPr lang="en-US" altLang="zh-TW" sz="2800" dirty="0" smtClean="0"/>
+              <a:t>ATTACK</a:t>
+            </a:r>
+            <a:endParaRPr lang="zh-TW" altLang="en-US" sz="2800" dirty="0"/>
           </a:p>
         </p:txBody>
       </p:sp>
     </p:spTree>
     <p:extLst>
       <p:ext uri="{BB962C8B-B14F-4D97-AF65-F5344CB8AC3E}">
-        <p14:creationId xmlns:p14="http://schemas.microsoft.com/office/powerpoint/2010/main" val="1167071953"/>
+        <p14:creationId xmlns:p14="http://schemas.microsoft.com/office/powerpoint/2010/main" val="3897916835"/>
       </p:ext>
     </p:extLst>
   </p:cSld>
@@ -40515,12 +41301,12 @@
       </p:grpSpPr>
       <p:sp>
         <p:nvSpPr>
-          <p:cNvPr id="2" name="標題 1"/>
+          <p:cNvPr id="4" name="標題 3"/>
           <p:cNvSpPr>
             <a:spLocks noGrp="1"/>
           </p:cNvSpPr>
           <p:nvPr>
-            <p:ph type="title"/>
+            <p:ph type="ctrTitle"/>
           </p:nvPr>
         </p:nvSpPr>
         <p:spPr/>
@@ -40530,11 +41316,15 @@
           <a:p>
             <a:r>
               <a:rPr lang="en-US" altLang="zh-TW" dirty="0" smtClean="0"/>
-              <a:t>SESSION KEY </a:t>
+              <a:t>SESSION</a:t>
             </a:r>
             <a:r>
               <a:rPr lang="zh-TW" altLang="en-US" dirty="0" smtClean="0"/>
-              <a:t>運作的方式</a:t>
+              <a:t> </a:t>
+            </a:r>
+            <a:r>
+              <a:rPr lang="en-US" altLang="zh-TW" dirty="0" smtClean="0"/>
+              <a:t>KEY</a:t>
             </a:r>
             <a:endParaRPr lang="zh-TW" altLang="en-US" dirty="0"/>
           </a:p>
@@ -40542,271 +41332,27 @@
       </p:sp>
       <p:sp>
         <p:nvSpPr>
-          <p:cNvPr id="3" name="內容版面配置區 2"/>
+          <p:cNvPr id="5" name="副標題 4"/>
           <p:cNvSpPr>
             <a:spLocks noGrp="1"/>
           </p:cNvSpPr>
           <p:nvPr>
-            <p:ph idx="1"/>
+            <p:ph type="subTitle" idx="1"/>
           </p:nvPr>
         </p:nvSpPr>
         <p:spPr/>
         <p:txBody>
-          <a:bodyPr>
-            <a:normAutofit fontScale="92500"/>
-          </a:bodyPr>
+          <a:bodyPr/>
           <a:lstStyle/>
           <a:p>
-            <a:pPr marL="514350" indent="-514350">
-              <a:buFont typeface="+mj-lt"/>
-              <a:buAutoNum type="arabicPeriod"/>
-            </a:pPr>
-            <a:r>
-              <a:rPr lang="zh-TW" altLang="en-US" sz="2800" dirty="0" smtClean="0"/>
-              <a:t>程式端拿 </a:t>
-            </a:r>
-            <a:r>
-              <a:rPr lang="en-US" altLang="zh-TW" sz="2800" dirty="0" smtClean="0"/>
-              <a:t>API KEY </a:t>
-            </a:r>
-            <a:r>
-              <a:rPr lang="zh-TW" altLang="en-US" sz="2800" dirty="0" smtClean="0"/>
-              <a:t>給服務端，通過服務端檢驗後，可以取得 </a:t>
-            </a:r>
-            <a:r>
-              <a:rPr lang="en-US" altLang="zh-TW" sz="2800" dirty="0" smtClean="0"/>
-              <a:t>SESSION</a:t>
-            </a:r>
-            <a:r>
-              <a:rPr lang="zh-TW" altLang="en-US" sz="2800" dirty="0" smtClean="0"/>
-              <a:t> </a:t>
-            </a:r>
-            <a:r>
-              <a:rPr lang="en-US" altLang="zh-TW" sz="2800" dirty="0" smtClean="0"/>
-              <a:t>KEY</a:t>
-            </a:r>
-            <a:r>
-              <a:rPr lang="zh-TW" altLang="en-US" sz="2800" dirty="0" smtClean="0"/>
-              <a:t>。</a:t>
-            </a:r>
-            <a:endParaRPr lang="en-US" altLang="zh-TW" sz="2800" dirty="0" smtClean="0"/>
-          </a:p>
-          <a:p>
-            <a:pPr marL="514350" indent="-514350">
-              <a:buFont typeface="+mj-lt"/>
-              <a:buAutoNum type="arabicPeriod"/>
-            </a:pPr>
-            <a:r>
-              <a:rPr lang="zh-TW" altLang="en-US" sz="2800" dirty="0" smtClean="0"/>
-              <a:t>程式端拿</a:t>
-            </a:r>
-            <a:r>
-              <a:rPr lang="zh-TW" altLang="en-US" sz="2800" dirty="0"/>
-              <a:t> </a:t>
-            </a:r>
-            <a:r>
-              <a:rPr lang="en-US" altLang="zh-TW" sz="2800" dirty="0" smtClean="0"/>
-              <a:t>SESSION</a:t>
-            </a:r>
-            <a:r>
-              <a:rPr lang="zh-TW" altLang="en-US" sz="2800" dirty="0"/>
-              <a:t> </a:t>
-            </a:r>
-            <a:r>
-              <a:rPr lang="en-US" altLang="zh-TW" sz="2800" dirty="0" smtClean="0"/>
-              <a:t>KEY</a:t>
-            </a:r>
-            <a:r>
-              <a:rPr lang="zh-TW" altLang="en-US" sz="2800" dirty="0" smtClean="0"/>
-              <a:t>，再次到服務端呼叫</a:t>
-            </a:r>
-            <a:r>
-              <a:rPr lang="zh-TW" altLang="en-US" sz="2800" dirty="0"/>
-              <a:t> </a:t>
-            </a:r>
-            <a:r>
-              <a:rPr lang="en-US" altLang="zh-TW" sz="2800" dirty="0" smtClean="0"/>
-              <a:t>API</a:t>
-            </a:r>
-            <a:r>
-              <a:rPr lang="zh-TW" altLang="en-US" sz="2800" dirty="0" smtClean="0"/>
-              <a:t>。</a:t>
-            </a:r>
-            <a:endParaRPr lang="en-US" altLang="zh-TW" sz="2800" dirty="0" smtClean="0"/>
-          </a:p>
-          <a:p>
-            <a:pPr marL="514350" indent="-514350">
-              <a:buFont typeface="+mj-lt"/>
-              <a:buAutoNum type="arabicPeriod"/>
-            </a:pPr>
-            <a:r>
-              <a:rPr lang="zh-TW" altLang="en-US" sz="2800" dirty="0" smtClean="0"/>
-              <a:t>服務端檢驗</a:t>
-            </a:r>
-            <a:r>
-              <a:rPr lang="zh-TW" altLang="en-US" sz="2800" dirty="0"/>
-              <a:t> </a:t>
-            </a:r>
-            <a:r>
-              <a:rPr lang="en-US" altLang="zh-TW" sz="2800" dirty="0"/>
-              <a:t>SESSION </a:t>
-            </a:r>
-            <a:r>
-              <a:rPr lang="en-US" altLang="zh-TW" sz="2800" dirty="0" smtClean="0"/>
-              <a:t>KEY</a:t>
-            </a:r>
-            <a:r>
-              <a:rPr lang="zh-TW" altLang="en-US" sz="2800" dirty="0" smtClean="0"/>
-              <a:t>，</a:t>
-            </a:r>
-            <a:r>
-              <a:rPr lang="en-US" altLang="zh-TW" sz="2800" dirty="0" smtClean="0"/>
-              <a:t>[</a:t>
-            </a:r>
-            <a:r>
-              <a:rPr lang="zh-TW" altLang="en-US" sz="2800" dirty="0"/>
-              <a:t> </a:t>
-            </a:r>
-            <a:r>
-              <a:rPr lang="zh-TW" altLang="en-US" sz="2800" dirty="0" smtClean="0"/>
-              <a:t>驗證</a:t>
-            </a:r>
-            <a:r>
-              <a:rPr lang="zh-TW" altLang="en-US" sz="2800" dirty="0"/>
-              <a:t> </a:t>
-            </a:r>
-            <a:r>
-              <a:rPr lang="en-US" altLang="zh-TW" sz="2800" dirty="0" smtClean="0"/>
-              <a:t>]</a:t>
-            </a:r>
-            <a:r>
-              <a:rPr lang="zh-TW" altLang="en-US" sz="2800" dirty="0"/>
-              <a:t> </a:t>
-            </a:r>
-            <a:r>
-              <a:rPr lang="zh-TW" altLang="en-US" sz="2800" dirty="0" smtClean="0"/>
-              <a:t>無誤之後就正式接受</a:t>
-            </a:r>
-            <a:r>
-              <a:rPr lang="zh-TW" altLang="en-US" sz="2800" dirty="0"/>
-              <a:t> </a:t>
-            </a:r>
-            <a:r>
-              <a:rPr lang="en-US" altLang="zh-TW" sz="2800" dirty="0" smtClean="0"/>
-              <a:t>API</a:t>
-            </a:r>
-            <a:r>
-              <a:rPr lang="zh-TW" altLang="en-US" sz="2800" dirty="0" smtClean="0"/>
-              <a:t> 呼叫。</a:t>
-            </a:r>
-            <a:endParaRPr lang="en-US" altLang="zh-TW" sz="2800" dirty="0" smtClean="0"/>
-          </a:p>
-          <a:p>
-            <a:pPr marL="514350" indent="-514350">
-              <a:buFont typeface="+mj-lt"/>
-              <a:buAutoNum type="arabicPeriod"/>
-            </a:pPr>
-            <a:r>
-              <a:rPr lang="en-US" altLang="zh-TW" sz="2800" dirty="0" smtClean="0"/>
-              <a:t>…</a:t>
-            </a:r>
-            <a:r>
-              <a:rPr lang="zh-TW" altLang="en-US" sz="2800" dirty="0" smtClean="0"/>
-              <a:t> </a:t>
-            </a:r>
-            <a:r>
-              <a:rPr lang="en-US" altLang="zh-TW" sz="2800" dirty="0" smtClean="0"/>
-              <a:t>(REPEAT)</a:t>
-            </a:r>
-            <a:r>
-              <a:rPr lang="zh-TW" altLang="en-US" sz="2800" dirty="0" smtClean="0"/>
-              <a:t> </a:t>
-            </a:r>
-            <a:r>
-              <a:rPr lang="en-US" altLang="zh-TW" sz="2800" dirty="0" smtClean="0"/>
-              <a:t>…</a:t>
-            </a:r>
-          </a:p>
-          <a:p>
-            <a:pPr marL="514350" indent="-514350">
-              <a:buFont typeface="+mj-lt"/>
-              <a:buAutoNum type="arabicPeriod"/>
-            </a:pPr>
-            <a:r>
-              <a:rPr lang="zh-TW" altLang="en-US" sz="2800" dirty="0" smtClean="0"/>
-              <a:t>程式端主動告知服務端，不再使用服務 </a:t>
-            </a:r>
-            <a:r>
-              <a:rPr lang="en-US" altLang="zh-TW" sz="2800" dirty="0" smtClean="0"/>
-              <a:t>(</a:t>
-            </a:r>
-            <a:r>
-              <a:rPr lang="zh-TW" altLang="en-US" sz="2800" dirty="0" smtClean="0"/>
-              <a:t>登出</a:t>
-            </a:r>
-            <a:r>
-              <a:rPr lang="en-US" altLang="zh-TW" sz="2800" dirty="0" smtClean="0"/>
-              <a:t>)</a:t>
-            </a:r>
-            <a:r>
-              <a:rPr lang="zh-TW" altLang="en-US" sz="2800" dirty="0" smtClean="0"/>
-              <a:t>。</a:t>
-            </a:r>
-            <a:endParaRPr lang="en-US" altLang="zh-TW" sz="2800" dirty="0" smtClean="0"/>
-          </a:p>
-          <a:p>
-            <a:pPr marL="514350" indent="-514350">
-              <a:buFont typeface="+mj-lt"/>
-              <a:buAutoNum type="arabicPeriod"/>
-            </a:pPr>
-            <a:r>
-              <a:rPr lang="zh-TW" altLang="en-US" sz="2800" dirty="0" smtClean="0"/>
-              <a:t>程式端沒有告知</a:t>
-            </a:r>
-            <a:r>
-              <a:rPr lang="zh-TW" altLang="en-US" sz="2800" dirty="0"/>
-              <a:t> </a:t>
-            </a:r>
-            <a:r>
-              <a:rPr lang="en-US" altLang="zh-TW" sz="2800" dirty="0" smtClean="0"/>
-              <a:t>(</a:t>
-            </a:r>
-            <a:r>
-              <a:rPr lang="zh-TW" altLang="en-US" sz="2800" dirty="0" smtClean="0"/>
-              <a:t>登出</a:t>
-            </a:r>
-            <a:r>
-              <a:rPr lang="en-US" altLang="zh-TW" sz="2800" dirty="0" smtClean="0"/>
-              <a:t>)</a:t>
-            </a:r>
-            <a:r>
-              <a:rPr lang="zh-TW" altLang="en-US" sz="2800" dirty="0" smtClean="0"/>
-              <a:t>，服務端經過指定時間之後作廢該 </a:t>
-            </a:r>
-            <a:r>
-              <a:rPr lang="en-US" altLang="zh-TW" sz="2800" dirty="0" smtClean="0"/>
-              <a:t>SESSION</a:t>
-            </a:r>
-            <a:r>
-              <a:rPr lang="zh-TW" altLang="en-US" sz="2800" dirty="0" smtClean="0"/>
-              <a:t> </a:t>
-            </a:r>
-            <a:r>
-              <a:rPr lang="en-US" altLang="zh-TW" sz="2800" dirty="0" smtClean="0"/>
-              <a:t>KEY</a:t>
-            </a:r>
-            <a:r>
-              <a:rPr lang="zh-TW" altLang="en-US" sz="2800" dirty="0" smtClean="0"/>
-              <a:t>。</a:t>
-            </a:r>
-            <a:endParaRPr lang="zh-TW" altLang="en-US" sz="2800" dirty="0"/>
+            <a:endParaRPr lang="zh-TW" altLang="en-US" dirty="0"/>
           </a:p>
         </p:txBody>
       </p:sp>
     </p:spTree>
     <p:extLst>
       <p:ext uri="{BB962C8B-B14F-4D97-AF65-F5344CB8AC3E}">
-        <p14:creationId xmlns:p14="http://schemas.microsoft.com/office/powerpoint/2010/main" val="819398173"/>
+        <p14:creationId xmlns:p14="http://schemas.microsoft.com/office/powerpoint/2010/main" val="1167071953"/>
       </p:ext>
     </p:extLst>
   </p:cSld>
@@ -40856,13 +41402,14 @@
           <a:lstStyle/>
           <a:p>
             <a:r>
+              <a:rPr lang="en-US" altLang="zh-TW" dirty="0" smtClean="0"/>
+              <a:t>SESSION KEY </a:t>
+            </a:r>
+            <a:r>
               <a:rPr lang="zh-TW" altLang="en-US" dirty="0" smtClean="0"/>
-              <a:t>挑</a:t>
-            </a:r>
-            <a:r>
-              <a:rPr lang="zh-TW" altLang="en-US" dirty="0"/>
-              <a:t>戰</a:t>
-            </a:r>
+              <a:t>運作的方式</a:t>
+            </a:r>
+            <a:endParaRPr lang="zh-TW" altLang="en-US" dirty="0"/>
           </a:p>
         </p:txBody>
       </p:sp>
@@ -40879,7 +41426,7 @@
         <p:spPr/>
         <p:txBody>
           <a:bodyPr>
-            <a:normAutofit/>
+            <a:normAutofit fontScale="92500"/>
           </a:bodyPr>
           <a:lstStyle/>
           <a:p>
@@ -40889,11 +41436,19 @@
             </a:pPr>
             <a:r>
               <a:rPr lang="zh-TW" altLang="en-US" sz="2800" dirty="0" smtClean="0"/>
-              <a:t>該驗證什麼</a:t>
+              <a:t>程式端拿 </a:t>
             </a:r>
             <a:r>
               <a:rPr lang="en-US" altLang="zh-TW" sz="2800" dirty="0" smtClean="0"/>
-              <a:t>?</a:t>
+              <a:t>API KEY </a:t>
+            </a:r>
+            <a:r>
+              <a:rPr lang="zh-TW" altLang="en-US" sz="2800" dirty="0" smtClean="0"/>
+              <a:t>給服務端，通過服務端檢驗後，可以取得 </a:t>
+            </a:r>
+            <a:r>
+              <a:rPr lang="en-US" altLang="zh-TW" sz="2800" dirty="0" smtClean="0"/>
+              <a:t>SESSION</a:t>
             </a:r>
             <a:r>
               <a:rPr lang="zh-TW" altLang="en-US" sz="2800" dirty="0" smtClean="0"/>
@@ -40901,141 +41456,13 @@
             </a:r>
             <a:r>
               <a:rPr lang="en-US" altLang="zh-TW" sz="2800" dirty="0" smtClean="0"/>
-              <a:t>(</a:t>
+              <a:t>KEY</a:t>
             </a:r>
             <a:r>
               <a:rPr lang="zh-TW" altLang="en-US" sz="2800" dirty="0" smtClean="0"/>
-              <a:t>每次都驗證好麻煩</a:t>
-            </a:r>
-            <a:r>
-              <a:rPr lang="en-US" altLang="zh-TW" sz="2800" dirty="0" smtClean="0"/>
-              <a:t>)</a:t>
-            </a:r>
-          </a:p>
-          <a:p>
-            <a:pPr marL="635508" lvl="1" indent="-342900">
-              <a:buFont typeface="Wingdings" panose="05000000000000000000" pitchFamily="2" charset="2"/>
-              <a:buChar char="n"/>
-            </a:pPr>
-            <a:r>
-              <a:rPr lang="zh-TW" altLang="en-US" sz="2400" dirty="0" smtClean="0"/>
-              <a:t>若只看 </a:t>
-            </a:r>
-            <a:r>
-              <a:rPr lang="en-US" altLang="zh-TW" sz="2400" dirty="0" smtClean="0"/>
-              <a:t>SESSION</a:t>
-            </a:r>
-            <a:r>
-              <a:rPr lang="zh-TW" altLang="en-US" sz="2400" dirty="0" smtClean="0"/>
-              <a:t> </a:t>
-            </a:r>
-            <a:r>
-              <a:rPr lang="en-US" altLang="zh-TW" sz="2400" dirty="0" smtClean="0"/>
-              <a:t>KEY</a:t>
-            </a:r>
-            <a:r>
-              <a:rPr lang="zh-TW" altLang="en-US" sz="2400" dirty="0"/>
-              <a:t> </a:t>
-            </a:r>
-            <a:r>
-              <a:rPr lang="en-US" altLang="zh-TW" sz="2400" dirty="0" smtClean="0"/>
-              <a:t>(</a:t>
-            </a:r>
-            <a:r>
-              <a:rPr lang="zh-TW" altLang="en-US" sz="2400" dirty="0" smtClean="0"/>
-              <a:t>不考慮查詢 </a:t>
-            </a:r>
-            <a:r>
-              <a:rPr lang="en-US" altLang="zh-TW" sz="2400" dirty="0" smtClean="0"/>
-              <a:t>DB)</a:t>
-            </a:r>
-            <a:r>
-              <a:rPr lang="zh-TW" altLang="en-US" sz="2400" dirty="0" smtClean="0"/>
-              <a:t> 如何確認 </a:t>
-            </a:r>
-            <a:r>
-              <a:rPr lang="en-US" altLang="zh-TW" sz="2400" dirty="0" smtClean="0"/>
-              <a:t>KEY</a:t>
-            </a:r>
-            <a:r>
-              <a:rPr lang="zh-TW" altLang="en-US" sz="2400" dirty="0" smtClean="0"/>
-              <a:t> 是我發出去的</a:t>
-            </a:r>
-            <a:r>
-              <a:rPr lang="en-US" altLang="zh-TW" sz="2400" dirty="0" smtClean="0"/>
-              <a:t>?</a:t>
-            </a:r>
-          </a:p>
-          <a:p>
-            <a:pPr marL="635508" lvl="1" indent="-342900">
-              <a:buFont typeface="Wingdings" panose="05000000000000000000" pitchFamily="2" charset="2"/>
-              <a:buChar char="n"/>
-            </a:pPr>
-            <a:r>
-              <a:rPr lang="zh-TW" altLang="en-US" sz="2400" dirty="0" smtClean="0"/>
-              <a:t>如何確認 </a:t>
-            </a:r>
-            <a:r>
-              <a:rPr lang="en-US" altLang="zh-TW" sz="2400" dirty="0" smtClean="0"/>
-              <a:t>SESSION</a:t>
-            </a:r>
-            <a:r>
-              <a:rPr lang="zh-TW" altLang="en-US" sz="2400" dirty="0" smtClean="0"/>
-              <a:t> </a:t>
-            </a:r>
-            <a:r>
-              <a:rPr lang="en-US" altLang="zh-TW" sz="2400" dirty="0" smtClean="0"/>
-              <a:t>KEY</a:t>
-            </a:r>
-            <a:r>
-              <a:rPr lang="zh-TW" altLang="en-US" sz="2400" dirty="0" smtClean="0"/>
-              <a:t> 是不是過期了</a:t>
-            </a:r>
-            <a:r>
-              <a:rPr lang="en-US" altLang="zh-TW" sz="2400" dirty="0" smtClean="0"/>
-              <a:t>?</a:t>
-            </a:r>
-          </a:p>
-          <a:p>
-            <a:pPr marL="635508" lvl="1" indent="-342900">
-              <a:buFont typeface="Wingdings" panose="05000000000000000000" pitchFamily="2" charset="2"/>
-              <a:buChar char="n"/>
-            </a:pPr>
-            <a:r>
-              <a:rPr lang="zh-TW" altLang="en-US" sz="2400" dirty="0" smtClean="0"/>
-              <a:t>如何確認</a:t>
-            </a:r>
-            <a:r>
-              <a:rPr lang="zh-TW" altLang="en-US" sz="2400" dirty="0"/>
-              <a:t> </a:t>
-            </a:r>
-            <a:r>
-              <a:rPr lang="en-US" altLang="zh-TW" sz="2400" dirty="0" smtClean="0"/>
-              <a:t>SESSION</a:t>
-            </a:r>
-            <a:r>
-              <a:rPr lang="zh-TW" altLang="en-US" sz="2400" dirty="0" smtClean="0"/>
-              <a:t> </a:t>
-            </a:r>
-            <a:r>
-              <a:rPr lang="en-US" altLang="zh-TW" sz="2400" dirty="0" smtClean="0"/>
-              <a:t>KEY</a:t>
-            </a:r>
-            <a:r>
-              <a:rPr lang="zh-TW" altLang="en-US" sz="2400" dirty="0" smtClean="0"/>
-              <a:t> 沒有被竄改</a:t>
-            </a:r>
-            <a:r>
-              <a:rPr lang="en-US" altLang="zh-TW" sz="2400" dirty="0" smtClean="0"/>
-              <a:t>?</a:t>
-            </a:r>
-          </a:p>
-          <a:p>
-            <a:pPr marL="635508" lvl="1" indent="-342900">
-              <a:buFont typeface="Wingdings" panose="05000000000000000000" pitchFamily="2" charset="2"/>
-              <a:buChar char="n"/>
-            </a:pPr>
-            <a:endParaRPr lang="en-US" altLang="zh-TW" sz="2400" dirty="0" smtClean="0"/>
+              <a:t>。</a:t>
+            </a:r>
+            <a:endParaRPr lang="en-US" altLang="zh-TW" sz="2800" dirty="0" smtClean="0"/>
           </a:p>
           <a:p>
             <a:pPr marL="514350" indent="-514350">
@@ -41044,27 +41471,117 @@
             </a:pPr>
             <a:r>
               <a:rPr lang="zh-TW" altLang="en-US" sz="2800" dirty="0" smtClean="0"/>
-              <a:t>如何應付 </a:t>
+              <a:t>程式端拿</a:t>
+            </a:r>
+            <a:r>
+              <a:rPr lang="zh-TW" altLang="en-US" sz="2800" dirty="0"/>
+              <a:t> </a:t>
             </a:r>
             <a:r>
               <a:rPr lang="en-US" altLang="zh-TW" sz="2800" dirty="0" smtClean="0"/>
-              <a:t>“</a:t>
+              <a:t>SESSION</a:t>
+            </a:r>
+            <a:r>
+              <a:rPr lang="zh-TW" altLang="en-US" sz="2800" dirty="0"/>
+              <a:t> </a:t>
+            </a:r>
+            <a:r>
+              <a:rPr lang="en-US" altLang="zh-TW" sz="2800" dirty="0" smtClean="0"/>
+              <a:t>KEY</a:t>
             </a:r>
             <a:r>
               <a:rPr lang="zh-TW" altLang="en-US" sz="2800" dirty="0" smtClean="0"/>
-              <a:t>第三者</a:t>
+              <a:t>，再次到服務端呼叫</a:t>
+            </a:r>
+            <a:r>
+              <a:rPr lang="zh-TW" altLang="en-US" sz="2800" dirty="0"/>
+              <a:t> </a:t>
             </a:r>
             <a:r>
               <a:rPr lang="en-US" altLang="zh-TW" sz="2800" dirty="0" smtClean="0"/>
-              <a:t>”</a:t>
+              <a:t>API</a:t>
             </a:r>
             <a:r>
               <a:rPr lang="zh-TW" altLang="en-US" sz="2800" dirty="0" smtClean="0"/>
-              <a:t> 的 </a:t>
+              <a:t>。</a:t>
+            </a:r>
+            <a:endParaRPr lang="en-US" altLang="zh-TW" sz="2800" dirty="0" smtClean="0"/>
+          </a:p>
+          <a:p>
+            <a:pPr marL="514350" indent="-514350">
+              <a:buFont typeface="+mj-lt"/>
+              <a:buAutoNum type="arabicPeriod"/>
+            </a:pPr>
+            <a:r>
+              <a:rPr lang="zh-TW" altLang="en-US" sz="2800" dirty="0" smtClean="0"/>
+              <a:t>服務端檢驗</a:t>
+            </a:r>
+            <a:r>
+              <a:rPr lang="zh-TW" altLang="en-US" sz="2800" dirty="0"/>
+              <a:t> </a:t>
+            </a:r>
+            <a:r>
+              <a:rPr lang="en-US" altLang="zh-TW" sz="2800" dirty="0"/>
+              <a:t>SESSION </a:t>
             </a:r>
             <a:r>
               <a:rPr lang="en-US" altLang="zh-TW" sz="2800" dirty="0" smtClean="0"/>
-              <a:t>REPLY</a:t>
+              <a:t>KEY</a:t>
+            </a:r>
+            <a:r>
+              <a:rPr lang="zh-TW" altLang="en-US" sz="2800" dirty="0" smtClean="0"/>
+              <a:t>，</a:t>
+            </a:r>
+            <a:r>
+              <a:rPr lang="en-US" altLang="zh-TW" sz="2800" dirty="0" smtClean="0"/>
+              <a:t>[</a:t>
+            </a:r>
+            <a:r>
+              <a:rPr lang="zh-TW" altLang="en-US" sz="2800" dirty="0"/>
+              <a:t> </a:t>
+            </a:r>
+            <a:r>
+              <a:rPr lang="zh-TW" altLang="en-US" sz="2800" dirty="0" smtClean="0"/>
+              <a:t>驗證</a:t>
+            </a:r>
+            <a:r>
+              <a:rPr lang="zh-TW" altLang="en-US" sz="2800" dirty="0"/>
+              <a:t> </a:t>
+            </a:r>
+            <a:r>
+              <a:rPr lang="en-US" altLang="zh-TW" sz="2800" dirty="0" smtClean="0"/>
+              <a:t>]</a:t>
+            </a:r>
+            <a:r>
+              <a:rPr lang="zh-TW" altLang="en-US" sz="2800" dirty="0"/>
+              <a:t> </a:t>
+            </a:r>
+            <a:r>
+              <a:rPr lang="zh-TW" altLang="en-US" sz="2800" dirty="0" smtClean="0"/>
+              <a:t>無誤之後就正式接受</a:t>
+            </a:r>
+            <a:r>
+              <a:rPr lang="zh-TW" altLang="en-US" sz="2800" dirty="0"/>
+              <a:t> </a:t>
+            </a:r>
+            <a:r>
+              <a:rPr lang="en-US" altLang="zh-TW" sz="2800" dirty="0" smtClean="0"/>
+              <a:t>API</a:t>
+            </a:r>
+            <a:r>
+              <a:rPr lang="zh-TW" altLang="en-US" sz="2800" dirty="0" smtClean="0"/>
+              <a:t> 呼叫。</a:t>
+            </a:r>
+            <a:endParaRPr lang="en-US" altLang="zh-TW" sz="2800" dirty="0" smtClean="0"/>
+          </a:p>
+          <a:p>
+            <a:pPr marL="514350" indent="-514350">
+              <a:buFont typeface="+mj-lt"/>
+              <a:buAutoNum type="arabicPeriod"/>
+            </a:pPr>
+            <a:r>
+              <a:rPr lang="en-US" altLang="zh-TW" sz="2800" dirty="0" smtClean="0"/>
+              <a:t>…</a:t>
             </a:r>
             <a:r>
               <a:rPr lang="zh-TW" altLang="en-US" sz="2800" dirty="0" smtClean="0"/>
@@ -41072,7 +41589,7 @@
             </a:r>
             <a:r>
               <a:rPr lang="en-US" altLang="zh-TW" sz="2800" dirty="0" smtClean="0"/>
-              <a:t>ATTACK</a:t>
+              <a:t>(REPEAT)</a:t>
             </a:r>
             <a:r>
               <a:rPr lang="zh-TW" altLang="en-US" sz="2800" dirty="0" smtClean="0"/>
@@ -41080,46 +41597,89 @@
             </a:r>
             <a:r>
               <a:rPr lang="en-US" altLang="zh-TW" sz="2800" dirty="0" smtClean="0"/>
-              <a:t>?</a:t>
-            </a:r>
-          </a:p>
-          <a:p>
-            <a:pPr marL="806958" lvl="1" indent="-514350">
-              <a:buFont typeface="Wingdings" panose="05000000000000000000" pitchFamily="2" charset="2"/>
-              <a:buChar char="n"/>
+              <a:t>…</a:t>
+            </a:r>
+          </a:p>
+          <a:p>
+            <a:pPr marL="514350" indent="-514350">
+              <a:buFont typeface="+mj-lt"/>
+              <a:buAutoNum type="arabicPeriod"/>
             </a:pPr>
             <a:r>
-              <a:rPr lang="en-US" altLang="zh-TW" sz="2600" dirty="0" smtClean="0"/>
-              <a:t>EXPIRED</a:t>
-            </a:r>
-          </a:p>
-          <a:p>
-            <a:pPr marL="806958" lvl="1" indent="-514350">
-              <a:buFont typeface="Wingdings" panose="05000000000000000000" pitchFamily="2" charset="2"/>
-              <a:buChar char="n"/>
+              <a:rPr lang="zh-TW" altLang="en-US" sz="2800" dirty="0" smtClean="0"/>
+              <a:t>程式端主動告知服務端，不再使用服務 </a:t>
+            </a:r>
+            <a:r>
+              <a:rPr lang="en-US" altLang="zh-TW" sz="2800" dirty="0" smtClean="0"/>
+              <a:t>(</a:t>
+            </a:r>
+            <a:r>
+              <a:rPr lang="zh-TW" altLang="en-US" sz="2800" dirty="0" smtClean="0"/>
+              <a:t>登出</a:t>
+            </a:r>
+            <a:r>
+              <a:rPr lang="en-US" altLang="zh-TW" sz="2800" dirty="0" smtClean="0"/>
+              <a:t>)</a:t>
+            </a:r>
+            <a:r>
+              <a:rPr lang="zh-TW" altLang="en-US" sz="2800" dirty="0" smtClean="0"/>
+              <a:t>。</a:t>
+            </a:r>
+            <a:endParaRPr lang="en-US" altLang="zh-TW" sz="2800" dirty="0" smtClean="0"/>
+          </a:p>
+          <a:p>
+            <a:pPr marL="514350" indent="-514350">
+              <a:buFont typeface="+mj-lt"/>
+              <a:buAutoNum type="arabicPeriod"/>
             </a:pPr>
             <a:r>
-              <a:rPr lang="en-US" altLang="zh-TW" sz="2600" dirty="0" smtClean="0"/>
-              <a:t>IP</a:t>
-            </a:r>
-          </a:p>
-          <a:p>
-            <a:pPr marL="806958" lvl="1" indent="-514350">
-              <a:buFont typeface="Wingdings" panose="05000000000000000000" pitchFamily="2" charset="2"/>
-              <a:buChar char="n"/>
-            </a:pPr>
-            <a:r>
-              <a:rPr lang="zh-TW" altLang="en-US" sz="2600" dirty="0" smtClean="0"/>
-              <a:t>其他任何你能識別來源的資訊</a:t>
-            </a:r>
-            <a:endParaRPr lang="zh-TW" altLang="en-US" sz="2600" dirty="0"/>
+              <a:rPr lang="zh-TW" altLang="en-US" sz="2800" dirty="0" smtClean="0"/>
+              <a:t>程式端沒有告知</a:t>
+            </a:r>
+            <a:r>
+              <a:rPr lang="zh-TW" altLang="en-US" sz="2800" dirty="0"/>
+              <a:t> </a:t>
+            </a:r>
+            <a:r>
+              <a:rPr lang="en-US" altLang="zh-TW" sz="2800" dirty="0" smtClean="0"/>
+              <a:t>(</a:t>
+            </a:r>
+            <a:r>
+              <a:rPr lang="zh-TW" altLang="en-US" sz="2800" dirty="0" smtClean="0"/>
+              <a:t>登出</a:t>
+            </a:r>
+            <a:r>
+              <a:rPr lang="en-US" altLang="zh-TW" sz="2800" dirty="0" smtClean="0"/>
+              <a:t>)</a:t>
+            </a:r>
+            <a:r>
+              <a:rPr lang="zh-TW" altLang="en-US" sz="2800" dirty="0" smtClean="0"/>
+              <a:t>，服務端經過指定時間之後作廢該 </a:t>
+            </a:r>
+            <a:r>
+              <a:rPr lang="en-US" altLang="zh-TW" sz="2800" dirty="0" smtClean="0"/>
+              <a:t>SESSION</a:t>
+            </a:r>
+            <a:r>
+              <a:rPr lang="zh-TW" altLang="en-US" sz="2800" dirty="0" smtClean="0"/>
+              <a:t> </a:t>
+            </a:r>
+            <a:r>
+              <a:rPr lang="en-US" altLang="zh-TW" sz="2800" dirty="0" smtClean="0"/>
+              <a:t>KEY</a:t>
+            </a:r>
+            <a:r>
+              <a:rPr lang="zh-TW" altLang="en-US" sz="2800" dirty="0" smtClean="0"/>
+              <a:t>。</a:t>
+            </a:r>
+            <a:endParaRPr lang="zh-TW" altLang="en-US" sz="2800" dirty="0"/>
           </a:p>
         </p:txBody>
       </p:sp>
     </p:spTree>
     <p:extLst>
       <p:ext uri="{BB962C8B-B14F-4D97-AF65-F5344CB8AC3E}">
-        <p14:creationId xmlns:p14="http://schemas.microsoft.com/office/powerpoint/2010/main" val="1727178952"/>
+        <p14:creationId xmlns:p14="http://schemas.microsoft.com/office/powerpoint/2010/main" val="819398173"/>
       </p:ext>
     </p:extLst>
   </p:cSld>
@@ -41155,12 +41715,12 @@
       </p:grpSpPr>
       <p:sp>
         <p:nvSpPr>
-          <p:cNvPr id="4" name="標題 3"/>
+          <p:cNvPr id="2" name="標題 1"/>
           <p:cNvSpPr>
             <a:spLocks noGrp="1"/>
           </p:cNvSpPr>
           <p:nvPr>
-            <p:ph type="ctrTitle"/>
+            <p:ph type="title"/>
           </p:nvPr>
         </p:nvSpPr>
         <p:spPr/>
@@ -41169,36 +41729,270 @@
           <a:lstStyle/>
           <a:p>
             <a:r>
-              <a:rPr lang="en-US" altLang="zh-TW" dirty="0" smtClean="0"/>
-              <a:t>DEMO</a:t>
-            </a:r>
-            <a:endParaRPr lang="zh-TW" altLang="en-US" dirty="0"/>
-          </a:p>
-        </p:txBody>
-      </p:sp>
-      <p:sp>
-        <p:nvSpPr>
-          <p:cNvPr id="5" name="副標題 4"/>
+              <a:rPr lang="zh-TW" altLang="en-US" dirty="0" smtClean="0"/>
+              <a:t>挑</a:t>
+            </a:r>
+            <a:r>
+              <a:rPr lang="zh-TW" altLang="en-US" dirty="0"/>
+              <a:t>戰</a:t>
+            </a:r>
+          </a:p>
+        </p:txBody>
+      </p:sp>
+      <p:sp>
+        <p:nvSpPr>
+          <p:cNvPr id="3" name="內容版面配置區 2"/>
           <p:cNvSpPr>
             <a:spLocks noGrp="1"/>
           </p:cNvSpPr>
           <p:nvPr>
-            <p:ph type="subTitle" idx="1"/>
+            <p:ph idx="1"/>
           </p:nvPr>
         </p:nvSpPr>
         <p:spPr/>
         <p:txBody>
-          <a:bodyPr/>
+          <a:bodyPr>
+            <a:normAutofit/>
+          </a:bodyPr>
           <a:lstStyle/>
           <a:p>
-            <a:endParaRPr lang="zh-TW" altLang="en-US" dirty="0"/>
+            <a:pPr marL="514350" indent="-514350">
+              <a:buFont typeface="+mj-lt"/>
+              <a:buAutoNum type="arabicPeriod"/>
+            </a:pPr>
+            <a:r>
+              <a:rPr lang="zh-TW" altLang="en-US" sz="2800" dirty="0" smtClean="0"/>
+              <a:t>該驗證什麼</a:t>
+            </a:r>
+            <a:r>
+              <a:rPr lang="en-US" altLang="zh-TW" sz="2800" dirty="0" smtClean="0"/>
+              <a:t>?</a:t>
+            </a:r>
+            <a:r>
+              <a:rPr lang="zh-TW" altLang="en-US" sz="2800" dirty="0" smtClean="0"/>
+              <a:t> </a:t>
+            </a:r>
+            <a:r>
+              <a:rPr lang="en-US" altLang="zh-TW" sz="2800" dirty="0" smtClean="0"/>
+              <a:t>(</a:t>
+            </a:r>
+            <a:r>
+              <a:rPr lang="zh-TW" altLang="en-US" sz="2800" dirty="0" smtClean="0"/>
+              <a:t>每次都驗證好麻煩</a:t>
+            </a:r>
+            <a:r>
+              <a:rPr lang="en-US" altLang="zh-TW" sz="2800" dirty="0" smtClean="0"/>
+              <a:t>)</a:t>
+            </a:r>
+          </a:p>
+          <a:p>
+            <a:pPr marL="635508" lvl="1" indent="-342900">
+              <a:buFont typeface="Wingdings" panose="05000000000000000000" pitchFamily="2" charset="2"/>
+              <a:buChar char="n"/>
+            </a:pPr>
+            <a:r>
+              <a:rPr lang="zh-TW" altLang="en-US" sz="2400" dirty="0" smtClean="0"/>
+              <a:t>若只看 </a:t>
+            </a:r>
+            <a:r>
+              <a:rPr lang="en-US" altLang="zh-TW" sz="2400" dirty="0" smtClean="0"/>
+              <a:t>SESSION</a:t>
+            </a:r>
+            <a:r>
+              <a:rPr lang="zh-TW" altLang="en-US" sz="2400" dirty="0" smtClean="0"/>
+              <a:t> </a:t>
+            </a:r>
+            <a:r>
+              <a:rPr lang="en-US" altLang="zh-TW" sz="2400" dirty="0" smtClean="0"/>
+              <a:t>KEY</a:t>
+            </a:r>
+            <a:r>
+              <a:rPr lang="zh-TW" altLang="en-US" sz="2400" dirty="0"/>
+              <a:t> </a:t>
+            </a:r>
+            <a:r>
+              <a:rPr lang="en-US" altLang="zh-TW" sz="2400" dirty="0" smtClean="0"/>
+              <a:t>(</a:t>
+            </a:r>
+            <a:r>
+              <a:rPr lang="zh-TW" altLang="en-US" sz="2400" dirty="0" smtClean="0"/>
+              <a:t>不考慮查詢 </a:t>
+            </a:r>
+            <a:r>
+              <a:rPr lang="en-US" altLang="zh-TW" sz="2400" dirty="0" smtClean="0"/>
+              <a:t>DB)</a:t>
+            </a:r>
+            <a:r>
+              <a:rPr lang="zh-TW" altLang="en-US" sz="2400" dirty="0" smtClean="0"/>
+              <a:t> 如何確認 </a:t>
+            </a:r>
+            <a:r>
+              <a:rPr lang="en-US" altLang="zh-TW" sz="2400" dirty="0" smtClean="0"/>
+              <a:t>KEY</a:t>
+            </a:r>
+            <a:r>
+              <a:rPr lang="zh-TW" altLang="en-US" sz="2400" dirty="0" smtClean="0"/>
+              <a:t> 是我發出去的</a:t>
+            </a:r>
+            <a:r>
+              <a:rPr lang="en-US" altLang="zh-TW" sz="2400" dirty="0" smtClean="0"/>
+              <a:t>?</a:t>
+            </a:r>
+          </a:p>
+          <a:p>
+            <a:pPr marL="635508" lvl="1" indent="-342900">
+              <a:buFont typeface="Wingdings" panose="05000000000000000000" pitchFamily="2" charset="2"/>
+              <a:buChar char="n"/>
+            </a:pPr>
+            <a:r>
+              <a:rPr lang="zh-TW" altLang="en-US" sz="2400" dirty="0" smtClean="0"/>
+              <a:t>如何確認 </a:t>
+            </a:r>
+            <a:r>
+              <a:rPr lang="en-US" altLang="zh-TW" sz="2400" dirty="0" smtClean="0"/>
+              <a:t>SESSION</a:t>
+            </a:r>
+            <a:r>
+              <a:rPr lang="zh-TW" altLang="en-US" sz="2400" dirty="0" smtClean="0"/>
+              <a:t> </a:t>
+            </a:r>
+            <a:r>
+              <a:rPr lang="en-US" altLang="zh-TW" sz="2400" dirty="0" smtClean="0"/>
+              <a:t>KEY</a:t>
+            </a:r>
+            <a:r>
+              <a:rPr lang="zh-TW" altLang="en-US" sz="2400" dirty="0" smtClean="0"/>
+              <a:t> 是不是過期了</a:t>
+            </a:r>
+            <a:r>
+              <a:rPr lang="en-US" altLang="zh-TW" sz="2400" dirty="0" smtClean="0"/>
+              <a:t>?</a:t>
+            </a:r>
+          </a:p>
+          <a:p>
+            <a:pPr marL="635508" lvl="1" indent="-342900">
+              <a:buFont typeface="Wingdings" panose="05000000000000000000" pitchFamily="2" charset="2"/>
+              <a:buChar char="n"/>
+            </a:pPr>
+            <a:r>
+              <a:rPr lang="zh-TW" altLang="en-US" sz="2400" dirty="0" smtClean="0"/>
+              <a:t>如何確認</a:t>
+            </a:r>
+            <a:r>
+              <a:rPr lang="zh-TW" altLang="en-US" sz="2400" dirty="0"/>
+              <a:t> </a:t>
+            </a:r>
+            <a:r>
+              <a:rPr lang="en-US" altLang="zh-TW" sz="2400" dirty="0" smtClean="0"/>
+              <a:t>SESSION</a:t>
+            </a:r>
+            <a:r>
+              <a:rPr lang="zh-TW" altLang="en-US" sz="2400" dirty="0" smtClean="0"/>
+              <a:t> </a:t>
+            </a:r>
+            <a:r>
+              <a:rPr lang="en-US" altLang="zh-TW" sz="2400" dirty="0" smtClean="0"/>
+              <a:t>KEY</a:t>
+            </a:r>
+            <a:r>
+              <a:rPr lang="zh-TW" altLang="en-US" sz="2400" dirty="0" smtClean="0"/>
+              <a:t> 沒有被竄改</a:t>
+            </a:r>
+            <a:r>
+              <a:rPr lang="en-US" altLang="zh-TW" sz="2400" dirty="0" smtClean="0"/>
+              <a:t>?</a:t>
+            </a:r>
+          </a:p>
+          <a:p>
+            <a:pPr marL="635508" lvl="1" indent="-342900">
+              <a:buFont typeface="Wingdings" panose="05000000000000000000" pitchFamily="2" charset="2"/>
+              <a:buChar char="n"/>
+            </a:pPr>
+            <a:endParaRPr lang="en-US" altLang="zh-TW" sz="2400" dirty="0" smtClean="0"/>
+          </a:p>
+          <a:p>
+            <a:pPr marL="514350" indent="-514350">
+              <a:buFont typeface="+mj-lt"/>
+              <a:buAutoNum type="arabicPeriod"/>
+            </a:pPr>
+            <a:r>
+              <a:rPr lang="zh-TW" altLang="en-US" sz="2800" dirty="0" smtClean="0"/>
+              <a:t>如何應付 </a:t>
+            </a:r>
+            <a:r>
+              <a:rPr lang="en-US" altLang="zh-TW" sz="2800" dirty="0" smtClean="0"/>
+              <a:t>“</a:t>
+            </a:r>
+            <a:r>
+              <a:rPr lang="zh-TW" altLang="en-US" sz="2800" dirty="0" smtClean="0"/>
+              <a:t>第三者</a:t>
+            </a:r>
+            <a:r>
+              <a:rPr lang="en-US" altLang="zh-TW" sz="2800" dirty="0" smtClean="0"/>
+              <a:t>”</a:t>
+            </a:r>
+            <a:r>
+              <a:rPr lang="zh-TW" altLang="en-US" sz="2800" dirty="0" smtClean="0"/>
+              <a:t> 的 </a:t>
+            </a:r>
+            <a:r>
+              <a:rPr lang="en-US" altLang="zh-TW" sz="2800" dirty="0" smtClean="0"/>
+              <a:t>REPLY</a:t>
+            </a:r>
+            <a:r>
+              <a:rPr lang="zh-TW" altLang="en-US" sz="2800" dirty="0" smtClean="0"/>
+              <a:t> </a:t>
+            </a:r>
+            <a:r>
+              <a:rPr lang="en-US" altLang="zh-TW" sz="2800" dirty="0" smtClean="0"/>
+              <a:t>ATTACK</a:t>
+            </a:r>
+            <a:r>
+              <a:rPr lang="zh-TW" altLang="en-US" sz="2800" dirty="0" smtClean="0"/>
+              <a:t> </a:t>
+            </a:r>
+            <a:r>
+              <a:rPr lang="en-US" altLang="zh-TW" sz="2800" dirty="0" smtClean="0"/>
+              <a:t>?</a:t>
+            </a:r>
+          </a:p>
+          <a:p>
+            <a:pPr marL="806958" lvl="1" indent="-514350">
+              <a:buFont typeface="Wingdings" panose="05000000000000000000" pitchFamily="2" charset="2"/>
+              <a:buChar char="n"/>
+            </a:pPr>
+            <a:r>
+              <a:rPr lang="en-US" altLang="zh-TW" sz="2600" dirty="0" smtClean="0"/>
+              <a:t>EXPIRED</a:t>
+            </a:r>
+          </a:p>
+          <a:p>
+            <a:pPr marL="806958" lvl="1" indent="-514350">
+              <a:buFont typeface="Wingdings" panose="05000000000000000000" pitchFamily="2" charset="2"/>
+              <a:buChar char="n"/>
+            </a:pPr>
+            <a:r>
+              <a:rPr lang="en-US" altLang="zh-TW" sz="2600" dirty="0" smtClean="0"/>
+              <a:t>IP</a:t>
+            </a:r>
+          </a:p>
+          <a:p>
+            <a:pPr marL="806958" lvl="1" indent="-514350">
+              <a:buFont typeface="Wingdings" panose="05000000000000000000" pitchFamily="2" charset="2"/>
+              <a:buChar char="n"/>
+            </a:pPr>
+            <a:r>
+              <a:rPr lang="zh-TW" altLang="en-US" sz="2600" dirty="0" smtClean="0"/>
+              <a:t>其他任何你能識別來源的資訊</a:t>
+            </a:r>
+            <a:endParaRPr lang="zh-TW" altLang="en-US" sz="2600" dirty="0"/>
           </a:p>
         </p:txBody>
       </p:sp>
     </p:spTree>
     <p:extLst>
       <p:ext uri="{BB962C8B-B14F-4D97-AF65-F5344CB8AC3E}">
-        <p14:creationId xmlns:p14="http://schemas.microsoft.com/office/powerpoint/2010/main" val="3128681848"/>
+        <p14:creationId xmlns:p14="http://schemas.microsoft.com/office/powerpoint/2010/main" val="1727178952"/>
       </p:ext>
     </p:extLst>
   </p:cSld>
@@ -41242,27 +42036,14 @@
             <p:ph type="ctrTitle"/>
           </p:nvPr>
         </p:nvSpPr>
-        <p:spPr>
-          <a:xfrm>
-            <a:off x="775335" y="758952"/>
-            <a:ext cx="10702290" cy="3566160"/>
-          </a:xfrm>
-        </p:spPr>
+        <p:spPr/>
         <p:txBody>
           <a:bodyPr/>
           <a:lstStyle/>
           <a:p>
             <a:r>
               <a:rPr lang="en-US" altLang="zh-TW" dirty="0" smtClean="0"/>
-              <a:t>JWT (</a:t>
-            </a:r>
-            <a:r>
-              <a:rPr lang="en-US" altLang="zh-TW" dirty="0" err="1" smtClean="0"/>
-              <a:t>Json</a:t>
-            </a:r>
-            <a:r>
-              <a:rPr lang="en-US" altLang="zh-TW" dirty="0" smtClean="0"/>
-              <a:t> Web Token)</a:t>
+              <a:t>DEMO</a:t>
             </a:r>
             <a:endParaRPr lang="zh-TW" altLang="en-US" dirty="0"/>
           </a:p>
@@ -41283,17 +42064,162 @@
           <a:bodyPr/>
           <a:lstStyle/>
           <a:p>
+            <a:endParaRPr lang="zh-TW" altLang="en-US" dirty="0"/>
+          </a:p>
+        </p:txBody>
+      </p:sp>
+    </p:spTree>
+    <p:extLst>
+      <p:ext uri="{BB962C8B-B14F-4D97-AF65-F5344CB8AC3E}">
+        <p14:creationId xmlns:p14="http://schemas.microsoft.com/office/powerpoint/2010/main" val="3128681848"/>
+      </p:ext>
+    </p:extLst>
+  </p:cSld>
+  <p:clrMapOvr>
+    <a:masterClrMapping/>
+  </p:clrMapOvr>
+  <p:timing>
+    <p:tnLst>
+      <p:par>
+        <p:cTn id="1" dur="indefinite" restart="never" nodeType="tmRoot"/>
+      </p:par>
+    </p:tnLst>
+  </p:timing>
+</p:sld>
+</file>
+
+<file path=ppt/slides/slide45.xml><?xml version="1.0" encoding="utf-8"?>
+<p:sld xmlns:a="http://schemas.openxmlformats.org/drawingml/2006/main" xmlns:r="http://schemas.openxmlformats.org/officeDocument/2006/relationships" xmlns:p="http://schemas.openxmlformats.org/presentationml/2006/main">
+  <p:cSld>
+    <p:spTree>
+      <p:nvGrpSpPr>
+        <p:cNvPr id="1" name=""/>
+        <p:cNvGrpSpPr/>
+        <p:nvPr/>
+      </p:nvGrpSpPr>
+      <p:grpSpPr>
+        <a:xfrm>
+          <a:off x="0" y="0"/>
+          <a:ext cx="0" cy="0"/>
+          <a:chOff x="0" y="0"/>
+          <a:chExt cx="0" cy="0"/>
+        </a:xfrm>
+      </p:grpSpPr>
+      <p:pic>
+        <p:nvPicPr>
+          <p:cNvPr id="4" name="圖片 3"/>
+          <p:cNvPicPr>
+            <a:picLocks noChangeAspect="1"/>
+          </p:cNvPicPr>
+          <p:nvPr/>
+        </p:nvPicPr>
+        <p:blipFill>
+          <a:blip r:embed="rId2"/>
+          <a:stretch>
+            <a:fillRect/>
+          </a:stretch>
+        </p:blipFill>
+        <p:spPr>
+          <a:xfrm>
+            <a:off x="695325" y="1504950"/>
+            <a:ext cx="10801350" cy="3848100"/>
+          </a:xfrm>
+          <a:prstGeom prst="rect">
+            <a:avLst/>
+          </a:prstGeom>
+        </p:spPr>
+      </p:pic>
+    </p:spTree>
+    <p:extLst>
+      <p:ext uri="{BB962C8B-B14F-4D97-AF65-F5344CB8AC3E}">
+        <p14:creationId xmlns:p14="http://schemas.microsoft.com/office/powerpoint/2010/main" val="1880645172"/>
+      </p:ext>
+    </p:extLst>
+  </p:cSld>
+  <p:clrMapOvr>
+    <a:masterClrMapping/>
+  </p:clrMapOvr>
+  <p:timing>
+    <p:tnLst>
+      <p:par>
+        <p:cTn id="1" dur="indefinite" restart="never" nodeType="tmRoot"/>
+      </p:par>
+    </p:tnLst>
+  </p:timing>
+</p:sld>
+</file>
+
+<file path=ppt/slides/slide46.xml><?xml version="1.0" encoding="utf-8"?>
+<p:sld xmlns:a="http://schemas.openxmlformats.org/drawingml/2006/main" xmlns:r="http://schemas.openxmlformats.org/officeDocument/2006/relationships" xmlns:p="http://schemas.openxmlformats.org/presentationml/2006/main">
+  <p:cSld>
+    <p:spTree>
+      <p:nvGrpSpPr>
+        <p:cNvPr id="1" name=""/>
+        <p:cNvGrpSpPr/>
+        <p:nvPr/>
+      </p:nvGrpSpPr>
+      <p:grpSpPr>
+        <a:xfrm>
+          <a:off x="0" y="0"/>
+          <a:ext cx="0" cy="0"/>
+          <a:chOff x="0" y="0"/>
+          <a:chExt cx="0" cy="0"/>
+        </a:xfrm>
+      </p:grpSpPr>
+      <p:sp>
+        <p:nvSpPr>
+          <p:cNvPr id="4" name="標題 3"/>
+          <p:cNvSpPr>
+            <a:spLocks noGrp="1"/>
+          </p:cNvSpPr>
+          <p:nvPr>
+            <p:ph type="ctrTitle"/>
+          </p:nvPr>
+        </p:nvSpPr>
+        <p:spPr>
+          <a:xfrm>
+            <a:off x="775335" y="758952"/>
+            <a:ext cx="10702290" cy="3566160"/>
+          </a:xfrm>
+        </p:spPr>
+        <p:txBody>
+          <a:bodyPr/>
+          <a:lstStyle/>
+          <a:p>
+            <a:r>
+              <a:rPr lang="en-US" altLang="zh-TW" dirty="0" smtClean="0"/>
+              <a:t>JWT (</a:t>
+            </a:r>
+            <a:r>
+              <a:rPr lang="en-US" altLang="zh-TW" dirty="0" err="1" smtClean="0"/>
+              <a:t>Json</a:t>
+            </a:r>
+            <a:r>
+              <a:rPr lang="en-US" altLang="zh-TW" dirty="0" smtClean="0"/>
+              <a:t> Web Token)</a:t>
+            </a:r>
+            <a:endParaRPr lang="zh-TW" altLang="en-US" dirty="0"/>
+          </a:p>
+        </p:txBody>
+      </p:sp>
+      <p:sp>
+        <p:nvSpPr>
+          <p:cNvPr id="5" name="副標題 4"/>
+          <p:cNvSpPr>
+            <a:spLocks noGrp="1"/>
+          </p:cNvSpPr>
+          <p:nvPr>
+            <p:ph type="subTitle" idx="1"/>
+          </p:nvPr>
+        </p:nvSpPr>
+        <p:spPr/>
+        <p:txBody>
+          <a:bodyPr/>
+          <a:lstStyle/>
+          <a:p>
             <a:r>
               <a:rPr lang="zh-TW" altLang="en-US" dirty="0" smtClean="0"/>
-              <a:t>正式</a:t>
-            </a:r>
-            <a:r>
-              <a:rPr lang="zh-TW" altLang="en-US" dirty="0" smtClean="0"/>
-              <a:t>要使用時</a:t>
-            </a:r>
-            <a:r>
-              <a:rPr lang="zh-TW" altLang="en-US" dirty="0" smtClean="0"/>
-              <a:t>，</a:t>
+              <a:t>正式要使用時，</a:t>
             </a:r>
             <a:r>
               <a:rPr lang="zh-TW" altLang="en-US" dirty="0"/>
@@ -41301,11 +42227,7 @@
             </a:r>
             <a:r>
               <a:rPr lang="zh-TW" altLang="en-US" dirty="0" smtClean="0"/>
-              <a:t>選擇</a:t>
-            </a:r>
-            <a:r>
-              <a:rPr lang="zh-TW" altLang="en-US" dirty="0" smtClean="0"/>
-              <a:t>成熟可靠的套件</a:t>
+              <a:t>選擇成熟可靠的套件</a:t>
             </a:r>
             <a:r>
               <a:rPr lang="en-US" altLang="zh-TW" dirty="0" smtClean="0"/>
@@ -41335,7 +42257,7 @@
 </p:sld>
 </file>
 
-<file path=ppt/slides/slide45.xml><?xml version="1.0" encoding="utf-8"?>
+<file path=ppt/slides/slide47.xml><?xml version="1.0" encoding="utf-8"?>
 <p:sld xmlns:a="http://schemas.openxmlformats.org/drawingml/2006/main" xmlns:r="http://schemas.openxmlformats.org/officeDocument/2006/relationships" xmlns:p="http://schemas.openxmlformats.org/presentationml/2006/main">
   <p:cSld>
     <p:spTree>
@@ -41598,7 +42520,7 @@
 </p:sld>
 </file>
 
-<file path=ppt/slides/slide46.xml><?xml version="1.0" encoding="utf-8"?>
+<file path=ppt/slides/slide48.xml><?xml version="1.0" encoding="utf-8"?>
 <p:sld xmlns:a="http://schemas.openxmlformats.org/drawingml/2006/main" xmlns:r="http://schemas.openxmlformats.org/officeDocument/2006/relationships" xmlns:p="http://schemas.openxmlformats.org/presentationml/2006/main">
   <p:cSld>
     <p:spTree>
@@ -41966,7 +42888,7 @@
 </p:sld>
 </file>
 
-<file path=ppt/slides/slide47.xml><?xml version="1.0" encoding="utf-8"?>
+<file path=ppt/slides/slide49.xml><?xml version="1.0" encoding="utf-8"?>
 <p:sld xmlns:a="http://schemas.openxmlformats.org/drawingml/2006/main" xmlns:r="http://schemas.openxmlformats.org/officeDocument/2006/relationships" xmlns:p="http://schemas.openxmlformats.org/presentationml/2006/main">
   <p:cSld>
     <p:spTree>
@@ -42057,7 +42979,1126 @@
 </p:sld>
 </file>
 
-<file path=ppt/slides/slide48.xml><?xml version="1.0" encoding="utf-8"?>
+<file path=ppt/slides/slide5.xml><?xml version="1.0" encoding="utf-8"?>
+<p:sld xmlns:a="http://schemas.openxmlformats.org/drawingml/2006/main" xmlns:r="http://schemas.openxmlformats.org/officeDocument/2006/relationships" xmlns:p="http://schemas.openxmlformats.org/presentationml/2006/main">
+  <p:cSld>
+    <p:spTree>
+      <p:nvGrpSpPr>
+        <p:cNvPr id="1" name=""/>
+        <p:cNvGrpSpPr/>
+        <p:nvPr/>
+      </p:nvGrpSpPr>
+      <p:grpSpPr>
+        <a:xfrm>
+          <a:off x="0" y="0"/>
+          <a:ext cx="0" cy="0"/>
+          <a:chOff x="0" y="0"/>
+          <a:chExt cx="0" cy="0"/>
+        </a:xfrm>
+      </p:grpSpPr>
+      <p:sp>
+        <p:nvSpPr>
+          <p:cNvPr id="11" name="矩形 10"/>
+          <p:cNvSpPr/>
+          <p:nvPr/>
+        </p:nvSpPr>
+        <p:spPr>
+          <a:xfrm>
+            <a:off x="2411909" y="5720723"/>
+            <a:ext cx="7690586" cy="569543"/>
+          </a:xfrm>
+          <a:prstGeom prst="rect">
+            <a:avLst/>
+          </a:prstGeom>
+          <a:ln>
+            <a:prstDash val="dash"/>
+          </a:ln>
+        </p:spPr>
+        <p:style>
+          <a:lnRef idx="2">
+            <a:schemeClr val="dk1"/>
+          </a:lnRef>
+          <a:fillRef idx="1">
+            <a:schemeClr val="lt1"/>
+          </a:fillRef>
+          <a:effectRef idx="0">
+            <a:schemeClr val="dk1"/>
+          </a:effectRef>
+          <a:fontRef idx="minor">
+            <a:schemeClr val="dk1"/>
+          </a:fontRef>
+        </p:style>
+        <p:txBody>
+          <a:bodyPr rtlCol="0" anchor="ctr"/>
+          <a:lstStyle/>
+          <a:p>
+            <a:pPr algn="ctr"/>
+            <a:r>
+              <a:rPr lang="en-US" altLang="zh-TW" dirty="0" smtClean="0"/>
+              <a:t>SCRUM / DevOps / CI / CD …</a:t>
+            </a:r>
+            <a:endParaRPr lang="zh-TW" altLang="en-US" dirty="0"/>
+          </a:p>
+        </p:txBody>
+      </p:sp>
+      <p:pic>
+        <p:nvPicPr>
+          <p:cNvPr id="4" name="圖片 3"/>
+          <p:cNvPicPr>
+            <a:picLocks noChangeAspect="1"/>
+          </p:cNvPicPr>
+          <p:nvPr/>
+        </p:nvPicPr>
+        <p:blipFill rotWithShape="1">
+          <a:blip r:embed="rId2"/>
+          <a:srcRect l="54570" t="46222" r="3378" b="7790"/>
+          <a:stretch/>
+        </p:blipFill>
+        <p:spPr>
+          <a:xfrm>
+            <a:off x="2421957" y="414020"/>
+            <a:ext cx="7690586" cy="5256463"/>
+          </a:xfrm>
+          <a:prstGeom prst="rect">
+            <a:avLst/>
+          </a:prstGeom>
+        </p:spPr>
+      </p:pic>
+      <p:sp>
+        <p:nvSpPr>
+          <p:cNvPr id="5" name="圓角矩形圖說文字 4"/>
+          <p:cNvSpPr/>
+          <p:nvPr/>
+        </p:nvSpPr>
+        <p:spPr>
+          <a:xfrm>
+            <a:off x="8953500" y="704850"/>
+            <a:ext cx="2143125" cy="857250"/>
+          </a:xfrm>
+          <a:prstGeom prst="wedgeRoundRectCallout">
+            <a:avLst>
+              <a:gd name="adj1" fmla="val -30166"/>
+              <a:gd name="adj2" fmla="val 62500"/>
+              <a:gd name="adj3" fmla="val 16667"/>
+            </a:avLst>
+          </a:prstGeom>
+        </p:spPr>
+        <p:style>
+          <a:lnRef idx="2">
+            <a:schemeClr val="accent1"/>
+          </a:lnRef>
+          <a:fillRef idx="1">
+            <a:schemeClr val="lt1"/>
+          </a:fillRef>
+          <a:effectRef idx="0">
+            <a:schemeClr val="accent1"/>
+          </a:effectRef>
+          <a:fontRef idx="minor">
+            <a:schemeClr val="dk1"/>
+          </a:fontRef>
+        </p:style>
+        <p:txBody>
+          <a:bodyPr rtlCol="0" anchor="ctr"/>
+          <a:lstStyle/>
+          <a:p>
+            <a:r>
+              <a:rPr lang="en-US" altLang="zh-TW" dirty="0" smtClean="0"/>
+              <a:t>1. </a:t>
+            </a:r>
+            <a:r>
+              <a:rPr lang="zh-TW" altLang="en-US" dirty="0" smtClean="0"/>
+              <a:t>容器化佈署</a:t>
+            </a:r>
+            <a:r>
+              <a:rPr lang="en-US" altLang="zh-TW" dirty="0" smtClean="0"/>
+              <a:t/>
+            </a:r>
+            <a:br>
+              <a:rPr lang="en-US" altLang="zh-TW" dirty="0" smtClean="0"/>
+            </a:br>
+            <a:r>
+              <a:rPr lang="en-US" altLang="zh-TW" dirty="0" smtClean="0"/>
+              <a:t>(</a:t>
+            </a:r>
+            <a:r>
+              <a:rPr lang="zh-TW" altLang="en-US" dirty="0" smtClean="0"/>
+              <a:t>概念</a:t>
+            </a:r>
+            <a:r>
+              <a:rPr lang="en-US" altLang="zh-TW" dirty="0" smtClean="0"/>
+              <a:t>)</a:t>
+            </a:r>
+            <a:endParaRPr lang="zh-TW" altLang="en-US" dirty="0"/>
+          </a:p>
+        </p:txBody>
+      </p:sp>
+      <p:sp>
+        <p:nvSpPr>
+          <p:cNvPr id="6" name="圓角矩形圖說文字 5"/>
+          <p:cNvSpPr/>
+          <p:nvPr/>
+        </p:nvSpPr>
+        <p:spPr>
+          <a:xfrm>
+            <a:off x="1437875" y="276224"/>
+            <a:ext cx="2695975" cy="1190625"/>
+          </a:xfrm>
+          <a:prstGeom prst="wedgeRoundRectCallout">
+            <a:avLst>
+              <a:gd name="adj1" fmla="val 30675"/>
+              <a:gd name="adj2" fmla="val 68322"/>
+              <a:gd name="adj3" fmla="val 16667"/>
+            </a:avLst>
+          </a:prstGeom>
+        </p:spPr>
+        <p:style>
+          <a:lnRef idx="2">
+            <a:schemeClr val="accent1"/>
+          </a:lnRef>
+          <a:fillRef idx="1">
+            <a:schemeClr val="lt1"/>
+          </a:fillRef>
+          <a:effectRef idx="0">
+            <a:schemeClr val="accent1"/>
+          </a:effectRef>
+          <a:fontRef idx="minor">
+            <a:schemeClr val="dk1"/>
+          </a:fontRef>
+        </p:style>
+        <p:txBody>
+          <a:bodyPr rtlCol="0" anchor="ctr"/>
+          <a:lstStyle/>
+          <a:p>
+            <a:r>
+              <a:rPr lang="en-US" altLang="zh-TW" dirty="0" smtClean="0"/>
+              <a:t>3.</a:t>
+            </a:r>
+            <a:r>
+              <a:rPr lang="zh-TW" altLang="en-US" dirty="0" smtClean="0"/>
+              <a:t> </a:t>
+            </a:r>
+            <a:r>
+              <a:rPr lang="en-US" altLang="zh-TW" dirty="0" smtClean="0"/>
+              <a:t>API</a:t>
+            </a:r>
+            <a:r>
+              <a:rPr lang="zh-TW" altLang="en-US" dirty="0" smtClean="0"/>
+              <a:t> </a:t>
+            </a:r>
+            <a:r>
+              <a:rPr lang="en-US" altLang="zh-TW" dirty="0" smtClean="0"/>
+              <a:t>/ SDK</a:t>
+            </a:r>
+            <a:r>
+              <a:rPr lang="zh-TW" altLang="en-US" dirty="0" smtClean="0"/>
+              <a:t> 設計與實作，</a:t>
+            </a:r>
+            <a:r>
+              <a:rPr lang="en-US" altLang="zh-TW" dirty="0" smtClean="0"/>
+              <a:t>API</a:t>
+            </a:r>
+            <a:r>
+              <a:rPr lang="zh-TW" altLang="en-US" dirty="0" smtClean="0"/>
+              <a:t> 相容機制與策略</a:t>
+            </a:r>
+            <a:endParaRPr lang="zh-TW" altLang="en-US" dirty="0"/>
+          </a:p>
+        </p:txBody>
+      </p:sp>
+      <p:sp>
+        <p:nvSpPr>
+          <p:cNvPr id="7" name="圓角矩形圖說文字 6"/>
+          <p:cNvSpPr/>
+          <p:nvPr/>
+        </p:nvSpPr>
+        <p:spPr>
+          <a:xfrm>
+            <a:off x="5366614" y="2193155"/>
+            <a:ext cx="1781175" cy="1464444"/>
+          </a:xfrm>
+          <a:prstGeom prst="wedgeRoundRectCallout">
+            <a:avLst>
+              <a:gd name="adj1" fmla="val -66992"/>
+              <a:gd name="adj2" fmla="val 38845"/>
+              <a:gd name="adj3" fmla="val 16667"/>
+            </a:avLst>
+          </a:prstGeom>
+        </p:spPr>
+        <p:style>
+          <a:lnRef idx="2">
+            <a:schemeClr val="accent1"/>
+          </a:lnRef>
+          <a:fillRef idx="1">
+            <a:schemeClr val="lt1"/>
+          </a:fillRef>
+          <a:effectRef idx="0">
+            <a:schemeClr val="accent1"/>
+          </a:effectRef>
+          <a:fontRef idx="minor">
+            <a:schemeClr val="dk1"/>
+          </a:fontRef>
+        </p:style>
+        <p:txBody>
+          <a:bodyPr rtlCol="0" anchor="ctr"/>
+          <a:lstStyle/>
+          <a:p>
+            <a:r>
+              <a:rPr lang="en-US" altLang="zh-TW" dirty="0"/>
+              <a:t>5</a:t>
+            </a:r>
+            <a:r>
+              <a:rPr lang="en-US" altLang="zh-TW" dirty="0" smtClean="0"/>
+              <a:t>.</a:t>
+            </a:r>
+            <a:r>
+              <a:rPr lang="zh-TW" altLang="en-US" dirty="0" smtClean="0"/>
+              <a:t> </a:t>
+            </a:r>
+            <a:r>
+              <a:rPr lang="en-US" altLang="zh-TW" dirty="0" smtClean="0"/>
+              <a:t>Token: </a:t>
+            </a:r>
+            <a:br>
+              <a:rPr lang="en-US" altLang="zh-TW" dirty="0" smtClean="0"/>
+            </a:br>
+            <a:r>
+              <a:rPr lang="zh-TW" altLang="en-US" dirty="0" smtClean="0"/>
+              <a:t>服務之間的安全機</a:t>
+            </a:r>
+            <a:r>
+              <a:rPr lang="zh-TW" altLang="en-US" dirty="0"/>
+              <a:t>制</a:t>
+            </a:r>
+          </a:p>
+        </p:txBody>
+      </p:sp>
+      <p:sp>
+        <p:nvSpPr>
+          <p:cNvPr id="8" name="圓角矩形圖說文字 7"/>
+          <p:cNvSpPr/>
+          <p:nvPr/>
+        </p:nvSpPr>
+        <p:spPr>
+          <a:xfrm>
+            <a:off x="85725" y="1824751"/>
+            <a:ext cx="2486025" cy="1316333"/>
+          </a:xfrm>
+          <a:prstGeom prst="wedgeRoundRectCallout">
+            <a:avLst>
+              <a:gd name="adj1" fmla="val 39738"/>
+              <a:gd name="adj2" fmla="val 70142"/>
+              <a:gd name="adj3" fmla="val 16667"/>
+            </a:avLst>
+          </a:prstGeom>
+        </p:spPr>
+        <p:style>
+          <a:lnRef idx="2">
+            <a:schemeClr val="accent1"/>
+          </a:lnRef>
+          <a:fillRef idx="1">
+            <a:schemeClr val="lt1"/>
+          </a:fillRef>
+          <a:effectRef idx="0">
+            <a:schemeClr val="accent1"/>
+          </a:effectRef>
+          <a:fontRef idx="minor">
+            <a:schemeClr val="dk1"/>
+          </a:fontRef>
+        </p:style>
+        <p:txBody>
+          <a:bodyPr rtlCol="0" anchor="ctr"/>
+          <a:lstStyle/>
+          <a:p>
+            <a:r>
+              <a:rPr lang="en-US" altLang="zh-TW" dirty="0" smtClean="0"/>
+              <a:t>4.</a:t>
+            </a:r>
+            <a:r>
+              <a:rPr lang="zh-TW" altLang="en-US" dirty="0" smtClean="0"/>
+              <a:t> </a:t>
+            </a:r>
+            <a:r>
+              <a:rPr lang="zh-TW" altLang="en-US" dirty="0" smtClean="0"/>
+              <a:t>容器化佈署</a:t>
+            </a:r>
+            <a:r>
+              <a:rPr lang="en-US" altLang="zh-TW" dirty="0" smtClean="0"/>
+              <a:t/>
+            </a:r>
+            <a:br>
+              <a:rPr lang="en-US" altLang="zh-TW" dirty="0" smtClean="0"/>
+            </a:br>
+            <a:r>
+              <a:rPr lang="en-US" altLang="zh-TW" dirty="0" smtClean="0"/>
+              <a:t>(</a:t>
+            </a:r>
+            <a:r>
+              <a:rPr lang="zh-TW" altLang="en-US" dirty="0" smtClean="0"/>
+              <a:t>定義服務之間的關係</a:t>
+            </a:r>
+            <a:r>
+              <a:rPr lang="en-US" altLang="zh-TW" dirty="0" smtClean="0"/>
+              <a:t>)</a:t>
+            </a:r>
+            <a:br>
+              <a:rPr lang="en-US" altLang="zh-TW" dirty="0" smtClean="0"/>
+            </a:br>
+            <a:r>
+              <a:rPr lang="en-US" altLang="zh-TW" dirty="0" smtClean="0"/>
+              <a:t>- Docker Compose</a:t>
+            </a:r>
+            <a:endParaRPr lang="zh-TW" altLang="en-US" dirty="0"/>
+          </a:p>
+        </p:txBody>
+      </p:sp>
+      <p:sp>
+        <p:nvSpPr>
+          <p:cNvPr id="9" name="圓角矩形圖說文字 8"/>
+          <p:cNvSpPr/>
+          <p:nvPr/>
+        </p:nvSpPr>
+        <p:spPr>
+          <a:xfrm>
+            <a:off x="85725" y="3981886"/>
+            <a:ext cx="2486025" cy="1142478"/>
+          </a:xfrm>
+          <a:prstGeom prst="wedgeRoundRectCallout">
+            <a:avLst>
+              <a:gd name="adj1" fmla="val 39612"/>
+              <a:gd name="adj2" fmla="val -80834"/>
+              <a:gd name="adj3" fmla="val 16667"/>
+            </a:avLst>
+          </a:prstGeom>
+        </p:spPr>
+        <p:style>
+          <a:lnRef idx="2">
+            <a:schemeClr val="accent1"/>
+          </a:lnRef>
+          <a:fillRef idx="1">
+            <a:schemeClr val="lt1"/>
+          </a:fillRef>
+          <a:effectRef idx="0">
+            <a:schemeClr val="accent1"/>
+          </a:effectRef>
+          <a:fontRef idx="minor">
+            <a:schemeClr val="dk1"/>
+          </a:fontRef>
+        </p:style>
+        <p:txBody>
+          <a:bodyPr rtlCol="0" anchor="ctr"/>
+          <a:lstStyle/>
+          <a:p>
+            <a:r>
+              <a:rPr lang="en-US" altLang="zh-TW" dirty="0"/>
+              <a:t>6</a:t>
+            </a:r>
+            <a:r>
+              <a:rPr lang="en-US" altLang="zh-TW" dirty="0" smtClean="0"/>
+              <a:t>.</a:t>
+            </a:r>
+            <a:r>
+              <a:rPr lang="zh-TW" altLang="en-US" dirty="0" smtClean="0"/>
+              <a:t> </a:t>
+            </a:r>
+            <a:r>
+              <a:rPr lang="zh-TW" altLang="en-US" dirty="0" smtClean="0"/>
+              <a:t>容器化佈署</a:t>
+            </a:r>
+            <a:r>
+              <a:rPr lang="en-US" altLang="zh-TW" dirty="0" smtClean="0"/>
+              <a:t/>
+            </a:r>
+            <a:br>
+              <a:rPr lang="en-US" altLang="zh-TW" dirty="0" smtClean="0"/>
+            </a:br>
+            <a:r>
+              <a:rPr lang="en-US" altLang="zh-TW" dirty="0" smtClean="0"/>
+              <a:t>(</a:t>
+            </a:r>
+            <a:r>
+              <a:rPr lang="zh-TW" altLang="en-US" dirty="0" smtClean="0"/>
+              <a:t>叢集管理</a:t>
+            </a:r>
+            <a:r>
+              <a:rPr lang="en-US" altLang="zh-TW" dirty="0" smtClean="0"/>
+              <a:t>)</a:t>
+            </a:r>
+            <a:br>
+              <a:rPr lang="en-US" altLang="zh-TW" dirty="0" smtClean="0"/>
+            </a:br>
+            <a:r>
+              <a:rPr lang="en-US" altLang="zh-TW" dirty="0" smtClean="0"/>
+              <a:t>- Docker Swarm</a:t>
+            </a:r>
+            <a:endParaRPr lang="zh-TW" altLang="en-US" dirty="0"/>
+          </a:p>
+        </p:txBody>
+      </p:sp>
+      <p:sp>
+        <p:nvSpPr>
+          <p:cNvPr id="10" name="圓角矩形圖說文字 9"/>
+          <p:cNvSpPr/>
+          <p:nvPr/>
+        </p:nvSpPr>
+        <p:spPr>
+          <a:xfrm>
+            <a:off x="1900099" y="5342832"/>
+            <a:ext cx="2486025" cy="857250"/>
+          </a:xfrm>
+          <a:prstGeom prst="wedgeRoundRectCallout">
+            <a:avLst>
+              <a:gd name="adj1" fmla="val 60453"/>
+              <a:gd name="adj2" fmla="val 23403"/>
+              <a:gd name="adj3" fmla="val 16667"/>
+            </a:avLst>
+          </a:prstGeom>
+        </p:spPr>
+        <p:style>
+          <a:lnRef idx="2">
+            <a:schemeClr val="accent1"/>
+          </a:lnRef>
+          <a:fillRef idx="1">
+            <a:schemeClr val="lt1"/>
+          </a:fillRef>
+          <a:effectRef idx="0">
+            <a:schemeClr val="accent1"/>
+          </a:effectRef>
+          <a:fontRef idx="minor">
+            <a:schemeClr val="dk1"/>
+          </a:fontRef>
+        </p:style>
+        <p:txBody>
+          <a:bodyPr rtlCol="0" anchor="ctr"/>
+          <a:lstStyle/>
+          <a:p>
+            <a:r>
+              <a:rPr lang="en-US" altLang="zh-TW" dirty="0" smtClean="0"/>
+              <a:t>7.</a:t>
+            </a:r>
+            <a:r>
+              <a:rPr lang="zh-TW" altLang="en-US" dirty="0" smtClean="0"/>
+              <a:t> </a:t>
+            </a:r>
+            <a:r>
+              <a:rPr lang="zh-TW" altLang="en-US" dirty="0" smtClean="0"/>
+              <a:t>配合微服務架構的</a:t>
+            </a:r>
+            <a:r>
+              <a:rPr lang="en-US" altLang="zh-TW" dirty="0" smtClean="0"/>
+              <a:t/>
+            </a:r>
+            <a:br>
+              <a:rPr lang="en-US" altLang="zh-TW" dirty="0" smtClean="0"/>
+            </a:br>
+            <a:r>
+              <a:rPr lang="zh-TW" altLang="en-US" dirty="0" smtClean="0"/>
+              <a:t>開發流程</a:t>
+            </a:r>
+            <a:endParaRPr lang="zh-TW" altLang="en-US" dirty="0"/>
+          </a:p>
+        </p:txBody>
+      </p:sp>
+      <p:sp>
+        <p:nvSpPr>
+          <p:cNvPr id="12" name="矩形 11"/>
+          <p:cNvSpPr/>
+          <p:nvPr/>
+        </p:nvSpPr>
+        <p:spPr>
+          <a:xfrm rot="19082375">
+            <a:off x="-1115367" y="110531"/>
+            <a:ext cx="3054699" cy="653143"/>
+          </a:xfrm>
+          <a:prstGeom prst="rect">
+            <a:avLst/>
+          </a:prstGeom>
+          <a:solidFill>
+            <a:srgbClr val="FF0000"/>
+          </a:solidFill>
+        </p:spPr>
+        <p:style>
+          <a:lnRef idx="2">
+            <a:schemeClr val="accent1">
+              <a:shade val="50000"/>
+            </a:schemeClr>
+          </a:lnRef>
+          <a:fillRef idx="1">
+            <a:schemeClr val="accent1"/>
+          </a:fillRef>
+          <a:effectRef idx="0">
+            <a:schemeClr val="accent1"/>
+          </a:effectRef>
+          <a:fontRef idx="minor">
+            <a:schemeClr val="lt1"/>
+          </a:fontRef>
+        </p:style>
+        <p:txBody>
+          <a:bodyPr rtlCol="0" anchor="ctr"/>
+          <a:lstStyle/>
+          <a:p>
+            <a:pPr algn="ctr"/>
+            <a:r>
+              <a:rPr lang="en-US" altLang="zh-TW" dirty="0" smtClean="0"/>
+              <a:t>RECAP</a:t>
+            </a:r>
+            <a:endParaRPr lang="zh-TW" altLang="en-US" dirty="0"/>
+          </a:p>
+        </p:txBody>
+      </p:sp>
+      <p:sp>
+        <p:nvSpPr>
+          <p:cNvPr id="13" name="圓角矩形圖說文字 12"/>
+          <p:cNvSpPr/>
+          <p:nvPr/>
+        </p:nvSpPr>
+        <p:spPr>
+          <a:xfrm>
+            <a:off x="8731828" y="2482917"/>
+            <a:ext cx="2143125" cy="857250"/>
+          </a:xfrm>
+          <a:prstGeom prst="wedgeRoundRectCallout">
+            <a:avLst>
+              <a:gd name="adj1" fmla="val -30166"/>
+              <a:gd name="adj2" fmla="val 62500"/>
+              <a:gd name="adj3" fmla="val 16667"/>
+            </a:avLst>
+          </a:prstGeom>
+        </p:spPr>
+        <p:style>
+          <a:lnRef idx="2">
+            <a:schemeClr val="accent1"/>
+          </a:lnRef>
+          <a:fillRef idx="1">
+            <a:schemeClr val="lt1"/>
+          </a:fillRef>
+          <a:effectRef idx="0">
+            <a:schemeClr val="accent1"/>
+          </a:effectRef>
+          <a:fontRef idx="minor">
+            <a:schemeClr val="dk1"/>
+          </a:fontRef>
+        </p:style>
+        <p:txBody>
+          <a:bodyPr rtlCol="0" anchor="ctr"/>
+          <a:lstStyle/>
+          <a:p>
+            <a:r>
+              <a:rPr lang="en-US" altLang="zh-TW" dirty="0" smtClean="0"/>
+              <a:t>2. </a:t>
+            </a:r>
+            <a:r>
+              <a:rPr lang="zh-TW" altLang="en-US" dirty="0" smtClean="0"/>
+              <a:t>單一容器的管理</a:t>
+            </a:r>
+            <a:r>
+              <a:rPr lang="en-US" altLang="zh-TW" dirty="0" smtClean="0"/>
+              <a:t/>
+            </a:r>
+            <a:br>
+              <a:rPr lang="en-US" altLang="zh-TW" dirty="0" smtClean="0"/>
+            </a:br>
+            <a:r>
+              <a:rPr lang="en-US" altLang="zh-TW" dirty="0" smtClean="0"/>
+              <a:t>(Build / Ship /</a:t>
+            </a:r>
+            <a:r>
+              <a:rPr lang="zh-TW" altLang="en-US" dirty="0" smtClean="0"/>
+              <a:t> </a:t>
+            </a:r>
+            <a:r>
+              <a:rPr lang="en-US" altLang="zh-TW" dirty="0" smtClean="0"/>
+              <a:t>Run)</a:t>
+            </a:r>
+            <a:endParaRPr lang="zh-TW" altLang="en-US" dirty="0"/>
+          </a:p>
+        </p:txBody>
+      </p:sp>
+    </p:spTree>
+    <p:extLst>
+      <p:ext uri="{BB962C8B-B14F-4D97-AF65-F5344CB8AC3E}">
+        <p14:creationId xmlns:p14="http://schemas.microsoft.com/office/powerpoint/2010/main" val="1039743703"/>
+      </p:ext>
+    </p:extLst>
+  </p:cSld>
+  <p:clrMapOvr>
+    <a:masterClrMapping/>
+  </p:clrMapOvr>
+  <mc:AlternateContent xmlns:mc="http://schemas.openxmlformats.org/markup-compatibility/2006" xmlns:p14="http://schemas.microsoft.com/office/powerpoint/2010/main">
+    <mc:Choice Requires="p14">
+      <p:transition spd="slow" p14:dur="2000"/>
+    </mc:Choice>
+    <mc:Fallback xmlns="">
+      <p:transition spd="slow"/>
+    </mc:Fallback>
+  </mc:AlternateContent>
+  <p:timing>
+    <p:tnLst>
+      <p:par>
+        <p:cTn id="1" dur="indefinite" restart="never" nodeType="tmRoot">
+          <p:childTnLst>
+            <p:seq concurrent="1" nextAc="seek">
+              <p:cTn id="2" dur="indefinite" nodeType="mainSeq">
+                <p:childTnLst>
+                  <p:par>
+                    <p:cTn id="3" fill="hold">
+                      <p:stCondLst>
+                        <p:cond delay="indefinite"/>
+                      </p:stCondLst>
+                      <p:childTnLst>
+                        <p:par>
+                          <p:cTn id="4" fill="hold">
+                            <p:stCondLst>
+                              <p:cond delay="0"/>
+                            </p:stCondLst>
+                            <p:childTnLst>
+                              <p:par>
+                                <p:cTn id="5" presetID="10" presetClass="entr" presetSubtype="0" fill="hold" grpId="0" nodeType="clickEffect">
+                                  <p:stCondLst>
+                                    <p:cond delay="0"/>
+                                  </p:stCondLst>
+                                  <p:childTnLst>
+                                    <p:set>
+                                      <p:cBhvr>
+                                        <p:cTn id="6" dur="1" fill="hold">
+                                          <p:stCondLst>
+                                            <p:cond delay="0"/>
+                                          </p:stCondLst>
+                                        </p:cTn>
+                                        <p:tgtEl>
+                                          <p:spTgt spid="5"/>
+                                        </p:tgtEl>
+                                        <p:attrNameLst>
+                                          <p:attrName>style.visibility</p:attrName>
+                                        </p:attrNameLst>
+                                      </p:cBhvr>
+                                      <p:to>
+                                        <p:strVal val="visible"/>
+                                      </p:to>
+                                    </p:set>
+                                    <p:animEffect transition="in" filter="fade">
+                                      <p:cBhvr>
+                                        <p:cTn id="7" dur="500"/>
+                                        <p:tgtEl>
+                                          <p:spTgt spid="5"/>
+                                        </p:tgtEl>
+                                      </p:cBhvr>
+                                    </p:animEffect>
+                                  </p:childTnLst>
+                                </p:cTn>
+                              </p:par>
+                            </p:childTnLst>
+                          </p:cTn>
+                        </p:par>
+                      </p:childTnLst>
+                    </p:cTn>
+                  </p:par>
+                  <p:par>
+                    <p:cTn id="8" fill="hold">
+                      <p:stCondLst>
+                        <p:cond delay="indefinite"/>
+                      </p:stCondLst>
+                      <p:childTnLst>
+                        <p:par>
+                          <p:cTn id="9" fill="hold">
+                            <p:stCondLst>
+                              <p:cond delay="0"/>
+                            </p:stCondLst>
+                            <p:childTnLst>
+                              <p:par>
+                                <p:cTn id="10" presetID="10" presetClass="entr" presetSubtype="0" fill="hold" grpId="0" nodeType="clickEffect">
+                                  <p:stCondLst>
+                                    <p:cond delay="0"/>
+                                  </p:stCondLst>
+                                  <p:childTnLst>
+                                    <p:set>
+                                      <p:cBhvr>
+                                        <p:cTn id="11" dur="1" fill="hold">
+                                          <p:stCondLst>
+                                            <p:cond delay="0"/>
+                                          </p:stCondLst>
+                                        </p:cTn>
+                                        <p:tgtEl>
+                                          <p:spTgt spid="13"/>
+                                        </p:tgtEl>
+                                        <p:attrNameLst>
+                                          <p:attrName>style.visibility</p:attrName>
+                                        </p:attrNameLst>
+                                      </p:cBhvr>
+                                      <p:to>
+                                        <p:strVal val="visible"/>
+                                      </p:to>
+                                    </p:set>
+                                    <p:animEffect transition="in" filter="fade">
+                                      <p:cBhvr>
+                                        <p:cTn id="12" dur="500"/>
+                                        <p:tgtEl>
+                                          <p:spTgt spid="13"/>
+                                        </p:tgtEl>
+                                      </p:cBhvr>
+                                    </p:animEffect>
+                                  </p:childTnLst>
+                                </p:cTn>
+                              </p:par>
+                            </p:childTnLst>
+                          </p:cTn>
+                        </p:par>
+                      </p:childTnLst>
+                    </p:cTn>
+                  </p:par>
+                  <p:par>
+                    <p:cTn id="13" fill="hold">
+                      <p:stCondLst>
+                        <p:cond delay="indefinite"/>
+                      </p:stCondLst>
+                      <p:childTnLst>
+                        <p:par>
+                          <p:cTn id="14" fill="hold">
+                            <p:stCondLst>
+                              <p:cond delay="0"/>
+                            </p:stCondLst>
+                            <p:childTnLst>
+                              <p:par>
+                                <p:cTn id="15" presetID="10" presetClass="entr" presetSubtype="0" fill="hold" grpId="0" nodeType="clickEffect">
+                                  <p:stCondLst>
+                                    <p:cond delay="0"/>
+                                  </p:stCondLst>
+                                  <p:childTnLst>
+                                    <p:set>
+                                      <p:cBhvr>
+                                        <p:cTn id="16" dur="1" fill="hold">
+                                          <p:stCondLst>
+                                            <p:cond delay="0"/>
+                                          </p:stCondLst>
+                                        </p:cTn>
+                                        <p:tgtEl>
+                                          <p:spTgt spid="6"/>
+                                        </p:tgtEl>
+                                        <p:attrNameLst>
+                                          <p:attrName>style.visibility</p:attrName>
+                                        </p:attrNameLst>
+                                      </p:cBhvr>
+                                      <p:to>
+                                        <p:strVal val="visible"/>
+                                      </p:to>
+                                    </p:set>
+                                    <p:animEffect transition="in" filter="fade">
+                                      <p:cBhvr>
+                                        <p:cTn id="17" dur="500"/>
+                                        <p:tgtEl>
+                                          <p:spTgt spid="6"/>
+                                        </p:tgtEl>
+                                      </p:cBhvr>
+                                    </p:animEffect>
+                                  </p:childTnLst>
+                                </p:cTn>
+                              </p:par>
+                            </p:childTnLst>
+                          </p:cTn>
+                        </p:par>
+                      </p:childTnLst>
+                    </p:cTn>
+                  </p:par>
+                  <p:par>
+                    <p:cTn id="18" fill="hold">
+                      <p:stCondLst>
+                        <p:cond delay="indefinite"/>
+                      </p:stCondLst>
+                      <p:childTnLst>
+                        <p:par>
+                          <p:cTn id="19" fill="hold">
+                            <p:stCondLst>
+                              <p:cond delay="0"/>
+                            </p:stCondLst>
+                            <p:childTnLst>
+                              <p:par>
+                                <p:cTn id="20" presetID="10" presetClass="entr" presetSubtype="0" fill="hold" grpId="0" nodeType="clickEffect">
+                                  <p:stCondLst>
+                                    <p:cond delay="0"/>
+                                  </p:stCondLst>
+                                  <p:childTnLst>
+                                    <p:set>
+                                      <p:cBhvr>
+                                        <p:cTn id="21" dur="1" fill="hold">
+                                          <p:stCondLst>
+                                            <p:cond delay="0"/>
+                                          </p:stCondLst>
+                                        </p:cTn>
+                                        <p:tgtEl>
+                                          <p:spTgt spid="8"/>
+                                        </p:tgtEl>
+                                        <p:attrNameLst>
+                                          <p:attrName>style.visibility</p:attrName>
+                                        </p:attrNameLst>
+                                      </p:cBhvr>
+                                      <p:to>
+                                        <p:strVal val="visible"/>
+                                      </p:to>
+                                    </p:set>
+                                    <p:animEffect transition="in" filter="fade">
+                                      <p:cBhvr>
+                                        <p:cTn id="22" dur="500"/>
+                                        <p:tgtEl>
+                                          <p:spTgt spid="8"/>
+                                        </p:tgtEl>
+                                      </p:cBhvr>
+                                    </p:animEffect>
+                                  </p:childTnLst>
+                                </p:cTn>
+                              </p:par>
+                            </p:childTnLst>
+                          </p:cTn>
+                        </p:par>
+                      </p:childTnLst>
+                    </p:cTn>
+                  </p:par>
+                  <p:par>
+                    <p:cTn id="23" fill="hold">
+                      <p:stCondLst>
+                        <p:cond delay="indefinite"/>
+                      </p:stCondLst>
+                      <p:childTnLst>
+                        <p:par>
+                          <p:cTn id="24" fill="hold">
+                            <p:stCondLst>
+                              <p:cond delay="0"/>
+                            </p:stCondLst>
+                            <p:childTnLst>
+                              <p:par>
+                                <p:cTn id="25" presetID="10" presetClass="entr" presetSubtype="0" fill="hold" grpId="0" nodeType="clickEffect">
+                                  <p:stCondLst>
+                                    <p:cond delay="0"/>
+                                  </p:stCondLst>
+                                  <p:childTnLst>
+                                    <p:set>
+                                      <p:cBhvr>
+                                        <p:cTn id="26" dur="1" fill="hold">
+                                          <p:stCondLst>
+                                            <p:cond delay="0"/>
+                                          </p:stCondLst>
+                                        </p:cTn>
+                                        <p:tgtEl>
+                                          <p:spTgt spid="7"/>
+                                        </p:tgtEl>
+                                        <p:attrNameLst>
+                                          <p:attrName>style.visibility</p:attrName>
+                                        </p:attrNameLst>
+                                      </p:cBhvr>
+                                      <p:to>
+                                        <p:strVal val="visible"/>
+                                      </p:to>
+                                    </p:set>
+                                    <p:animEffect transition="in" filter="fade">
+                                      <p:cBhvr>
+                                        <p:cTn id="27" dur="500"/>
+                                        <p:tgtEl>
+                                          <p:spTgt spid="7"/>
+                                        </p:tgtEl>
+                                      </p:cBhvr>
+                                    </p:animEffect>
+                                  </p:childTnLst>
+                                </p:cTn>
+                              </p:par>
+                            </p:childTnLst>
+                          </p:cTn>
+                        </p:par>
+                      </p:childTnLst>
+                    </p:cTn>
+                  </p:par>
+                  <p:par>
+                    <p:cTn id="28" fill="hold">
+                      <p:stCondLst>
+                        <p:cond delay="indefinite"/>
+                      </p:stCondLst>
+                      <p:childTnLst>
+                        <p:par>
+                          <p:cTn id="29" fill="hold">
+                            <p:stCondLst>
+                              <p:cond delay="0"/>
+                            </p:stCondLst>
+                            <p:childTnLst>
+                              <p:par>
+                                <p:cTn id="30" presetID="10" presetClass="entr" presetSubtype="0" fill="hold" grpId="0" nodeType="clickEffect">
+                                  <p:stCondLst>
+                                    <p:cond delay="0"/>
+                                  </p:stCondLst>
+                                  <p:childTnLst>
+                                    <p:set>
+                                      <p:cBhvr>
+                                        <p:cTn id="31" dur="1" fill="hold">
+                                          <p:stCondLst>
+                                            <p:cond delay="0"/>
+                                          </p:stCondLst>
+                                        </p:cTn>
+                                        <p:tgtEl>
+                                          <p:spTgt spid="9"/>
+                                        </p:tgtEl>
+                                        <p:attrNameLst>
+                                          <p:attrName>style.visibility</p:attrName>
+                                        </p:attrNameLst>
+                                      </p:cBhvr>
+                                      <p:to>
+                                        <p:strVal val="visible"/>
+                                      </p:to>
+                                    </p:set>
+                                    <p:animEffect transition="in" filter="fade">
+                                      <p:cBhvr>
+                                        <p:cTn id="32" dur="500"/>
+                                        <p:tgtEl>
+                                          <p:spTgt spid="9"/>
+                                        </p:tgtEl>
+                                      </p:cBhvr>
+                                    </p:animEffect>
+                                  </p:childTnLst>
+                                </p:cTn>
+                              </p:par>
+                            </p:childTnLst>
+                          </p:cTn>
+                        </p:par>
+                      </p:childTnLst>
+                    </p:cTn>
+                  </p:par>
+                  <p:par>
+                    <p:cTn id="33" fill="hold">
+                      <p:stCondLst>
+                        <p:cond delay="indefinite"/>
+                      </p:stCondLst>
+                      <p:childTnLst>
+                        <p:par>
+                          <p:cTn id="34" fill="hold">
+                            <p:stCondLst>
+                              <p:cond delay="0"/>
+                            </p:stCondLst>
+                            <p:childTnLst>
+                              <p:par>
+                                <p:cTn id="35" presetID="10" presetClass="entr" presetSubtype="0" fill="hold" grpId="0" nodeType="clickEffect">
+                                  <p:stCondLst>
+                                    <p:cond delay="0"/>
+                                  </p:stCondLst>
+                                  <p:childTnLst>
+                                    <p:set>
+                                      <p:cBhvr>
+                                        <p:cTn id="36" dur="1" fill="hold">
+                                          <p:stCondLst>
+                                            <p:cond delay="0"/>
+                                          </p:stCondLst>
+                                        </p:cTn>
+                                        <p:tgtEl>
+                                          <p:spTgt spid="10"/>
+                                        </p:tgtEl>
+                                        <p:attrNameLst>
+                                          <p:attrName>style.visibility</p:attrName>
+                                        </p:attrNameLst>
+                                      </p:cBhvr>
+                                      <p:to>
+                                        <p:strVal val="visible"/>
+                                      </p:to>
+                                    </p:set>
+                                    <p:animEffect transition="in" filter="fade">
+                                      <p:cBhvr>
+                                        <p:cTn id="37" dur="500"/>
+                                        <p:tgtEl>
+                                          <p:spTgt spid="10"/>
+                                        </p:tgtEl>
+                                      </p:cBhvr>
+                                    </p:animEffect>
+                                  </p:childTnLst>
+                                </p:cTn>
+                              </p:par>
+                            </p:childTnLst>
+                          </p:cTn>
+                        </p:par>
+                      </p:childTnLst>
+                    </p:cTn>
+                  </p:par>
+                  <p:par>
+                    <p:cTn id="38" fill="hold">
+                      <p:stCondLst>
+                        <p:cond delay="indefinite"/>
+                      </p:stCondLst>
+                      <p:childTnLst>
+                        <p:par>
+                          <p:cTn id="39" fill="hold">
+                            <p:stCondLst>
+                              <p:cond delay="0"/>
+                            </p:stCondLst>
+                            <p:childTnLst>
+                              <p:par>
+                                <p:cTn id="40" presetID="10" presetClass="entr" presetSubtype="0" fill="hold" grpId="0" nodeType="clickEffect">
+                                  <p:stCondLst>
+                                    <p:cond delay="0"/>
+                                  </p:stCondLst>
+                                  <p:childTnLst>
+                                    <p:set>
+                                      <p:cBhvr>
+                                        <p:cTn id="41" dur="1" fill="hold">
+                                          <p:stCondLst>
+                                            <p:cond delay="0"/>
+                                          </p:stCondLst>
+                                        </p:cTn>
+                                        <p:tgtEl>
+                                          <p:spTgt spid="11"/>
+                                        </p:tgtEl>
+                                        <p:attrNameLst>
+                                          <p:attrName>style.visibility</p:attrName>
+                                        </p:attrNameLst>
+                                      </p:cBhvr>
+                                      <p:to>
+                                        <p:strVal val="visible"/>
+                                      </p:to>
+                                    </p:set>
+                                    <p:animEffect transition="in" filter="fade">
+                                      <p:cBhvr>
+                                        <p:cTn id="42" dur="500"/>
+                                        <p:tgtEl>
+                                          <p:spTgt spid="11"/>
+                                        </p:tgtEl>
+                                      </p:cBhvr>
+                                    </p:animEffect>
+                                  </p:childTnLst>
+                                </p:cTn>
+                              </p:par>
+                            </p:childTnLst>
+                          </p:cTn>
+                        </p:par>
+                      </p:childTnLst>
+                    </p:cTn>
+                  </p:par>
+                </p:childTnLst>
+              </p:cTn>
+              <p:prevCondLst>
+                <p:cond evt="onPrev" delay="0">
+                  <p:tgtEl>
+                    <p:sldTgt/>
+                  </p:tgtEl>
+                </p:cond>
+              </p:prevCondLst>
+              <p:nextCondLst>
+                <p:cond evt="onNext" delay="0">
+                  <p:tgtEl>
+                    <p:sldTgt/>
+                  </p:tgtEl>
+                </p:cond>
+              </p:nextCondLst>
+            </p:seq>
+          </p:childTnLst>
+        </p:cTn>
+      </p:par>
+    </p:tnLst>
+    <p:bldLst>
+      <p:bldP spid="11" grpId="0" animBg="1"/>
+      <p:bldP spid="5" grpId="0" animBg="1"/>
+      <p:bldP spid="6" grpId="0" animBg="1"/>
+      <p:bldP spid="7" grpId="0" animBg="1"/>
+      <p:bldP spid="8" grpId="0" animBg="1"/>
+      <p:bldP spid="9" grpId="0" animBg="1"/>
+      <p:bldP spid="10" grpId="0" animBg="1"/>
+      <p:bldP spid="13" grpId="0" animBg="1"/>
+    </p:bldLst>
+  </p:timing>
+</p:sld>
+</file>
+
+<file path=ppt/slides/slide50.xml><?xml version="1.0" encoding="utf-8"?>
 <p:sld xmlns:a="http://schemas.openxmlformats.org/drawingml/2006/main" xmlns:r="http://schemas.openxmlformats.org/officeDocument/2006/relationships" xmlns:p="http://schemas.openxmlformats.org/presentationml/2006/main">
   <p:cSld>
     <p:spTree>
@@ -42536,7 +44577,7 @@
 </p:sld>
 </file>
 
-<file path=ppt/slides/slide49.xml><?xml version="1.0" encoding="utf-8"?>
+<file path=ppt/slides/slide51.xml><?xml version="1.0" encoding="utf-8"?>
 <p:sld xmlns:a="http://schemas.openxmlformats.org/drawingml/2006/main" xmlns:r="http://schemas.openxmlformats.org/officeDocument/2006/relationships" xmlns:p="http://schemas.openxmlformats.org/presentationml/2006/main">
   <p:cSld>
     <p:spTree>
@@ -42570,11 +44611,7 @@
           <a:p>
             <a:r>
               <a:rPr lang="zh-TW" altLang="en-US" dirty="0" smtClean="0"/>
-              <a:t>如果你靠線上服務</a:t>
-            </a:r>
-            <a:r>
-              <a:rPr lang="zh-TW" altLang="en-US" dirty="0" smtClean="0"/>
-              <a:t>賺錢 </a:t>
+              <a:t>如果你靠線上服務賺錢 </a:t>
             </a:r>
             <a:r>
               <a:rPr lang="en-US" altLang="zh-TW" dirty="0" smtClean="0"/>
@@ -42742,984 +44779,7 @@
 </p:sld>
 </file>
 
-<file path=ppt/slides/slide5.xml><?xml version="1.0" encoding="utf-8"?>
-<p:sld xmlns:a="http://schemas.openxmlformats.org/drawingml/2006/main" xmlns:r="http://schemas.openxmlformats.org/officeDocument/2006/relationships" xmlns:p="http://schemas.openxmlformats.org/presentationml/2006/main">
-  <p:cSld>
-    <p:spTree>
-      <p:nvGrpSpPr>
-        <p:cNvPr id="1" name=""/>
-        <p:cNvGrpSpPr/>
-        <p:nvPr/>
-      </p:nvGrpSpPr>
-      <p:grpSpPr>
-        <a:xfrm>
-          <a:off x="0" y="0"/>
-          <a:ext cx="0" cy="0"/>
-          <a:chOff x="0" y="0"/>
-          <a:chExt cx="0" cy="0"/>
-        </a:xfrm>
-      </p:grpSpPr>
-      <p:sp>
-        <p:nvSpPr>
-          <p:cNvPr id="11" name="矩形 10"/>
-          <p:cNvSpPr/>
-          <p:nvPr/>
-        </p:nvSpPr>
-        <p:spPr>
-          <a:xfrm>
-            <a:off x="2411909" y="5720723"/>
-            <a:ext cx="7690586" cy="569543"/>
-          </a:xfrm>
-          <a:prstGeom prst="rect">
-            <a:avLst/>
-          </a:prstGeom>
-          <a:ln>
-            <a:prstDash val="dash"/>
-          </a:ln>
-        </p:spPr>
-        <p:style>
-          <a:lnRef idx="2">
-            <a:schemeClr val="dk1"/>
-          </a:lnRef>
-          <a:fillRef idx="1">
-            <a:schemeClr val="lt1"/>
-          </a:fillRef>
-          <a:effectRef idx="0">
-            <a:schemeClr val="dk1"/>
-          </a:effectRef>
-          <a:fontRef idx="minor">
-            <a:schemeClr val="dk1"/>
-          </a:fontRef>
-        </p:style>
-        <p:txBody>
-          <a:bodyPr rtlCol="0" anchor="ctr"/>
-          <a:lstStyle/>
-          <a:p>
-            <a:pPr algn="ctr"/>
-            <a:r>
-              <a:rPr lang="en-US" altLang="zh-TW" dirty="0" smtClean="0"/>
-              <a:t>SCRUM / DevOps / CI / CD …</a:t>
-            </a:r>
-            <a:endParaRPr lang="zh-TW" altLang="en-US" dirty="0"/>
-          </a:p>
-        </p:txBody>
-      </p:sp>
-      <p:pic>
-        <p:nvPicPr>
-          <p:cNvPr id="4" name="圖片 3"/>
-          <p:cNvPicPr>
-            <a:picLocks noChangeAspect="1"/>
-          </p:cNvPicPr>
-          <p:nvPr/>
-        </p:nvPicPr>
-        <p:blipFill rotWithShape="1">
-          <a:blip r:embed="rId2"/>
-          <a:srcRect l="54570" t="46222" r="3378" b="7790"/>
-          <a:stretch/>
-        </p:blipFill>
-        <p:spPr>
-          <a:xfrm>
-            <a:off x="2421957" y="414020"/>
-            <a:ext cx="7690586" cy="5256463"/>
-          </a:xfrm>
-          <a:prstGeom prst="rect">
-            <a:avLst/>
-          </a:prstGeom>
-        </p:spPr>
-      </p:pic>
-      <p:sp>
-        <p:nvSpPr>
-          <p:cNvPr id="5" name="圓角矩形圖說文字 4"/>
-          <p:cNvSpPr/>
-          <p:nvPr/>
-        </p:nvSpPr>
-        <p:spPr>
-          <a:xfrm>
-            <a:off x="8953500" y="704850"/>
-            <a:ext cx="2143125" cy="857250"/>
-          </a:xfrm>
-          <a:prstGeom prst="wedgeRoundRectCallout">
-            <a:avLst>
-              <a:gd name="adj1" fmla="val -30166"/>
-              <a:gd name="adj2" fmla="val 62500"/>
-              <a:gd name="adj3" fmla="val 16667"/>
-            </a:avLst>
-          </a:prstGeom>
-        </p:spPr>
-        <p:style>
-          <a:lnRef idx="2">
-            <a:schemeClr val="accent1"/>
-          </a:lnRef>
-          <a:fillRef idx="1">
-            <a:schemeClr val="lt1"/>
-          </a:fillRef>
-          <a:effectRef idx="0">
-            <a:schemeClr val="accent1"/>
-          </a:effectRef>
-          <a:fontRef idx="minor">
-            <a:schemeClr val="dk1"/>
-          </a:fontRef>
-        </p:style>
-        <p:txBody>
-          <a:bodyPr rtlCol="0" anchor="ctr"/>
-          <a:lstStyle/>
-          <a:p>
-            <a:r>
-              <a:rPr lang="en-US" altLang="zh-TW" dirty="0" smtClean="0"/>
-              <a:t>1. </a:t>
-            </a:r>
-            <a:r>
-              <a:rPr lang="zh-TW" altLang="en-US" dirty="0" smtClean="0"/>
-              <a:t>容器化佈署</a:t>
-            </a:r>
-            <a:r>
-              <a:rPr lang="en-US" altLang="zh-TW" dirty="0" smtClean="0"/>
-              <a:t/>
-            </a:r>
-            <a:br>
-              <a:rPr lang="en-US" altLang="zh-TW" dirty="0" smtClean="0"/>
-            </a:br>
-            <a:r>
-              <a:rPr lang="en-US" altLang="zh-TW" dirty="0" smtClean="0"/>
-              <a:t>(</a:t>
-            </a:r>
-            <a:r>
-              <a:rPr lang="zh-TW" altLang="en-US" dirty="0" smtClean="0"/>
-              <a:t>概念</a:t>
-            </a:r>
-            <a:r>
-              <a:rPr lang="en-US" altLang="zh-TW" dirty="0" smtClean="0"/>
-              <a:t>)</a:t>
-            </a:r>
-            <a:endParaRPr lang="zh-TW" altLang="en-US" dirty="0"/>
-          </a:p>
-        </p:txBody>
-      </p:sp>
-      <p:sp>
-        <p:nvSpPr>
-          <p:cNvPr id="6" name="圓角矩形圖說文字 5"/>
-          <p:cNvSpPr/>
-          <p:nvPr/>
-        </p:nvSpPr>
-        <p:spPr>
-          <a:xfrm>
-            <a:off x="1437875" y="276224"/>
-            <a:ext cx="2695975" cy="1190625"/>
-          </a:xfrm>
-          <a:prstGeom prst="wedgeRoundRectCallout">
-            <a:avLst>
-              <a:gd name="adj1" fmla="val 30675"/>
-              <a:gd name="adj2" fmla="val 68322"/>
-              <a:gd name="adj3" fmla="val 16667"/>
-            </a:avLst>
-          </a:prstGeom>
-        </p:spPr>
-        <p:style>
-          <a:lnRef idx="2">
-            <a:schemeClr val="accent1"/>
-          </a:lnRef>
-          <a:fillRef idx="1">
-            <a:schemeClr val="lt1"/>
-          </a:fillRef>
-          <a:effectRef idx="0">
-            <a:schemeClr val="accent1"/>
-          </a:effectRef>
-          <a:fontRef idx="minor">
-            <a:schemeClr val="dk1"/>
-          </a:fontRef>
-        </p:style>
-        <p:txBody>
-          <a:bodyPr rtlCol="0" anchor="ctr"/>
-          <a:lstStyle/>
-          <a:p>
-            <a:r>
-              <a:rPr lang="en-US" altLang="zh-TW" dirty="0" smtClean="0"/>
-              <a:t>2.</a:t>
-            </a:r>
-            <a:r>
-              <a:rPr lang="zh-TW" altLang="en-US" dirty="0" smtClean="0"/>
-              <a:t> </a:t>
-            </a:r>
-            <a:r>
-              <a:rPr lang="en-US" altLang="zh-TW" dirty="0" smtClean="0"/>
-              <a:t>API</a:t>
-            </a:r>
-            <a:r>
-              <a:rPr lang="zh-TW" altLang="en-US" dirty="0" smtClean="0"/>
-              <a:t> </a:t>
-            </a:r>
-            <a:r>
-              <a:rPr lang="en-US" altLang="zh-TW" dirty="0" smtClean="0"/>
-              <a:t>/ SDK</a:t>
-            </a:r>
-            <a:r>
-              <a:rPr lang="zh-TW" altLang="en-US" dirty="0" smtClean="0"/>
-              <a:t> 設計與實作，</a:t>
-            </a:r>
-            <a:r>
-              <a:rPr lang="en-US" altLang="zh-TW" dirty="0" smtClean="0"/>
-              <a:t>API</a:t>
-            </a:r>
-            <a:r>
-              <a:rPr lang="zh-TW" altLang="en-US" dirty="0" smtClean="0"/>
-              <a:t> 相容機制與策略</a:t>
-            </a:r>
-            <a:endParaRPr lang="zh-TW" altLang="en-US" dirty="0"/>
-          </a:p>
-        </p:txBody>
-      </p:sp>
-      <p:sp>
-        <p:nvSpPr>
-          <p:cNvPr id="7" name="圓角矩形圖說文字 6"/>
-          <p:cNvSpPr/>
-          <p:nvPr/>
-        </p:nvSpPr>
-        <p:spPr>
-          <a:xfrm>
-            <a:off x="5366614" y="2193155"/>
-            <a:ext cx="1781175" cy="1464444"/>
-          </a:xfrm>
-          <a:prstGeom prst="wedgeRoundRectCallout">
-            <a:avLst>
-              <a:gd name="adj1" fmla="val -66992"/>
-              <a:gd name="adj2" fmla="val 38845"/>
-              <a:gd name="adj3" fmla="val 16667"/>
-            </a:avLst>
-          </a:prstGeom>
-        </p:spPr>
-        <p:style>
-          <a:lnRef idx="2">
-            <a:schemeClr val="accent1"/>
-          </a:lnRef>
-          <a:fillRef idx="1">
-            <a:schemeClr val="lt1"/>
-          </a:fillRef>
-          <a:effectRef idx="0">
-            <a:schemeClr val="accent1"/>
-          </a:effectRef>
-          <a:fontRef idx="minor">
-            <a:schemeClr val="dk1"/>
-          </a:fontRef>
-        </p:style>
-        <p:txBody>
-          <a:bodyPr rtlCol="0" anchor="ctr"/>
-          <a:lstStyle/>
-          <a:p>
-            <a:r>
-              <a:rPr lang="en-US" altLang="zh-TW" dirty="0" smtClean="0"/>
-              <a:t>3.</a:t>
-            </a:r>
-            <a:r>
-              <a:rPr lang="zh-TW" altLang="en-US" dirty="0" smtClean="0"/>
-              <a:t> </a:t>
-            </a:r>
-            <a:r>
-              <a:rPr lang="en-US" altLang="zh-TW" dirty="0" smtClean="0"/>
-              <a:t>Token: </a:t>
-            </a:r>
-            <a:br>
-              <a:rPr lang="en-US" altLang="zh-TW" dirty="0" smtClean="0"/>
-            </a:br>
-            <a:r>
-              <a:rPr lang="zh-TW" altLang="en-US" dirty="0" smtClean="0"/>
-              <a:t>服務之間的安全機</a:t>
-            </a:r>
-            <a:r>
-              <a:rPr lang="zh-TW" altLang="en-US" dirty="0"/>
-              <a:t>制</a:t>
-            </a:r>
-          </a:p>
-        </p:txBody>
-      </p:sp>
-      <p:sp>
-        <p:nvSpPr>
-          <p:cNvPr id="8" name="圓角矩形圖說文字 7"/>
-          <p:cNvSpPr/>
-          <p:nvPr/>
-        </p:nvSpPr>
-        <p:spPr>
-          <a:xfrm>
-            <a:off x="85725" y="1824751"/>
-            <a:ext cx="2486025" cy="1316333"/>
-          </a:xfrm>
-          <a:prstGeom prst="wedgeRoundRectCallout">
-            <a:avLst>
-              <a:gd name="adj1" fmla="val 39738"/>
-              <a:gd name="adj2" fmla="val 70142"/>
-              <a:gd name="adj3" fmla="val 16667"/>
-            </a:avLst>
-          </a:prstGeom>
-        </p:spPr>
-        <p:style>
-          <a:lnRef idx="2">
-            <a:schemeClr val="accent1"/>
-          </a:lnRef>
-          <a:fillRef idx="1">
-            <a:schemeClr val="lt1"/>
-          </a:fillRef>
-          <a:effectRef idx="0">
-            <a:schemeClr val="accent1"/>
-          </a:effectRef>
-          <a:fontRef idx="minor">
-            <a:schemeClr val="dk1"/>
-          </a:fontRef>
-        </p:style>
-        <p:txBody>
-          <a:bodyPr rtlCol="0" anchor="ctr"/>
-          <a:lstStyle/>
-          <a:p>
-            <a:r>
-              <a:rPr lang="en-US" altLang="zh-TW" dirty="0" smtClean="0"/>
-              <a:t>4.</a:t>
-            </a:r>
-            <a:r>
-              <a:rPr lang="zh-TW" altLang="en-US" dirty="0" smtClean="0"/>
-              <a:t> 容器化佈署</a:t>
-            </a:r>
-            <a:r>
-              <a:rPr lang="en-US" altLang="zh-TW" dirty="0" smtClean="0"/>
-              <a:t/>
-            </a:r>
-            <a:br>
-              <a:rPr lang="en-US" altLang="zh-TW" dirty="0" smtClean="0"/>
-            </a:br>
-            <a:r>
-              <a:rPr lang="en-US" altLang="zh-TW" dirty="0" smtClean="0"/>
-              <a:t>(</a:t>
-            </a:r>
-            <a:r>
-              <a:rPr lang="zh-TW" altLang="en-US" dirty="0" smtClean="0"/>
-              <a:t>定義服務之間的關係</a:t>
-            </a:r>
-            <a:r>
-              <a:rPr lang="en-US" altLang="zh-TW" dirty="0" smtClean="0"/>
-              <a:t>)</a:t>
-            </a:r>
-            <a:br>
-              <a:rPr lang="en-US" altLang="zh-TW" dirty="0" smtClean="0"/>
-            </a:br>
-            <a:r>
-              <a:rPr lang="en-US" altLang="zh-TW" dirty="0" smtClean="0"/>
-              <a:t>- Docker Compose</a:t>
-            </a:r>
-            <a:endParaRPr lang="zh-TW" altLang="en-US" dirty="0"/>
-          </a:p>
-        </p:txBody>
-      </p:sp>
-      <p:sp>
-        <p:nvSpPr>
-          <p:cNvPr id="9" name="圓角矩形圖說文字 8"/>
-          <p:cNvSpPr/>
-          <p:nvPr/>
-        </p:nvSpPr>
-        <p:spPr>
-          <a:xfrm>
-            <a:off x="85725" y="3981886"/>
-            <a:ext cx="2486025" cy="1142478"/>
-          </a:xfrm>
-          <a:prstGeom prst="wedgeRoundRectCallout">
-            <a:avLst>
-              <a:gd name="adj1" fmla="val 39612"/>
-              <a:gd name="adj2" fmla="val -80834"/>
-              <a:gd name="adj3" fmla="val 16667"/>
-            </a:avLst>
-          </a:prstGeom>
-        </p:spPr>
-        <p:style>
-          <a:lnRef idx="2">
-            <a:schemeClr val="accent1"/>
-          </a:lnRef>
-          <a:fillRef idx="1">
-            <a:schemeClr val="lt1"/>
-          </a:fillRef>
-          <a:effectRef idx="0">
-            <a:schemeClr val="accent1"/>
-          </a:effectRef>
-          <a:fontRef idx="minor">
-            <a:schemeClr val="dk1"/>
-          </a:fontRef>
-        </p:style>
-        <p:txBody>
-          <a:bodyPr rtlCol="0" anchor="ctr"/>
-          <a:lstStyle/>
-          <a:p>
-            <a:r>
-              <a:rPr lang="en-US" altLang="zh-TW" dirty="0" smtClean="0"/>
-              <a:t>5.</a:t>
-            </a:r>
-            <a:r>
-              <a:rPr lang="zh-TW" altLang="en-US" dirty="0" smtClean="0"/>
-              <a:t> 容器化佈署</a:t>
-            </a:r>
-            <a:r>
-              <a:rPr lang="en-US" altLang="zh-TW" dirty="0" smtClean="0"/>
-              <a:t/>
-            </a:r>
-            <a:br>
-              <a:rPr lang="en-US" altLang="zh-TW" dirty="0" smtClean="0"/>
-            </a:br>
-            <a:r>
-              <a:rPr lang="en-US" altLang="zh-TW" dirty="0" smtClean="0"/>
-              <a:t>(</a:t>
-            </a:r>
-            <a:r>
-              <a:rPr lang="zh-TW" altLang="en-US" dirty="0" smtClean="0"/>
-              <a:t>叢集管理</a:t>
-            </a:r>
-            <a:r>
-              <a:rPr lang="en-US" altLang="zh-TW" dirty="0" smtClean="0"/>
-              <a:t>)</a:t>
-            </a:r>
-            <a:br>
-              <a:rPr lang="en-US" altLang="zh-TW" dirty="0" smtClean="0"/>
-            </a:br>
-            <a:r>
-              <a:rPr lang="en-US" altLang="zh-TW" dirty="0" smtClean="0"/>
-              <a:t>- Docker Swarm</a:t>
-            </a:r>
-            <a:endParaRPr lang="zh-TW" altLang="en-US" dirty="0"/>
-          </a:p>
-        </p:txBody>
-      </p:sp>
-      <p:sp>
-        <p:nvSpPr>
-          <p:cNvPr id="10" name="圓角矩形圖說文字 9"/>
-          <p:cNvSpPr/>
-          <p:nvPr/>
-        </p:nvSpPr>
-        <p:spPr>
-          <a:xfrm>
-            <a:off x="1900099" y="5342832"/>
-            <a:ext cx="2486025" cy="857250"/>
-          </a:xfrm>
-          <a:prstGeom prst="wedgeRoundRectCallout">
-            <a:avLst>
-              <a:gd name="adj1" fmla="val 60453"/>
-              <a:gd name="adj2" fmla="val 23403"/>
-              <a:gd name="adj3" fmla="val 16667"/>
-            </a:avLst>
-          </a:prstGeom>
-        </p:spPr>
-        <p:style>
-          <a:lnRef idx="2">
-            <a:schemeClr val="accent1"/>
-          </a:lnRef>
-          <a:fillRef idx="1">
-            <a:schemeClr val="lt1"/>
-          </a:fillRef>
-          <a:effectRef idx="0">
-            <a:schemeClr val="accent1"/>
-          </a:effectRef>
-          <a:fontRef idx="minor">
-            <a:schemeClr val="dk1"/>
-          </a:fontRef>
-        </p:style>
-        <p:txBody>
-          <a:bodyPr rtlCol="0" anchor="ctr"/>
-          <a:lstStyle/>
-          <a:p>
-            <a:r>
-              <a:rPr lang="en-US" altLang="zh-TW" dirty="0" smtClean="0"/>
-              <a:t>6.</a:t>
-            </a:r>
-            <a:r>
-              <a:rPr lang="zh-TW" altLang="en-US" dirty="0" smtClean="0"/>
-              <a:t> 配合微服務架構的</a:t>
-            </a:r>
-            <a:r>
-              <a:rPr lang="en-US" altLang="zh-TW" dirty="0" smtClean="0"/>
-              <a:t/>
-            </a:r>
-            <a:br>
-              <a:rPr lang="en-US" altLang="zh-TW" dirty="0" smtClean="0"/>
-            </a:br>
-            <a:r>
-              <a:rPr lang="zh-TW" altLang="en-US" dirty="0" smtClean="0"/>
-              <a:t>開發流程</a:t>
-            </a:r>
-            <a:endParaRPr lang="zh-TW" altLang="en-US" dirty="0"/>
-          </a:p>
-        </p:txBody>
-      </p:sp>
-      <p:sp>
-        <p:nvSpPr>
-          <p:cNvPr id="12" name="矩形 11"/>
-          <p:cNvSpPr/>
-          <p:nvPr/>
-        </p:nvSpPr>
-        <p:spPr>
-          <a:xfrm rot="19082375">
-            <a:off x="-1115367" y="110531"/>
-            <a:ext cx="3054699" cy="653143"/>
-          </a:xfrm>
-          <a:prstGeom prst="rect">
-            <a:avLst/>
-          </a:prstGeom>
-          <a:solidFill>
-            <a:srgbClr val="FF0000"/>
-          </a:solidFill>
-        </p:spPr>
-        <p:style>
-          <a:lnRef idx="2">
-            <a:schemeClr val="accent1">
-              <a:shade val="50000"/>
-            </a:schemeClr>
-          </a:lnRef>
-          <a:fillRef idx="1">
-            <a:schemeClr val="accent1"/>
-          </a:fillRef>
-          <a:effectRef idx="0">
-            <a:schemeClr val="accent1"/>
-          </a:effectRef>
-          <a:fontRef idx="minor">
-            <a:schemeClr val="lt1"/>
-          </a:fontRef>
-        </p:style>
-        <p:txBody>
-          <a:bodyPr rtlCol="0" anchor="ctr"/>
-          <a:lstStyle/>
-          <a:p>
-            <a:pPr algn="ctr"/>
-            <a:r>
-              <a:rPr lang="en-US" altLang="zh-TW" dirty="0" smtClean="0"/>
-              <a:t>RECAP</a:t>
-            </a:r>
-            <a:endParaRPr lang="zh-TW" altLang="en-US" dirty="0"/>
-          </a:p>
-        </p:txBody>
-      </p:sp>
-    </p:spTree>
-    <p:extLst>
-      <p:ext uri="{BB962C8B-B14F-4D97-AF65-F5344CB8AC3E}">
-        <p14:creationId xmlns:p14="http://schemas.microsoft.com/office/powerpoint/2010/main" val="1039743703"/>
-      </p:ext>
-    </p:extLst>
-  </p:cSld>
-  <p:clrMapOvr>
-    <a:masterClrMapping/>
-  </p:clrMapOvr>
-  <mc:AlternateContent xmlns:mc="http://schemas.openxmlformats.org/markup-compatibility/2006">
-    <mc:Choice xmlns:p14="http://schemas.microsoft.com/office/powerpoint/2010/main" Requires="p14">
-      <p:transition spd="slow" p14:dur="2000"/>
-    </mc:Choice>
-    <mc:Fallback>
-      <p:transition spd="slow"/>
-    </mc:Fallback>
-  </mc:AlternateContent>
-  <p:timing>
-    <p:tnLst>
-      <p:par>
-        <p:cTn id="1" dur="indefinite" restart="never" nodeType="tmRoot">
-          <p:childTnLst>
-            <p:seq concurrent="1" nextAc="seek">
-              <p:cTn id="2" dur="indefinite" nodeType="mainSeq">
-                <p:childTnLst>
-                  <p:par>
-                    <p:cTn id="3" fill="hold">
-                      <p:stCondLst>
-                        <p:cond delay="indefinite"/>
-                      </p:stCondLst>
-                      <p:childTnLst>
-                        <p:par>
-                          <p:cTn id="4" fill="hold">
-                            <p:stCondLst>
-                              <p:cond delay="0"/>
-                            </p:stCondLst>
-                            <p:childTnLst>
-                              <p:par>
-                                <p:cTn id="5" presetID="10" presetClass="entr" presetSubtype="0" fill="hold" grpId="0" nodeType="clickEffect">
-                                  <p:stCondLst>
-                                    <p:cond delay="0"/>
-                                  </p:stCondLst>
-                                  <p:childTnLst>
-                                    <p:set>
-                                      <p:cBhvr>
-                                        <p:cTn id="6" dur="1" fill="hold">
-                                          <p:stCondLst>
-                                            <p:cond delay="0"/>
-                                          </p:stCondLst>
-                                        </p:cTn>
-                                        <p:tgtEl>
-                                          <p:spTgt spid="5"/>
-                                        </p:tgtEl>
-                                        <p:attrNameLst>
-                                          <p:attrName>style.visibility</p:attrName>
-                                        </p:attrNameLst>
-                                      </p:cBhvr>
-                                      <p:to>
-                                        <p:strVal val="visible"/>
-                                      </p:to>
-                                    </p:set>
-                                    <p:animEffect transition="in" filter="fade">
-                                      <p:cBhvr>
-                                        <p:cTn id="7" dur="500"/>
-                                        <p:tgtEl>
-                                          <p:spTgt spid="5"/>
-                                        </p:tgtEl>
-                                      </p:cBhvr>
-                                    </p:animEffect>
-                                  </p:childTnLst>
-                                </p:cTn>
-                              </p:par>
-                            </p:childTnLst>
-                          </p:cTn>
-                        </p:par>
-                      </p:childTnLst>
-                    </p:cTn>
-                  </p:par>
-                  <p:par>
-                    <p:cTn id="8" fill="hold">
-                      <p:stCondLst>
-                        <p:cond delay="indefinite"/>
-                      </p:stCondLst>
-                      <p:childTnLst>
-                        <p:par>
-                          <p:cTn id="9" fill="hold">
-                            <p:stCondLst>
-                              <p:cond delay="0"/>
-                            </p:stCondLst>
-                            <p:childTnLst>
-                              <p:par>
-                                <p:cTn id="10" presetID="10" presetClass="entr" presetSubtype="0" fill="hold" grpId="0" nodeType="clickEffect">
-                                  <p:stCondLst>
-                                    <p:cond delay="0"/>
-                                  </p:stCondLst>
-                                  <p:childTnLst>
-                                    <p:set>
-                                      <p:cBhvr>
-                                        <p:cTn id="11" dur="1" fill="hold">
-                                          <p:stCondLst>
-                                            <p:cond delay="0"/>
-                                          </p:stCondLst>
-                                        </p:cTn>
-                                        <p:tgtEl>
-                                          <p:spTgt spid="6"/>
-                                        </p:tgtEl>
-                                        <p:attrNameLst>
-                                          <p:attrName>style.visibility</p:attrName>
-                                        </p:attrNameLst>
-                                      </p:cBhvr>
-                                      <p:to>
-                                        <p:strVal val="visible"/>
-                                      </p:to>
-                                    </p:set>
-                                    <p:animEffect transition="in" filter="fade">
-                                      <p:cBhvr>
-                                        <p:cTn id="12" dur="500"/>
-                                        <p:tgtEl>
-                                          <p:spTgt spid="6"/>
-                                        </p:tgtEl>
-                                      </p:cBhvr>
-                                    </p:animEffect>
-                                  </p:childTnLst>
-                                </p:cTn>
-                              </p:par>
-                            </p:childTnLst>
-                          </p:cTn>
-                        </p:par>
-                      </p:childTnLst>
-                    </p:cTn>
-                  </p:par>
-                  <p:par>
-                    <p:cTn id="13" fill="hold">
-                      <p:stCondLst>
-                        <p:cond delay="indefinite"/>
-                      </p:stCondLst>
-                      <p:childTnLst>
-                        <p:par>
-                          <p:cTn id="14" fill="hold">
-                            <p:stCondLst>
-                              <p:cond delay="0"/>
-                            </p:stCondLst>
-                            <p:childTnLst>
-                              <p:par>
-                                <p:cTn id="15" presetID="10" presetClass="entr" presetSubtype="0" fill="hold" grpId="0" nodeType="clickEffect">
-                                  <p:stCondLst>
-                                    <p:cond delay="0"/>
-                                  </p:stCondLst>
-                                  <p:childTnLst>
-                                    <p:set>
-                                      <p:cBhvr>
-                                        <p:cTn id="16" dur="1" fill="hold">
-                                          <p:stCondLst>
-                                            <p:cond delay="0"/>
-                                          </p:stCondLst>
-                                        </p:cTn>
-                                        <p:tgtEl>
-                                          <p:spTgt spid="7"/>
-                                        </p:tgtEl>
-                                        <p:attrNameLst>
-                                          <p:attrName>style.visibility</p:attrName>
-                                        </p:attrNameLst>
-                                      </p:cBhvr>
-                                      <p:to>
-                                        <p:strVal val="visible"/>
-                                      </p:to>
-                                    </p:set>
-                                    <p:animEffect transition="in" filter="fade">
-                                      <p:cBhvr>
-                                        <p:cTn id="17" dur="500"/>
-                                        <p:tgtEl>
-                                          <p:spTgt spid="7"/>
-                                        </p:tgtEl>
-                                      </p:cBhvr>
-                                    </p:animEffect>
-                                  </p:childTnLst>
-                                </p:cTn>
-                              </p:par>
-                            </p:childTnLst>
-                          </p:cTn>
-                        </p:par>
-                      </p:childTnLst>
-                    </p:cTn>
-                  </p:par>
-                  <p:par>
-                    <p:cTn id="18" fill="hold">
-                      <p:stCondLst>
-                        <p:cond delay="indefinite"/>
-                      </p:stCondLst>
-                      <p:childTnLst>
-                        <p:par>
-                          <p:cTn id="19" fill="hold">
-                            <p:stCondLst>
-                              <p:cond delay="0"/>
-                            </p:stCondLst>
-                            <p:childTnLst>
-                              <p:par>
-                                <p:cTn id="20" presetID="10" presetClass="entr" presetSubtype="0" fill="hold" grpId="0" nodeType="clickEffect">
-                                  <p:stCondLst>
-                                    <p:cond delay="0"/>
-                                  </p:stCondLst>
-                                  <p:childTnLst>
-                                    <p:set>
-                                      <p:cBhvr>
-                                        <p:cTn id="21" dur="1" fill="hold">
-                                          <p:stCondLst>
-                                            <p:cond delay="0"/>
-                                          </p:stCondLst>
-                                        </p:cTn>
-                                        <p:tgtEl>
-                                          <p:spTgt spid="8"/>
-                                        </p:tgtEl>
-                                        <p:attrNameLst>
-                                          <p:attrName>style.visibility</p:attrName>
-                                        </p:attrNameLst>
-                                      </p:cBhvr>
-                                      <p:to>
-                                        <p:strVal val="visible"/>
-                                      </p:to>
-                                    </p:set>
-                                    <p:animEffect transition="in" filter="fade">
-                                      <p:cBhvr>
-                                        <p:cTn id="22" dur="500"/>
-                                        <p:tgtEl>
-                                          <p:spTgt spid="8"/>
-                                        </p:tgtEl>
-                                      </p:cBhvr>
-                                    </p:animEffect>
-                                  </p:childTnLst>
-                                </p:cTn>
-                              </p:par>
-                            </p:childTnLst>
-                          </p:cTn>
-                        </p:par>
-                      </p:childTnLst>
-                    </p:cTn>
-                  </p:par>
-                  <p:par>
-                    <p:cTn id="23" fill="hold">
-                      <p:stCondLst>
-                        <p:cond delay="indefinite"/>
-                      </p:stCondLst>
-                      <p:childTnLst>
-                        <p:par>
-                          <p:cTn id="24" fill="hold">
-                            <p:stCondLst>
-                              <p:cond delay="0"/>
-                            </p:stCondLst>
-                            <p:childTnLst>
-                              <p:par>
-                                <p:cTn id="25" presetID="10" presetClass="entr" presetSubtype="0" fill="hold" grpId="0" nodeType="clickEffect">
-                                  <p:stCondLst>
-                                    <p:cond delay="0"/>
-                                  </p:stCondLst>
-                                  <p:childTnLst>
-                                    <p:set>
-                                      <p:cBhvr>
-                                        <p:cTn id="26" dur="1" fill="hold">
-                                          <p:stCondLst>
-                                            <p:cond delay="0"/>
-                                          </p:stCondLst>
-                                        </p:cTn>
-                                        <p:tgtEl>
-                                          <p:spTgt spid="9"/>
-                                        </p:tgtEl>
-                                        <p:attrNameLst>
-                                          <p:attrName>style.visibility</p:attrName>
-                                        </p:attrNameLst>
-                                      </p:cBhvr>
-                                      <p:to>
-                                        <p:strVal val="visible"/>
-                                      </p:to>
-                                    </p:set>
-                                    <p:animEffect transition="in" filter="fade">
-                                      <p:cBhvr>
-                                        <p:cTn id="27" dur="500"/>
-                                        <p:tgtEl>
-                                          <p:spTgt spid="9"/>
-                                        </p:tgtEl>
-                                      </p:cBhvr>
-                                    </p:animEffect>
-                                  </p:childTnLst>
-                                </p:cTn>
-                              </p:par>
-                            </p:childTnLst>
-                          </p:cTn>
-                        </p:par>
-                      </p:childTnLst>
-                    </p:cTn>
-                  </p:par>
-                  <p:par>
-                    <p:cTn id="28" fill="hold">
-                      <p:stCondLst>
-                        <p:cond delay="indefinite"/>
-                      </p:stCondLst>
-                      <p:childTnLst>
-                        <p:par>
-                          <p:cTn id="29" fill="hold">
-                            <p:stCondLst>
-                              <p:cond delay="0"/>
-                            </p:stCondLst>
-                            <p:childTnLst>
-                              <p:par>
-                                <p:cTn id="30" presetID="10" presetClass="entr" presetSubtype="0" fill="hold" grpId="0" nodeType="clickEffect">
-                                  <p:stCondLst>
-                                    <p:cond delay="0"/>
-                                  </p:stCondLst>
-                                  <p:childTnLst>
-                                    <p:set>
-                                      <p:cBhvr>
-                                        <p:cTn id="31" dur="1" fill="hold">
-                                          <p:stCondLst>
-                                            <p:cond delay="0"/>
-                                          </p:stCondLst>
-                                        </p:cTn>
-                                        <p:tgtEl>
-                                          <p:spTgt spid="10"/>
-                                        </p:tgtEl>
-                                        <p:attrNameLst>
-                                          <p:attrName>style.visibility</p:attrName>
-                                        </p:attrNameLst>
-                                      </p:cBhvr>
-                                      <p:to>
-                                        <p:strVal val="visible"/>
-                                      </p:to>
-                                    </p:set>
-                                    <p:animEffect transition="in" filter="fade">
-                                      <p:cBhvr>
-                                        <p:cTn id="32" dur="500"/>
-                                        <p:tgtEl>
-                                          <p:spTgt spid="10"/>
-                                        </p:tgtEl>
-                                      </p:cBhvr>
-                                    </p:animEffect>
-                                  </p:childTnLst>
-                                </p:cTn>
-                              </p:par>
-                            </p:childTnLst>
-                          </p:cTn>
-                        </p:par>
-                      </p:childTnLst>
-                    </p:cTn>
-                  </p:par>
-                  <p:par>
-                    <p:cTn id="33" fill="hold">
-                      <p:stCondLst>
-                        <p:cond delay="indefinite"/>
-                      </p:stCondLst>
-                      <p:childTnLst>
-                        <p:par>
-                          <p:cTn id="34" fill="hold">
-                            <p:stCondLst>
-                              <p:cond delay="0"/>
-                            </p:stCondLst>
-                            <p:childTnLst>
-                              <p:par>
-                                <p:cTn id="35" presetID="10" presetClass="entr" presetSubtype="0" fill="hold" grpId="0" nodeType="clickEffect">
-                                  <p:stCondLst>
-                                    <p:cond delay="0"/>
-                                  </p:stCondLst>
-                                  <p:childTnLst>
-                                    <p:set>
-                                      <p:cBhvr>
-                                        <p:cTn id="36" dur="1" fill="hold">
-                                          <p:stCondLst>
-                                            <p:cond delay="0"/>
-                                          </p:stCondLst>
-                                        </p:cTn>
-                                        <p:tgtEl>
-                                          <p:spTgt spid="11"/>
-                                        </p:tgtEl>
-                                        <p:attrNameLst>
-                                          <p:attrName>style.visibility</p:attrName>
-                                        </p:attrNameLst>
-                                      </p:cBhvr>
-                                      <p:to>
-                                        <p:strVal val="visible"/>
-                                      </p:to>
-                                    </p:set>
-                                    <p:animEffect transition="in" filter="fade">
-                                      <p:cBhvr>
-                                        <p:cTn id="37" dur="500"/>
-                                        <p:tgtEl>
-                                          <p:spTgt spid="11"/>
-                                        </p:tgtEl>
-                                      </p:cBhvr>
-                                    </p:animEffect>
-                                  </p:childTnLst>
-                                </p:cTn>
-                              </p:par>
-                            </p:childTnLst>
-                          </p:cTn>
-                        </p:par>
-                      </p:childTnLst>
-                    </p:cTn>
-                  </p:par>
-                </p:childTnLst>
-              </p:cTn>
-              <p:prevCondLst>
-                <p:cond evt="onPrev" delay="0">
-                  <p:tgtEl>
-                    <p:sldTgt/>
-                  </p:tgtEl>
-                </p:cond>
-              </p:prevCondLst>
-              <p:nextCondLst>
-                <p:cond evt="onNext" delay="0">
-                  <p:tgtEl>
-                    <p:sldTgt/>
-                  </p:tgtEl>
-                </p:cond>
-              </p:nextCondLst>
-            </p:seq>
-          </p:childTnLst>
-        </p:cTn>
-      </p:par>
-    </p:tnLst>
-    <p:bldLst>
-      <p:bldP spid="11" grpId="0" animBg="1"/>
-      <p:bldP spid="5" grpId="0" animBg="1"/>
-      <p:bldP spid="6" grpId="0" animBg="1"/>
-      <p:bldP spid="7" grpId="0" animBg="1"/>
-      <p:bldP spid="8" grpId="0" animBg="1"/>
-      <p:bldP spid="9" grpId="0" animBg="1"/>
-      <p:bldP spid="10" grpId="0" animBg="1"/>
-    </p:bldLst>
-  </p:timing>
-</p:sld>
-</file>
-
-<file path=ppt/slides/slide50.xml><?xml version="1.0" encoding="utf-8"?>
+<file path=ppt/slides/slide52.xml><?xml version="1.0" encoding="utf-8"?>
 <p:sld xmlns:a="http://schemas.openxmlformats.org/drawingml/2006/main" xmlns:r="http://schemas.openxmlformats.org/officeDocument/2006/relationships" xmlns:p="http://schemas.openxmlformats.org/presentationml/2006/main">
   <p:cSld>
     <p:spTree>
@@ -45082,160 +46142,6 @@
 </p:sld>
 </file>
 
-<file path=ppt/slides/slide51.xml><?xml version="1.0" encoding="utf-8"?>
-<p:sld xmlns:a="http://schemas.openxmlformats.org/drawingml/2006/main" xmlns:r="http://schemas.openxmlformats.org/officeDocument/2006/relationships" xmlns:p="http://schemas.openxmlformats.org/presentationml/2006/main">
-  <p:cSld>
-    <p:spTree>
-      <p:nvGrpSpPr>
-        <p:cNvPr id="1" name=""/>
-        <p:cNvGrpSpPr/>
-        <p:nvPr/>
-      </p:nvGrpSpPr>
-      <p:grpSpPr>
-        <a:xfrm>
-          <a:off x="0" y="0"/>
-          <a:ext cx="0" cy="0"/>
-          <a:chOff x="0" y="0"/>
-          <a:chExt cx="0" cy="0"/>
-        </a:xfrm>
-      </p:grpSpPr>
-      <p:sp>
-        <p:nvSpPr>
-          <p:cNvPr id="4" name="標題 3"/>
-          <p:cNvSpPr>
-            <a:spLocks noGrp="1"/>
-          </p:cNvSpPr>
-          <p:nvPr>
-            <p:ph type="ctrTitle"/>
-          </p:nvPr>
-        </p:nvSpPr>
-        <p:spPr/>
-        <p:txBody>
-          <a:bodyPr/>
-          <a:lstStyle/>
-          <a:p>
-            <a:r>
-              <a:rPr lang="en-US" altLang="zh-TW" dirty="0" smtClean="0"/>
-              <a:t>Question?</a:t>
-            </a:r>
-            <a:endParaRPr lang="zh-TW" altLang="en-US" dirty="0"/>
-          </a:p>
-        </p:txBody>
-      </p:sp>
-      <p:sp>
-        <p:nvSpPr>
-          <p:cNvPr id="5" name="副標題 4"/>
-          <p:cNvSpPr>
-            <a:spLocks noGrp="1"/>
-          </p:cNvSpPr>
-          <p:nvPr>
-            <p:ph type="subTitle" idx="1"/>
-          </p:nvPr>
-        </p:nvSpPr>
-        <p:spPr/>
-        <p:txBody>
-          <a:bodyPr/>
-          <a:lstStyle/>
-          <a:p>
-            <a:endParaRPr lang="zh-TW" altLang="en-US"/>
-          </a:p>
-        </p:txBody>
-      </p:sp>
-    </p:spTree>
-    <p:extLst>
-      <p:ext uri="{BB962C8B-B14F-4D97-AF65-F5344CB8AC3E}">
-        <p14:creationId xmlns:p14="http://schemas.microsoft.com/office/powerpoint/2010/main" val="1621400371"/>
-      </p:ext>
-    </p:extLst>
-  </p:cSld>
-  <p:clrMapOvr>
-    <a:masterClrMapping/>
-  </p:clrMapOvr>
-  <p:timing>
-    <p:tnLst>
-      <p:par>
-        <p:cTn id="1" dur="indefinite" restart="never" nodeType="tmRoot"/>
-      </p:par>
-    </p:tnLst>
-  </p:timing>
-</p:sld>
-</file>
-
-<file path=ppt/slides/slide52.xml><?xml version="1.0" encoding="utf-8"?>
-<p:sld xmlns:a="http://schemas.openxmlformats.org/drawingml/2006/main" xmlns:r="http://schemas.openxmlformats.org/officeDocument/2006/relationships" xmlns:p="http://schemas.openxmlformats.org/presentationml/2006/main">
-  <p:cSld>
-    <p:spTree>
-      <p:nvGrpSpPr>
-        <p:cNvPr id="1" name=""/>
-        <p:cNvGrpSpPr/>
-        <p:nvPr/>
-      </p:nvGrpSpPr>
-      <p:grpSpPr>
-        <a:xfrm>
-          <a:off x="0" y="0"/>
-          <a:ext cx="0" cy="0"/>
-          <a:chOff x="0" y="0"/>
-          <a:chExt cx="0" cy="0"/>
-        </a:xfrm>
-      </p:grpSpPr>
-      <p:sp>
-        <p:nvSpPr>
-          <p:cNvPr id="2" name="標題 1"/>
-          <p:cNvSpPr>
-            <a:spLocks noGrp="1"/>
-          </p:cNvSpPr>
-          <p:nvPr>
-            <p:ph type="title"/>
-          </p:nvPr>
-        </p:nvSpPr>
-        <p:spPr/>
-        <p:txBody>
-          <a:bodyPr/>
-          <a:lstStyle/>
-          <a:p>
-            <a:endParaRPr lang="zh-TW" altLang="en-US"/>
-          </a:p>
-        </p:txBody>
-      </p:sp>
-      <p:sp>
-        <p:nvSpPr>
-          <p:cNvPr id="3" name="內容版面配置區 2"/>
-          <p:cNvSpPr>
-            <a:spLocks noGrp="1"/>
-          </p:cNvSpPr>
-          <p:nvPr>
-            <p:ph idx="1"/>
-          </p:nvPr>
-        </p:nvSpPr>
-        <p:spPr/>
-        <p:txBody>
-          <a:bodyPr/>
-          <a:lstStyle/>
-          <a:p>
-            <a:endParaRPr lang="zh-TW" altLang="en-US"/>
-          </a:p>
-        </p:txBody>
-      </p:sp>
-    </p:spTree>
-    <p:extLst>
-      <p:ext uri="{BB962C8B-B14F-4D97-AF65-F5344CB8AC3E}">
-        <p14:creationId xmlns:p14="http://schemas.microsoft.com/office/powerpoint/2010/main" val="3889474819"/>
-      </p:ext>
-    </p:extLst>
-  </p:cSld>
-  <p:clrMapOvr>
-    <a:masterClrMapping/>
-  </p:clrMapOvr>
-  <p:timing>
-    <p:tnLst>
-      <p:par>
-        <p:cTn id="1" dur="indefinite" restart="never" nodeType="tmRoot"/>
-      </p:par>
-    </p:tnLst>
-  </p:timing>
-</p:sld>
-</file>
-
 <file path=ppt/slides/slide53.xml><?xml version="1.0" encoding="utf-8"?>
 <p:sld xmlns:a="http://schemas.openxmlformats.org/drawingml/2006/main" xmlns:r="http://schemas.openxmlformats.org/officeDocument/2006/relationships" xmlns:p="http://schemas.openxmlformats.org/presentationml/2006/main">
   <p:cSld>
@@ -45269,8 +46175,8 @@
           <a:lstStyle/>
           <a:p>
             <a:r>
-              <a:rPr lang="zh-TW" altLang="en-US" dirty="0" smtClean="0"/>
-              <a:t>補充資料</a:t>
+              <a:rPr lang="en-US" altLang="zh-TW" dirty="0" smtClean="0"/>
+              <a:t>Question?</a:t>
             </a:r>
             <a:endParaRPr lang="zh-TW" altLang="en-US" dirty="0"/>
           </a:p>
@@ -45291,14 +46197,14 @@
           <a:bodyPr/>
           <a:lstStyle/>
           <a:p>
-            <a:endParaRPr lang="zh-TW" altLang="en-US" dirty="0"/>
+            <a:endParaRPr lang="zh-TW" altLang="en-US"/>
           </a:p>
         </p:txBody>
       </p:sp>
     </p:spTree>
     <p:extLst>
       <p:ext uri="{BB962C8B-B14F-4D97-AF65-F5344CB8AC3E}">
-        <p14:creationId xmlns:p14="http://schemas.microsoft.com/office/powerpoint/2010/main" val="704106118"/>
+        <p14:creationId xmlns:p14="http://schemas.microsoft.com/office/powerpoint/2010/main" val="1621400371"/>
       </p:ext>
     </p:extLst>
   </p:cSld>
@@ -45334,12 +46240,12 @@
       </p:grpSpPr>
       <p:sp>
         <p:nvSpPr>
-          <p:cNvPr id="4" name="標題 3"/>
+          <p:cNvPr id="2" name="標題 1"/>
           <p:cNvSpPr>
             <a:spLocks noGrp="1"/>
           </p:cNvSpPr>
           <p:nvPr>
-            <p:ph type="ctrTitle"/>
+            <p:ph type="title"/>
           </p:nvPr>
         </p:nvSpPr>
         <p:spPr/>
@@ -45349,11 +46255,7 @@
           <a:p>
             <a:r>
               <a:rPr lang="en-US" altLang="zh-TW" dirty="0" smtClean="0"/>
-              <a:t>API </a:t>
-            </a:r>
-            <a:r>
-              <a:rPr lang="zh-TW" altLang="en-US" dirty="0" smtClean="0"/>
-              <a:t>的向前相容機制</a:t>
+              <a:t>Next (01/19)</a:t>
             </a:r>
             <a:endParaRPr lang="zh-TW" altLang="en-US" dirty="0"/>
           </a:p>
@@ -45361,27 +46263,86 @@
       </p:sp>
       <p:sp>
         <p:nvSpPr>
-          <p:cNvPr id="5" name="副標題 4"/>
+          <p:cNvPr id="3" name="內容版面配置區 2"/>
           <p:cNvSpPr>
             <a:spLocks noGrp="1"/>
           </p:cNvSpPr>
           <p:nvPr>
-            <p:ph type="subTitle" idx="1"/>
+            <p:ph idx="1"/>
           </p:nvPr>
         </p:nvSpPr>
         <p:spPr/>
         <p:txBody>
-          <a:bodyPr/>
+          <a:bodyPr>
+            <a:normAutofit/>
+          </a:bodyPr>
           <a:lstStyle/>
           <a:p>
-            <a:endParaRPr lang="zh-TW" altLang="en-US"/>
+            <a:pPr marL="514350" indent="-514350">
+              <a:buFont typeface="+mj-lt"/>
+              <a:buAutoNum type="arabicPeriod"/>
+            </a:pPr>
+            <a:r>
+              <a:rPr lang="en-US" altLang="zh-TW" sz="2800" dirty="0" smtClean="0"/>
+              <a:t>POC (</a:t>
+            </a:r>
+            <a:r>
+              <a:rPr lang="zh-TW" altLang="en-US" sz="2800" dirty="0" smtClean="0"/>
+              <a:t>配合微服務架構的開發流程</a:t>
+            </a:r>
+            <a:r>
+              <a:rPr lang="en-US" altLang="zh-TW" sz="2800" dirty="0" smtClean="0"/>
+              <a:t>)</a:t>
+            </a:r>
+          </a:p>
+          <a:p>
+            <a:pPr marL="514350" indent="-514350">
+              <a:buFont typeface="+mj-lt"/>
+              <a:buAutoNum type="arabicPeriod"/>
+            </a:pPr>
+            <a:endParaRPr lang="en-US" altLang="zh-TW" sz="2800" dirty="0" smtClean="0"/>
+          </a:p>
+          <a:p>
+            <a:pPr marL="514350" indent="-514350">
+              <a:buFont typeface="+mj-lt"/>
+              <a:buAutoNum type="arabicPeriod"/>
+            </a:pPr>
+            <a:r>
+              <a:rPr lang="en-US" altLang="zh-TW" sz="2800" dirty="0" smtClean="0"/>
+              <a:t>Q &amp; A (</a:t>
+            </a:r>
+            <a:r>
+              <a:rPr lang="zh-TW" altLang="en-US" sz="2800" dirty="0" smtClean="0"/>
+              <a:t>可以先透過 </a:t>
+            </a:r>
+            <a:r>
+              <a:rPr lang="en-US" altLang="zh-TW" sz="2800" dirty="0" smtClean="0"/>
+              <a:t>GitHub</a:t>
+            </a:r>
+            <a:r>
+              <a:rPr lang="zh-TW" altLang="en-US" sz="2800" dirty="0" smtClean="0"/>
+              <a:t> </a:t>
+            </a:r>
+            <a:r>
+              <a:rPr lang="en-US" altLang="zh-TW" sz="2800" dirty="0" smtClean="0"/>
+              <a:t>Issues</a:t>
+            </a:r>
+            <a:r>
+              <a:rPr lang="zh-TW" altLang="en-US" sz="2800" dirty="0" smtClean="0"/>
+              <a:t> 提問</a:t>
+            </a:r>
+            <a:r>
+              <a:rPr lang="en-US" altLang="zh-TW" sz="2800" dirty="0" smtClean="0"/>
+              <a:t>)</a:t>
+            </a:r>
+            <a:endParaRPr lang="zh-TW" altLang="en-US" sz="2800" dirty="0"/>
           </a:p>
         </p:txBody>
       </p:sp>
     </p:spTree>
     <p:extLst>
       <p:ext uri="{BB962C8B-B14F-4D97-AF65-F5344CB8AC3E}">
-        <p14:creationId xmlns:p14="http://schemas.microsoft.com/office/powerpoint/2010/main" val="3063803669"/>
+        <p14:creationId xmlns:p14="http://schemas.microsoft.com/office/powerpoint/2010/main" val="3889474819"/>
       </p:ext>
     </p:extLst>
   </p:cSld>
@@ -45417,6 +46378,168 @@
       </p:grpSpPr>
       <p:sp>
         <p:nvSpPr>
+          <p:cNvPr id="4" name="標題 3"/>
+          <p:cNvSpPr>
+            <a:spLocks noGrp="1"/>
+          </p:cNvSpPr>
+          <p:nvPr>
+            <p:ph type="ctrTitle"/>
+          </p:nvPr>
+        </p:nvSpPr>
+        <p:spPr/>
+        <p:txBody>
+          <a:bodyPr/>
+          <a:lstStyle/>
+          <a:p>
+            <a:r>
+              <a:rPr lang="zh-TW" altLang="en-US" dirty="0" smtClean="0"/>
+              <a:t>補充資料</a:t>
+            </a:r>
+            <a:endParaRPr lang="zh-TW" altLang="en-US" dirty="0"/>
+          </a:p>
+        </p:txBody>
+      </p:sp>
+      <p:sp>
+        <p:nvSpPr>
+          <p:cNvPr id="5" name="副標題 4"/>
+          <p:cNvSpPr>
+            <a:spLocks noGrp="1"/>
+          </p:cNvSpPr>
+          <p:nvPr>
+            <p:ph type="subTitle" idx="1"/>
+          </p:nvPr>
+        </p:nvSpPr>
+        <p:spPr/>
+        <p:txBody>
+          <a:bodyPr/>
+          <a:lstStyle/>
+          <a:p>
+            <a:endParaRPr lang="zh-TW" altLang="en-US" dirty="0"/>
+          </a:p>
+        </p:txBody>
+      </p:sp>
+    </p:spTree>
+    <p:extLst>
+      <p:ext uri="{BB962C8B-B14F-4D97-AF65-F5344CB8AC3E}">
+        <p14:creationId xmlns:p14="http://schemas.microsoft.com/office/powerpoint/2010/main" val="704106118"/>
+      </p:ext>
+    </p:extLst>
+  </p:cSld>
+  <p:clrMapOvr>
+    <a:masterClrMapping/>
+  </p:clrMapOvr>
+  <p:timing>
+    <p:tnLst>
+      <p:par>
+        <p:cTn id="1" dur="indefinite" restart="never" nodeType="tmRoot"/>
+      </p:par>
+    </p:tnLst>
+  </p:timing>
+</p:sld>
+</file>
+
+<file path=ppt/slides/slide56.xml><?xml version="1.0" encoding="utf-8"?>
+<p:sld xmlns:a="http://schemas.openxmlformats.org/drawingml/2006/main" xmlns:r="http://schemas.openxmlformats.org/officeDocument/2006/relationships" xmlns:p="http://schemas.openxmlformats.org/presentationml/2006/main">
+  <p:cSld>
+    <p:spTree>
+      <p:nvGrpSpPr>
+        <p:cNvPr id="1" name=""/>
+        <p:cNvGrpSpPr/>
+        <p:nvPr/>
+      </p:nvGrpSpPr>
+      <p:grpSpPr>
+        <a:xfrm>
+          <a:off x="0" y="0"/>
+          <a:ext cx="0" cy="0"/>
+          <a:chOff x="0" y="0"/>
+          <a:chExt cx="0" cy="0"/>
+        </a:xfrm>
+      </p:grpSpPr>
+      <p:sp>
+        <p:nvSpPr>
+          <p:cNvPr id="4" name="標題 3"/>
+          <p:cNvSpPr>
+            <a:spLocks noGrp="1"/>
+          </p:cNvSpPr>
+          <p:nvPr>
+            <p:ph type="ctrTitle"/>
+          </p:nvPr>
+        </p:nvSpPr>
+        <p:spPr/>
+        <p:txBody>
+          <a:bodyPr/>
+          <a:lstStyle/>
+          <a:p>
+            <a:r>
+              <a:rPr lang="en-US" altLang="zh-TW" dirty="0" smtClean="0"/>
+              <a:t>API </a:t>
+            </a:r>
+            <a:r>
+              <a:rPr lang="zh-TW" altLang="en-US" dirty="0" smtClean="0"/>
+              <a:t>的向前相容機制</a:t>
+            </a:r>
+            <a:endParaRPr lang="zh-TW" altLang="en-US" dirty="0"/>
+          </a:p>
+        </p:txBody>
+      </p:sp>
+      <p:sp>
+        <p:nvSpPr>
+          <p:cNvPr id="5" name="副標題 4"/>
+          <p:cNvSpPr>
+            <a:spLocks noGrp="1"/>
+          </p:cNvSpPr>
+          <p:nvPr>
+            <p:ph type="subTitle" idx="1"/>
+          </p:nvPr>
+        </p:nvSpPr>
+        <p:spPr/>
+        <p:txBody>
+          <a:bodyPr/>
+          <a:lstStyle/>
+          <a:p>
+            <a:endParaRPr lang="zh-TW" altLang="en-US"/>
+          </a:p>
+        </p:txBody>
+      </p:sp>
+    </p:spTree>
+    <p:extLst>
+      <p:ext uri="{BB962C8B-B14F-4D97-AF65-F5344CB8AC3E}">
+        <p14:creationId xmlns:p14="http://schemas.microsoft.com/office/powerpoint/2010/main" val="3063803669"/>
+      </p:ext>
+    </p:extLst>
+  </p:cSld>
+  <p:clrMapOvr>
+    <a:masterClrMapping/>
+  </p:clrMapOvr>
+  <p:timing>
+    <p:tnLst>
+      <p:par>
+        <p:cTn id="1" dur="indefinite" restart="never" nodeType="tmRoot"/>
+      </p:par>
+    </p:tnLst>
+  </p:timing>
+</p:sld>
+</file>
+
+<file path=ppt/slides/slide57.xml><?xml version="1.0" encoding="utf-8"?>
+<p:sld xmlns:a="http://schemas.openxmlformats.org/drawingml/2006/main" xmlns:r="http://schemas.openxmlformats.org/officeDocument/2006/relationships" xmlns:p="http://schemas.openxmlformats.org/presentationml/2006/main">
+  <p:cSld>
+    <p:spTree>
+      <p:nvGrpSpPr>
+        <p:cNvPr id="1" name=""/>
+        <p:cNvGrpSpPr/>
+        <p:nvPr/>
+      </p:nvGrpSpPr>
+      <p:grpSpPr>
+        <a:xfrm>
+          <a:off x="0" y="0"/>
+          <a:ext cx="0" cy="0"/>
+          <a:chOff x="0" y="0"/>
+          <a:chExt cx="0" cy="0"/>
+        </a:xfrm>
+      </p:grpSpPr>
+      <p:sp>
+        <p:nvSpPr>
           <p:cNvPr id="2" name="標題 1"/>
           <p:cNvSpPr>
             <a:spLocks noGrp="1"/>
@@ -45628,7 +46751,7 @@
 </p:sld>
 </file>
 
-<file path=ppt/slides/slide56.xml><?xml version="1.0" encoding="utf-8"?>
+<file path=ppt/slides/slide58.xml><?xml version="1.0" encoding="utf-8"?>
 <p:sld xmlns:a="http://schemas.openxmlformats.org/drawingml/2006/main" xmlns:r="http://schemas.openxmlformats.org/officeDocument/2006/relationships" xmlns:p="http://schemas.openxmlformats.org/presentationml/2006/main">
   <p:cSld>
     <p:spTree>
@@ -45785,313 +46908,6 @@
 </p:sld>
 </file>
 
-<file path=ppt/slides/slide57.xml><?xml version="1.0" encoding="utf-8"?>
-<p:sld xmlns:a="http://schemas.openxmlformats.org/drawingml/2006/main" xmlns:r="http://schemas.openxmlformats.org/officeDocument/2006/relationships" xmlns:p="http://schemas.openxmlformats.org/presentationml/2006/main">
-  <p:cSld>
-    <p:spTree>
-      <p:nvGrpSpPr>
-        <p:cNvPr id="1" name=""/>
-        <p:cNvGrpSpPr/>
-        <p:nvPr/>
-      </p:nvGrpSpPr>
-      <p:grpSpPr>
-        <a:xfrm>
-          <a:off x="0" y="0"/>
-          <a:ext cx="0" cy="0"/>
-          <a:chOff x="0" y="0"/>
-          <a:chExt cx="0" cy="0"/>
-        </a:xfrm>
-      </p:grpSpPr>
-      <p:sp>
-        <p:nvSpPr>
-          <p:cNvPr id="2" name="標題 1"/>
-          <p:cNvSpPr>
-            <a:spLocks noGrp="1"/>
-          </p:cNvSpPr>
-          <p:nvPr>
-            <p:ph type="title"/>
-          </p:nvPr>
-        </p:nvSpPr>
-        <p:spPr/>
-        <p:txBody>
-          <a:bodyPr/>
-          <a:lstStyle/>
-          <a:p>
-            <a:r>
-              <a:rPr lang="en-US" altLang="zh-TW" dirty="0" smtClean="0"/>
-              <a:t>A:</a:t>
-            </a:r>
-            <a:r>
-              <a:rPr lang="zh-TW" altLang="en-US" dirty="0" smtClean="0"/>
-              <a:t> 因為硬體都有介面規範 </a:t>
-            </a:r>
-            <a:r>
-              <a:rPr lang="en-US" altLang="zh-TW" dirty="0" smtClean="0"/>
-              <a:t>(interface)</a:t>
-            </a:r>
-            <a:endParaRPr lang="zh-TW" altLang="en-US" dirty="0"/>
-          </a:p>
-        </p:txBody>
-      </p:sp>
-      <p:sp>
-        <p:nvSpPr>
-          <p:cNvPr id="3" name="內容版面配置區 2"/>
-          <p:cNvSpPr>
-            <a:spLocks noGrp="1"/>
-          </p:cNvSpPr>
-          <p:nvPr>
-            <p:ph idx="1"/>
-          </p:nvPr>
-        </p:nvSpPr>
-        <p:spPr/>
-        <p:txBody>
-          <a:bodyPr>
-            <a:normAutofit lnSpcReduction="10000"/>
-          </a:bodyPr>
-          <a:lstStyle/>
-          <a:p>
-            <a:endParaRPr lang="en-US" altLang="zh-TW" sz="2800" dirty="0" smtClean="0"/>
-          </a:p>
-          <a:p>
-            <a:r>
-              <a:rPr lang="zh-TW" altLang="en-US" sz="2800" dirty="0" smtClean="0"/>
-              <a:t>只要 </a:t>
-            </a:r>
-            <a:r>
-              <a:rPr lang="en-US" altLang="zh-TW" sz="2800" dirty="0" smtClean="0"/>
-              <a:t>Host / Device </a:t>
-            </a:r>
-            <a:r>
-              <a:rPr lang="zh-TW" altLang="en-US" sz="2800" dirty="0" smtClean="0"/>
-              <a:t>都</a:t>
-            </a:r>
-            <a:r>
-              <a:rPr lang="zh-TW" altLang="en-US" sz="2800" b="1" dirty="0" smtClean="0">
-                <a:solidFill>
-                  <a:srgbClr val="FF0000"/>
-                </a:solidFill>
-              </a:rPr>
-              <a:t>符合 </a:t>
-            </a:r>
-            <a:r>
-              <a:rPr lang="en-US" altLang="zh-TW" sz="2800" b="1" dirty="0" smtClean="0">
-                <a:solidFill>
-                  <a:srgbClr val="FF0000"/>
-                </a:solidFill>
-              </a:rPr>
-              <a:t>Interface</a:t>
-            </a:r>
-            <a:r>
-              <a:rPr lang="zh-TW" altLang="en-US" sz="2800" b="1" dirty="0" smtClean="0">
-                <a:solidFill>
-                  <a:srgbClr val="FF0000"/>
-                </a:solidFill>
-              </a:rPr>
-              <a:t> 設計規範</a:t>
-            </a:r>
-            <a:r>
-              <a:rPr lang="zh-TW" altLang="en-US" sz="2800" dirty="0" smtClean="0"/>
-              <a:t>，彼此就能搭配使用。</a:t>
-            </a:r>
-            <a:endParaRPr lang="en-US" altLang="zh-TW" sz="2800" dirty="0" smtClean="0"/>
-          </a:p>
-          <a:p>
-            <a:endParaRPr lang="en-US" altLang="zh-TW" sz="2800" dirty="0"/>
-          </a:p>
-          <a:p>
-            <a:r>
-              <a:rPr lang="en-US" altLang="zh-TW" sz="2800" dirty="0" smtClean="0"/>
-              <a:t>Interface </a:t>
-            </a:r>
-            <a:r>
-              <a:rPr lang="zh-TW" altLang="en-US" sz="2800" dirty="0" smtClean="0"/>
-              <a:t>只要更改 </a:t>
-            </a:r>
-            <a:r>
-              <a:rPr lang="en-US" altLang="zh-TW" sz="2800" dirty="0" smtClean="0"/>
-              <a:t>(ex: USB </a:t>
-            </a:r>
-            <a:r>
-              <a:rPr lang="en-US" altLang="zh-TW" sz="2800" dirty="0" err="1" smtClean="0"/>
-              <a:t>v.s</a:t>
-            </a:r>
-            <a:r>
-              <a:rPr lang="en-US" altLang="zh-TW" sz="2800" dirty="0" smtClean="0"/>
-              <a:t>. USB TYPE-C), </a:t>
-            </a:r>
-            <a:r>
-              <a:rPr lang="zh-TW" altLang="en-US" sz="2800" dirty="0" smtClean="0"/>
-              <a:t>設備就無法直接使用，需要透過</a:t>
-            </a:r>
-            <a:r>
-              <a:rPr lang="zh-TW" altLang="en-US" sz="2800" b="1" dirty="0" smtClean="0">
-                <a:solidFill>
-                  <a:srgbClr val="FF0000"/>
-                </a:solidFill>
-              </a:rPr>
-              <a:t>轉接頭</a:t>
-            </a:r>
-            <a:r>
-              <a:rPr lang="zh-TW" altLang="en-US" sz="2800" dirty="0" smtClean="0"/>
-              <a:t>。</a:t>
-            </a:r>
-            <a:endParaRPr lang="en-US" altLang="zh-TW" sz="2800" dirty="0" smtClean="0"/>
-          </a:p>
-          <a:p>
-            <a:endParaRPr lang="en-US" altLang="zh-TW" sz="2800" dirty="0"/>
-          </a:p>
-          <a:p>
-            <a:r>
-              <a:rPr lang="en-US" altLang="zh-TW" sz="2800" dirty="0" smtClean="0"/>
-              <a:t>USB1.0</a:t>
-            </a:r>
-            <a:r>
-              <a:rPr lang="zh-TW" altLang="en-US" sz="2800" dirty="0" smtClean="0"/>
-              <a:t> 最早的規格在 </a:t>
-            </a:r>
-            <a:r>
-              <a:rPr lang="en-US" altLang="zh-TW" sz="2800" b="1" dirty="0" smtClean="0">
-                <a:solidFill>
-                  <a:srgbClr val="FF0000"/>
-                </a:solidFill>
-              </a:rPr>
-              <a:t>1996</a:t>
-            </a:r>
-            <a:r>
-              <a:rPr lang="zh-TW" altLang="en-US" sz="2800" dirty="0" smtClean="0"/>
-              <a:t> 定案</a:t>
-            </a:r>
-            <a:r>
-              <a:rPr lang="en-US" altLang="zh-TW" sz="2800" dirty="0" smtClean="0"/>
-              <a:t>, </a:t>
-            </a:r>
-            <a:r>
-              <a:rPr lang="zh-TW" altLang="en-US" sz="2800" dirty="0" smtClean="0"/>
-              <a:t>當時的設備到現在都還能使用。</a:t>
-            </a:r>
-            <a:endParaRPr lang="zh-TW" altLang="en-US" sz="2800" dirty="0"/>
-          </a:p>
-        </p:txBody>
-      </p:sp>
-    </p:spTree>
-    <p:extLst>
-      <p:ext uri="{BB962C8B-B14F-4D97-AF65-F5344CB8AC3E}">
-        <p14:creationId xmlns:p14="http://schemas.microsoft.com/office/powerpoint/2010/main" val="334168314"/>
-      </p:ext>
-    </p:extLst>
-  </p:cSld>
-  <p:clrMapOvr>
-    <a:masterClrMapping/>
-  </p:clrMapOvr>
-  <p:timing>
-    <p:tnLst>
-      <p:par>
-        <p:cTn id="1" dur="indefinite" restart="never" nodeType="tmRoot"/>
-      </p:par>
-    </p:tnLst>
-  </p:timing>
-</p:sld>
-</file>
-
-<file path=ppt/slides/slide58.xml><?xml version="1.0" encoding="utf-8"?>
-<p:sld xmlns:a="http://schemas.openxmlformats.org/drawingml/2006/main" xmlns:r="http://schemas.openxmlformats.org/officeDocument/2006/relationships" xmlns:p="http://schemas.openxmlformats.org/presentationml/2006/main">
-  <p:cSld>
-    <p:spTree>
-      <p:nvGrpSpPr>
-        <p:cNvPr id="1" name=""/>
-        <p:cNvGrpSpPr/>
-        <p:nvPr/>
-      </p:nvGrpSpPr>
-      <p:grpSpPr>
-        <a:xfrm>
-          <a:off x="0" y="0"/>
-          <a:ext cx="0" cy="0"/>
-          <a:chOff x="0" y="0"/>
-          <a:chExt cx="0" cy="0"/>
-        </a:xfrm>
-      </p:grpSpPr>
-      <p:sp>
-        <p:nvSpPr>
-          <p:cNvPr id="2" name="標題 1"/>
-          <p:cNvSpPr>
-            <a:spLocks noGrp="1"/>
-          </p:cNvSpPr>
-          <p:nvPr>
-            <p:ph type="title"/>
-          </p:nvPr>
-        </p:nvSpPr>
-        <p:spPr/>
-        <p:txBody>
-          <a:bodyPr/>
-          <a:lstStyle/>
-          <a:p>
-            <a:r>
-              <a:rPr lang="zh-TW" altLang="en-US" dirty="0" smtClean="0"/>
-              <a:t>服務的介面 </a:t>
-            </a:r>
-            <a:r>
-              <a:rPr lang="en-US" altLang="zh-TW" dirty="0" smtClean="0"/>
-              <a:t>(API)</a:t>
-            </a:r>
-            <a:r>
-              <a:rPr lang="zh-TW" altLang="en-US" dirty="0" smtClean="0"/>
-              <a:t> 如何像 </a:t>
-            </a:r>
-            <a:r>
-              <a:rPr lang="en-US" altLang="zh-TW" dirty="0" smtClean="0"/>
-              <a:t>USB</a:t>
-            </a:r>
-            <a:r>
-              <a:rPr lang="zh-TW" altLang="en-US" dirty="0" smtClean="0"/>
-              <a:t> 般長壽</a:t>
-            </a:r>
-            <a:r>
-              <a:rPr lang="en-US" altLang="zh-TW" dirty="0" smtClean="0"/>
-              <a:t>?</a:t>
-            </a:r>
-            <a:endParaRPr lang="zh-TW" altLang="en-US" dirty="0"/>
-          </a:p>
-        </p:txBody>
-      </p:sp>
-      <p:sp>
-        <p:nvSpPr>
-          <p:cNvPr id="3" name="內容版面配置區 2"/>
-          <p:cNvSpPr>
-            <a:spLocks noGrp="1"/>
-          </p:cNvSpPr>
-          <p:nvPr>
-            <p:ph idx="1"/>
-          </p:nvPr>
-        </p:nvSpPr>
-        <p:spPr/>
-        <p:txBody>
-          <a:bodyPr/>
-          <a:lstStyle/>
-          <a:p>
-            <a:endParaRPr lang="zh-TW" altLang="en-US"/>
-          </a:p>
-        </p:txBody>
-      </p:sp>
-    </p:spTree>
-    <p:extLst>
-      <p:ext uri="{BB962C8B-B14F-4D97-AF65-F5344CB8AC3E}">
-        <p14:creationId xmlns:p14="http://schemas.microsoft.com/office/powerpoint/2010/main" val="478913659"/>
-      </p:ext>
-    </p:extLst>
-  </p:cSld>
-  <p:clrMapOvr>
-    <a:masterClrMapping/>
-  </p:clrMapOvr>
-  <p:timing>
-    <p:tnLst>
-      <p:par>
-        <p:cTn id="1" dur="indefinite" restart="never" nodeType="tmRoot"/>
-      </p:par>
-    </p:tnLst>
-  </p:timing>
-</p:sld>
-</file>
-
 <file path=ppt/slides/slide59.xml><?xml version="1.0" encoding="utf-8"?>
 <p:sld xmlns:a="http://schemas.openxmlformats.org/drawingml/2006/main" xmlns:r="http://schemas.openxmlformats.org/officeDocument/2006/relationships" xmlns:p="http://schemas.openxmlformats.org/presentationml/2006/main">
   <p:cSld>
@@ -46124,7 +46940,19 @@
           <a:bodyPr/>
           <a:lstStyle/>
           <a:p>
-            <a:endParaRPr lang="zh-TW" altLang="en-US"/>
+            <a:r>
+              <a:rPr lang="en-US" altLang="zh-TW" dirty="0" smtClean="0"/>
+              <a:t>A:</a:t>
+            </a:r>
+            <a:r>
+              <a:rPr lang="zh-TW" altLang="en-US" dirty="0" smtClean="0"/>
+              <a:t> 因為硬體都有介面規範 </a:t>
+            </a:r>
+            <a:r>
+              <a:rPr lang="en-US" altLang="zh-TW" dirty="0" smtClean="0"/>
+              <a:t>(interface)</a:t>
+            </a:r>
+            <a:endParaRPr lang="zh-TW" altLang="en-US" dirty="0"/>
           </a:p>
         </p:txBody>
       </p:sp>
@@ -46140,17 +46968,138 @@
         </p:nvSpPr>
         <p:spPr/>
         <p:txBody>
-          <a:bodyPr/>
+          <a:bodyPr>
+            <a:normAutofit lnSpcReduction="10000"/>
+          </a:bodyPr>
           <a:lstStyle/>
           <a:p>
-            <a:endParaRPr lang="zh-TW" altLang="en-US"/>
+            <a:endParaRPr lang="en-US" altLang="zh-TW" sz="2800" dirty="0" smtClean="0"/>
+          </a:p>
+          <a:p>
+            <a:r>
+              <a:rPr lang="zh-TW" altLang="en-US" sz="2800" dirty="0" smtClean="0"/>
+              <a:t>只要 </a:t>
+            </a:r>
+            <a:r>
+              <a:rPr lang="en-US" altLang="zh-TW" sz="2800" dirty="0" smtClean="0"/>
+              <a:t>Host / Device </a:t>
+            </a:r>
+            <a:r>
+              <a:rPr lang="zh-TW" altLang="en-US" sz="2800" dirty="0" smtClean="0"/>
+              <a:t>都</a:t>
+            </a:r>
+            <a:r>
+              <a:rPr lang="zh-TW" altLang="en-US" sz="2800" b="1" dirty="0" smtClean="0">
+                <a:solidFill>
+                  <a:srgbClr val="FF0000"/>
+                </a:solidFill>
+              </a:rPr>
+              <a:t>符合 </a:t>
+            </a:r>
+            <a:r>
+              <a:rPr lang="en-US" altLang="zh-TW" sz="2800" b="1" dirty="0" smtClean="0">
+                <a:solidFill>
+                  <a:srgbClr val="FF0000"/>
+                </a:solidFill>
+              </a:rPr>
+              <a:t>Interface</a:t>
+            </a:r>
+            <a:r>
+              <a:rPr lang="zh-TW" altLang="en-US" sz="2800" b="1" dirty="0" smtClean="0">
+                <a:solidFill>
+                  <a:srgbClr val="FF0000"/>
+                </a:solidFill>
+              </a:rPr>
+              <a:t> 設計規範</a:t>
+            </a:r>
+            <a:r>
+              <a:rPr lang="zh-TW" altLang="en-US" sz="2800" dirty="0" smtClean="0"/>
+              <a:t>，彼此就能搭配使用。</a:t>
+            </a:r>
+            <a:endParaRPr lang="en-US" altLang="zh-TW" sz="2800" dirty="0" smtClean="0"/>
+          </a:p>
+          <a:p>
+            <a:endParaRPr lang="en-US" altLang="zh-TW" sz="2800" dirty="0"/>
+          </a:p>
+          <a:p>
+            <a:r>
+              <a:rPr lang="en-US" altLang="zh-TW" sz="2800" dirty="0" smtClean="0"/>
+              <a:t>Interface </a:t>
+            </a:r>
+            <a:r>
+              <a:rPr lang="zh-TW" altLang="en-US" sz="2800" dirty="0" smtClean="0"/>
+              <a:t>只要更改 </a:t>
+            </a:r>
+            <a:r>
+              <a:rPr lang="en-US" altLang="zh-TW" sz="2800" dirty="0" smtClean="0"/>
+              <a:t>(ex: USB </a:t>
+            </a:r>
+            <a:r>
+              <a:rPr lang="en-US" altLang="zh-TW" sz="2800" dirty="0" err="1" smtClean="0"/>
+              <a:t>v.s</a:t>
+            </a:r>
+            <a:r>
+              <a:rPr lang="en-US" altLang="zh-TW" sz="2800" dirty="0" smtClean="0"/>
+              <a:t>. USB TYPE-C), </a:t>
+            </a:r>
+            <a:r>
+              <a:rPr lang="zh-TW" altLang="en-US" sz="2800" dirty="0" smtClean="0"/>
+              <a:t>設備就無法直接使用，需要透過</a:t>
+            </a:r>
+            <a:r>
+              <a:rPr lang="zh-TW" altLang="en-US" sz="2800" b="1" dirty="0" smtClean="0">
+                <a:solidFill>
+                  <a:srgbClr val="FF0000"/>
+                </a:solidFill>
+              </a:rPr>
+              <a:t>轉接頭</a:t>
+            </a:r>
+            <a:r>
+              <a:rPr lang="zh-TW" altLang="en-US" sz="2800" dirty="0" smtClean="0"/>
+              <a:t>。</a:t>
+            </a:r>
+            <a:endParaRPr lang="en-US" altLang="zh-TW" sz="2800" dirty="0" smtClean="0"/>
+          </a:p>
+          <a:p>
+            <a:endParaRPr lang="en-US" altLang="zh-TW" sz="2800" dirty="0"/>
+          </a:p>
+          <a:p>
+            <a:r>
+              <a:rPr lang="en-US" altLang="zh-TW" sz="2800" dirty="0" smtClean="0"/>
+              <a:t>USB1.0</a:t>
+            </a:r>
+            <a:r>
+              <a:rPr lang="zh-TW" altLang="en-US" sz="2800" dirty="0" smtClean="0"/>
+              <a:t> 最早的規格在 </a:t>
+            </a:r>
+            <a:r>
+              <a:rPr lang="en-US" altLang="zh-TW" sz="2800" b="1" dirty="0" smtClean="0">
+                <a:solidFill>
+                  <a:srgbClr val="FF0000"/>
+                </a:solidFill>
+              </a:rPr>
+              <a:t>1996</a:t>
+            </a:r>
+            <a:r>
+              <a:rPr lang="zh-TW" altLang="en-US" sz="2800" dirty="0" smtClean="0"/>
+              <a:t> 定案</a:t>
+            </a:r>
+            <a:r>
+              <a:rPr lang="en-US" altLang="zh-TW" sz="2800" dirty="0" smtClean="0"/>
+              <a:t>, </a:t>
+            </a:r>
+            <a:r>
+              <a:rPr lang="zh-TW" altLang="en-US" sz="2800" dirty="0" smtClean="0"/>
+              <a:t>當時的設備到現在都還能使用。</a:t>
+            </a:r>
+            <a:endParaRPr lang="zh-TW" altLang="en-US" sz="2800" dirty="0"/>
           </a:p>
         </p:txBody>
       </p:sp>
     </p:spTree>
     <p:extLst>
       <p:ext uri="{BB962C8B-B14F-4D97-AF65-F5344CB8AC3E}">
-        <p14:creationId xmlns:p14="http://schemas.microsoft.com/office/powerpoint/2010/main" val="1740422314"/>
+        <p14:creationId xmlns:p14="http://schemas.microsoft.com/office/powerpoint/2010/main" val="334168314"/>
       </p:ext>
     </p:extLst>
   </p:cSld>
@@ -46319,7 +47268,31 @@
           <a:bodyPr/>
           <a:lstStyle/>
           <a:p>
-            <a:endParaRPr lang="zh-TW" altLang="en-US"/>
+            <a:r>
+              <a:rPr lang="zh-TW" altLang="en-US" dirty="0" smtClean="0"/>
+              <a:t>服務的介面 </a:t>
+            </a:r>
+            <a:r>
+              <a:rPr lang="en-US" altLang="zh-TW" dirty="0" smtClean="0"/>
+              <a:t>(API)</a:t>
+            </a:r>
+            <a:r>
+              <a:rPr lang="zh-TW" altLang="en-US" dirty="0" smtClean="0"/>
+              <a:t> 如何像 </a:t>
+            </a:r>
+            <a:r>
+              <a:rPr lang="en-US" altLang="zh-TW" dirty="0" smtClean="0"/>
+              <a:t>USB</a:t>
+            </a:r>
+            <a:r>
+              <a:rPr lang="zh-TW" altLang="en-US" dirty="0" smtClean="0"/>
+              <a:t> 般長壽</a:t>
+            </a:r>
+            <a:r>
+              <a:rPr lang="en-US" altLang="zh-TW" dirty="0" smtClean="0"/>
+              <a:t>?</a:t>
+            </a:r>
+            <a:endParaRPr lang="zh-TW" altLang="en-US" dirty="0"/>
           </a:p>
         </p:txBody>
       </p:sp>
@@ -46345,7 +47318,7 @@
     </p:spTree>
     <p:extLst>
       <p:ext uri="{BB962C8B-B14F-4D97-AF65-F5344CB8AC3E}">
-        <p14:creationId xmlns:p14="http://schemas.microsoft.com/office/powerpoint/2010/main" val="4230749211"/>
+        <p14:creationId xmlns:p14="http://schemas.microsoft.com/office/powerpoint/2010/main" val="478913659"/>
       </p:ext>
     </p:extLst>
   </p:cSld>
@@ -46420,6 +47393,156 @@
     </p:spTree>
     <p:extLst>
       <p:ext uri="{BB962C8B-B14F-4D97-AF65-F5344CB8AC3E}">
+        <p14:creationId xmlns:p14="http://schemas.microsoft.com/office/powerpoint/2010/main" val="1740422314"/>
+      </p:ext>
+    </p:extLst>
+  </p:cSld>
+  <p:clrMapOvr>
+    <a:masterClrMapping/>
+  </p:clrMapOvr>
+  <p:timing>
+    <p:tnLst>
+      <p:par>
+        <p:cTn id="1" dur="indefinite" restart="never" nodeType="tmRoot"/>
+      </p:par>
+    </p:tnLst>
+  </p:timing>
+</p:sld>
+</file>
+
+<file path=ppt/slides/slide62.xml><?xml version="1.0" encoding="utf-8"?>
+<p:sld xmlns:a="http://schemas.openxmlformats.org/drawingml/2006/main" xmlns:r="http://schemas.openxmlformats.org/officeDocument/2006/relationships" xmlns:p="http://schemas.openxmlformats.org/presentationml/2006/main">
+  <p:cSld>
+    <p:spTree>
+      <p:nvGrpSpPr>
+        <p:cNvPr id="1" name=""/>
+        <p:cNvGrpSpPr/>
+        <p:nvPr/>
+      </p:nvGrpSpPr>
+      <p:grpSpPr>
+        <a:xfrm>
+          <a:off x="0" y="0"/>
+          <a:ext cx="0" cy="0"/>
+          <a:chOff x="0" y="0"/>
+          <a:chExt cx="0" cy="0"/>
+        </a:xfrm>
+      </p:grpSpPr>
+      <p:sp>
+        <p:nvSpPr>
+          <p:cNvPr id="2" name="標題 1"/>
+          <p:cNvSpPr>
+            <a:spLocks noGrp="1"/>
+          </p:cNvSpPr>
+          <p:nvPr>
+            <p:ph type="title"/>
+          </p:nvPr>
+        </p:nvSpPr>
+        <p:spPr/>
+        <p:txBody>
+          <a:bodyPr/>
+          <a:lstStyle/>
+          <a:p>
+            <a:endParaRPr lang="zh-TW" altLang="en-US"/>
+          </a:p>
+        </p:txBody>
+      </p:sp>
+      <p:sp>
+        <p:nvSpPr>
+          <p:cNvPr id="3" name="內容版面配置區 2"/>
+          <p:cNvSpPr>
+            <a:spLocks noGrp="1"/>
+          </p:cNvSpPr>
+          <p:nvPr>
+            <p:ph idx="1"/>
+          </p:nvPr>
+        </p:nvSpPr>
+        <p:spPr/>
+        <p:txBody>
+          <a:bodyPr/>
+          <a:lstStyle/>
+          <a:p>
+            <a:endParaRPr lang="zh-TW" altLang="en-US"/>
+          </a:p>
+        </p:txBody>
+      </p:sp>
+    </p:spTree>
+    <p:extLst>
+      <p:ext uri="{BB962C8B-B14F-4D97-AF65-F5344CB8AC3E}">
+        <p14:creationId xmlns:p14="http://schemas.microsoft.com/office/powerpoint/2010/main" val="4230749211"/>
+      </p:ext>
+    </p:extLst>
+  </p:cSld>
+  <p:clrMapOvr>
+    <a:masterClrMapping/>
+  </p:clrMapOvr>
+  <p:timing>
+    <p:tnLst>
+      <p:par>
+        <p:cTn id="1" dur="indefinite" restart="never" nodeType="tmRoot"/>
+      </p:par>
+    </p:tnLst>
+  </p:timing>
+</p:sld>
+</file>
+
+<file path=ppt/slides/slide63.xml><?xml version="1.0" encoding="utf-8"?>
+<p:sld xmlns:a="http://schemas.openxmlformats.org/drawingml/2006/main" xmlns:r="http://schemas.openxmlformats.org/officeDocument/2006/relationships" xmlns:p="http://schemas.openxmlformats.org/presentationml/2006/main">
+  <p:cSld>
+    <p:spTree>
+      <p:nvGrpSpPr>
+        <p:cNvPr id="1" name=""/>
+        <p:cNvGrpSpPr/>
+        <p:nvPr/>
+      </p:nvGrpSpPr>
+      <p:grpSpPr>
+        <a:xfrm>
+          <a:off x="0" y="0"/>
+          <a:ext cx="0" cy="0"/>
+          <a:chOff x="0" y="0"/>
+          <a:chExt cx="0" cy="0"/>
+        </a:xfrm>
+      </p:grpSpPr>
+      <p:sp>
+        <p:nvSpPr>
+          <p:cNvPr id="2" name="標題 1"/>
+          <p:cNvSpPr>
+            <a:spLocks noGrp="1"/>
+          </p:cNvSpPr>
+          <p:nvPr>
+            <p:ph type="title"/>
+          </p:nvPr>
+        </p:nvSpPr>
+        <p:spPr/>
+        <p:txBody>
+          <a:bodyPr/>
+          <a:lstStyle/>
+          <a:p>
+            <a:endParaRPr lang="zh-TW" altLang="en-US"/>
+          </a:p>
+        </p:txBody>
+      </p:sp>
+      <p:sp>
+        <p:nvSpPr>
+          <p:cNvPr id="3" name="內容版面配置區 2"/>
+          <p:cNvSpPr>
+            <a:spLocks noGrp="1"/>
+          </p:cNvSpPr>
+          <p:nvPr>
+            <p:ph idx="1"/>
+          </p:nvPr>
+        </p:nvSpPr>
+        <p:spPr/>
+        <p:txBody>
+          <a:bodyPr/>
+          <a:lstStyle/>
+          <a:p>
+            <a:endParaRPr lang="zh-TW" altLang="en-US"/>
+          </a:p>
+        </p:txBody>
+      </p:sp>
+    </p:spTree>
+    <p:extLst>
+      <p:ext uri="{BB962C8B-B14F-4D97-AF65-F5344CB8AC3E}">
         <p14:creationId xmlns:p14="http://schemas.microsoft.com/office/powerpoint/2010/main" val="2446839815"/>
       </p:ext>
     </p:extLst>
@@ -46437,7 +47560,7 @@
 </p:sld>
 </file>
 
-<file path=ppt/slides/slide62.xml><?xml version="1.0" encoding="utf-8"?>
+<file path=ppt/slides/slide64.xml><?xml version="1.0" encoding="utf-8"?>
 <p:sld xmlns:a="http://schemas.openxmlformats.org/drawingml/2006/main" xmlns:r="http://schemas.openxmlformats.org/officeDocument/2006/relationships" xmlns:p="http://schemas.openxmlformats.org/presentationml/2006/main">
   <p:cSld>
     <p:spTree>
